--- a/presentation/présentation.pptx
+++ b/presentation/présentation.pptx
@@ -5,7 +5,7 @@
     <p:sldMasterId id="2147483714" r:id="rId1"/>
   </p:sldMasterIdLst>
   <p:notesMasterIdLst>
-    <p:notesMasterId r:id="rId20"/>
+    <p:notesMasterId r:id="rId16"/>
   </p:notesMasterIdLst>
   <p:sldIdLst>
     <p:sldId id="256" r:id="rId2"/>
@@ -18,14 +18,10 @@
     <p:sldId id="269" r:id="rId9"/>
     <p:sldId id="265" r:id="rId10"/>
     <p:sldId id="266" r:id="rId11"/>
-    <p:sldId id="271" r:id="rId12"/>
-    <p:sldId id="272" r:id="rId13"/>
-    <p:sldId id="273" r:id="rId14"/>
-    <p:sldId id="262" r:id="rId15"/>
-    <p:sldId id="263" r:id="rId16"/>
-    <p:sldId id="267" r:id="rId17"/>
-    <p:sldId id="270" r:id="rId18"/>
-    <p:sldId id="268" r:id="rId19"/>
+    <p:sldId id="262" r:id="rId12"/>
+    <p:sldId id="263" r:id="rId13"/>
+    <p:sldId id="267" r:id="rId14"/>
+    <p:sldId id="268" r:id="rId15"/>
   </p:sldIdLst>
   <p:sldSz cx="12192000" cy="6858000"/>
   <p:notesSz cx="6858000" cy="9144000"/>
@@ -214,7 +210,7 @@
           <a:p>
             <a:fld id="{09F55BE7-0936-42BD-88DD-8E631A439134}" type="datetimeFigureOut">
               <a:rPr lang="fr-FR" smtClean="0"/>
-              <a:t>22/10/2017</a:t>
+              <a:t>21/10/2017</a:t>
             </a:fld>
             <a:endParaRPr lang="fr-FR"/>
           </a:p>
@@ -481,90 +477,6 @@
 </p:notesMaster>
 </file>
 
-<file path=ppt/notesSlides/notesSlide1.xml><?xml version="1.0" encoding="utf-8"?>
-<p:notes xmlns:a="http://schemas.openxmlformats.org/drawingml/2006/main" xmlns:r="http://schemas.openxmlformats.org/officeDocument/2006/relationships" xmlns:p="http://schemas.openxmlformats.org/presentationml/2006/main">
-  <p:cSld>
-    <p:spTree>
-      <p:nvGrpSpPr>
-        <p:cNvPr id="1" name=""/>
-        <p:cNvGrpSpPr/>
-        <p:nvPr/>
-      </p:nvGrpSpPr>
-      <p:grpSpPr>
-        <a:xfrm>
-          <a:off x="0" y="0"/>
-          <a:ext cx="0" cy="0"/>
-          <a:chOff x="0" y="0"/>
-          <a:chExt cx="0" cy="0"/>
-        </a:xfrm>
-      </p:grpSpPr>
-      <p:sp>
-        <p:nvSpPr>
-          <p:cNvPr id="2" name="Espace réservé de l'image des diapositives 1"/>
-          <p:cNvSpPr>
-            <a:spLocks noGrp="1" noRot="1" noChangeAspect="1"/>
-          </p:cNvSpPr>
-          <p:nvPr>
-            <p:ph type="sldImg"/>
-          </p:nvPr>
-        </p:nvSpPr>
-        <p:spPr/>
-      </p:sp>
-      <p:sp>
-        <p:nvSpPr>
-          <p:cNvPr id="3" name="Espace réservé des commentaires 2"/>
-          <p:cNvSpPr>
-            <a:spLocks noGrp="1"/>
-          </p:cNvSpPr>
-          <p:nvPr>
-            <p:ph type="body" idx="1"/>
-          </p:nvPr>
-        </p:nvSpPr>
-        <p:spPr/>
-        <p:txBody>
-          <a:bodyPr/>
-          <a:lstStyle/>
-          <a:p>
-            <a:endParaRPr lang="fr-FR" dirty="0"/>
-          </a:p>
-        </p:txBody>
-      </p:sp>
-      <p:sp>
-        <p:nvSpPr>
-          <p:cNvPr id="4" name="Espace réservé du numéro de diapositive 3"/>
-          <p:cNvSpPr>
-            <a:spLocks noGrp="1"/>
-          </p:cNvSpPr>
-          <p:nvPr>
-            <p:ph type="sldNum" sz="quarter" idx="10"/>
-          </p:nvPr>
-        </p:nvSpPr>
-        <p:spPr/>
-        <p:txBody>
-          <a:bodyPr/>
-          <a:lstStyle/>
-          <a:p>
-            <a:fld id="{4FECD745-472C-4121-89FC-B5D2F3529C45}" type="slidenum">
-              <a:rPr lang="fr-FR" smtClean="0"/>
-              <a:t>11</a:t>
-            </a:fld>
-            <a:endParaRPr lang="fr-FR"/>
-          </a:p>
-        </p:txBody>
-      </p:sp>
-    </p:spTree>
-    <p:extLst>
-      <p:ext uri="{BB962C8B-B14F-4D97-AF65-F5344CB8AC3E}">
-        <p14:creationId xmlns:p14="http://schemas.microsoft.com/office/powerpoint/2010/main" val="2887501530"/>
-      </p:ext>
-    </p:extLst>
-  </p:cSld>
-  <p:clrMapOvr>
-    <a:masterClrMapping/>
-  </p:clrMapOvr>
-</p:notes>
-</file>
-
 <file path=ppt/slideLayouts/slideLayout1.xml><?xml version="1.0" encoding="utf-8"?>
 <p:sldLayout xmlns:a="http://schemas.openxmlformats.org/drawingml/2006/main" xmlns:r="http://schemas.openxmlformats.org/officeDocument/2006/relationships" xmlns:p="http://schemas.openxmlformats.org/presentationml/2006/main" showMasterSp="0" type="title" preserve="1">
   <p:cSld name="Diapositive de titre">
@@ -1776,7 +1688,7 @@
           <a:p>
             <a:fld id="{99609858-30D4-45AB-86DE-E614756CB182}" type="datetime1">
               <a:rPr lang="fr-FR" smtClean="0"/>
-              <a:t>22/10/2017</a:t>
+              <a:t>21/10/2017</a:t>
             </a:fld>
             <a:endParaRPr lang="fr-FR"/>
           </a:p>
@@ -2014,7 +1926,7 @@
           <a:p>
             <a:fld id="{D844CA93-0BA0-464D-973C-09282D37B2AD}" type="datetime1">
               <a:rPr lang="fr-FR" smtClean="0"/>
-              <a:t>22/10/2017</a:t>
+              <a:t>21/10/2017</a:t>
             </a:fld>
             <a:endParaRPr lang="fr-FR"/>
           </a:p>
@@ -2194,7 +2106,7 @@
           <a:p>
             <a:fld id="{C410D5A3-CD8E-4319-A00A-166318085CFA}" type="datetime1">
               <a:rPr lang="fr-FR" smtClean="0"/>
-              <a:t>22/10/2017</a:t>
+              <a:t>21/10/2017</a:t>
             </a:fld>
             <a:endParaRPr lang="fr-FR"/>
           </a:p>
@@ -2364,7 +2276,7 @@
           <a:p>
             <a:fld id="{8D8251DC-D010-4512-9E64-0AD1A731F3B7}" type="datetime1">
               <a:rPr lang="fr-FR" smtClean="0"/>
-              <a:t>22/10/2017</a:t>
+              <a:t>21/10/2017</a:t>
             </a:fld>
             <a:endParaRPr lang="fr-FR"/>
           </a:p>
@@ -2637,7 +2549,7 @@
           <a:p>
             <a:fld id="{3ADB3EEE-0573-422E-83EB-A17F75FA2A5D}" type="datetime1">
               <a:rPr lang="fr-FR" smtClean="0"/>
-              <a:t>22/10/2017</a:t>
+              <a:t>21/10/2017</a:t>
             </a:fld>
             <a:endParaRPr lang="fr-FR"/>
           </a:p>
@@ -3838,7 +3750,7 @@
           <a:p>
             <a:fld id="{6E297C13-8A02-476A-BC32-9713B4BAFEC7}" type="datetime1">
               <a:rPr lang="fr-FR" smtClean="0"/>
-              <a:t>22/10/2017</a:t>
+              <a:t>21/10/2017</a:t>
             </a:fld>
             <a:endParaRPr lang="fr-FR"/>
           </a:p>
@@ -4228,7 +4140,7 @@
           <a:p>
             <a:fld id="{475AE75B-EA2B-4EC0-94D9-2C72F3C247DE}" type="datetime1">
               <a:rPr lang="fr-FR" smtClean="0"/>
-              <a:t>22/10/2017</a:t>
+              <a:t>21/10/2017</a:t>
             </a:fld>
             <a:endParaRPr lang="fr-FR"/>
           </a:p>
@@ -4351,7 +4263,7 @@
           <a:p>
             <a:fld id="{A572B5C8-A500-44FA-8C56-4A868313919D}" type="datetime1">
               <a:rPr lang="fr-FR" smtClean="0"/>
-              <a:t>22/10/2017</a:t>
+              <a:t>21/10/2017</a:t>
             </a:fld>
             <a:endParaRPr lang="fr-FR"/>
           </a:p>
@@ -4446,7 +4358,7 @@
           <a:p>
             <a:fld id="{D59DE406-907E-412B-A99B-8D8C0CB55C02}" type="datetime1">
               <a:rPr lang="fr-FR" smtClean="0"/>
-              <a:t>22/10/2017</a:t>
+              <a:t>21/10/2017</a:t>
             </a:fld>
             <a:endParaRPr lang="fr-FR"/>
           </a:p>
@@ -5209,7 +5121,7 @@
           <a:p>
             <a:fld id="{CD863F08-B8AC-4AD6-A546-D59C4BF35E70}" type="datetime1">
               <a:rPr lang="fr-FR" smtClean="0"/>
-              <a:t>22/10/2017</a:t>
+              <a:t>21/10/2017</a:t>
             </a:fld>
             <a:endParaRPr lang="fr-FR"/>
           </a:p>
@@ -6049,7 +5961,7 @@
           <a:p>
             <a:fld id="{478E2868-9E91-4049-938C-5036A8BF9F2B}" type="datetime1">
               <a:rPr lang="fr-FR" smtClean="0"/>
-              <a:t>22/10/2017</a:t>
+              <a:t>21/10/2017</a:t>
             </a:fld>
             <a:endParaRPr lang="fr-FR"/>
           </a:p>
@@ -6276,7 +6188,7 @@
           <a:p>
             <a:fld id="{574618F7-44F1-4989-9F51-574A4709CD9B}" type="datetime1">
               <a:rPr lang="fr-FR" smtClean="0"/>
-              <a:t>22/10/2017</a:t>
+              <a:t>21/10/2017</a:t>
             </a:fld>
             <a:endParaRPr lang="fr-FR"/>
           </a:p>
@@ -7281,7 +7193,7 @@
           <p:cNvPr id="2" name="Titre 1">
             <a:extLst>
               <a:ext uri="{FF2B5EF4-FFF2-40B4-BE49-F238E27FC236}">
-                <a16:creationId xmlns="" xmlns:a16="http://schemas.microsoft.com/office/drawing/2014/main" id="{E2A24B82-42CA-45CD-ADA1-19E4A300375A}"/>
+                <a16:creationId xmlns:a16="http://schemas.microsoft.com/office/drawing/2014/main" xmlns="" id="{E2A24B82-42CA-45CD-ADA1-19E4A300375A}"/>
               </a:ext>
             </a:extLst>
           </p:cNvPr>
@@ -7315,7 +7227,7 @@
           <p:cNvPr id="3" name="Sous-titre 2">
             <a:extLst>
               <a:ext uri="{FF2B5EF4-FFF2-40B4-BE49-F238E27FC236}">
-                <a16:creationId xmlns="" xmlns:a16="http://schemas.microsoft.com/office/drawing/2014/main" id="{AF37375B-B60F-425C-BFFC-82940BA07C51}"/>
+                <a16:creationId xmlns:a16="http://schemas.microsoft.com/office/drawing/2014/main" xmlns="" id="{AF37375B-B60F-425C-BFFC-82940BA07C51}"/>
               </a:ext>
             </a:extLst>
           </p:cNvPr>
@@ -7368,7 +7280,7 @@
           <p:cNvPr id="5" name="ZoneTexte 4">
             <a:extLst>
               <a:ext uri="{FF2B5EF4-FFF2-40B4-BE49-F238E27FC236}">
-                <a16:creationId xmlns="" xmlns:a16="http://schemas.microsoft.com/office/drawing/2014/main" id="{EFC1A2BF-93E2-4C32-95F8-0C7116221A83}"/>
+                <a16:creationId xmlns:a16="http://schemas.microsoft.com/office/drawing/2014/main" xmlns="" id="{EFC1A2BF-93E2-4C32-95F8-0C7116221A83}"/>
               </a:ext>
             </a:extLst>
           </p:cNvPr>
@@ -7410,7 +7322,7 @@
           <p:cNvPr id="6" name="Sous-titre 2">
             <a:extLst>
               <a:ext uri="{FF2B5EF4-FFF2-40B4-BE49-F238E27FC236}">
-                <a16:creationId xmlns="" xmlns:a16="http://schemas.microsoft.com/office/drawing/2014/main" id="{0697245A-1669-415C-A066-5404AB58FDC2}"/>
+                <a16:creationId xmlns:a16="http://schemas.microsoft.com/office/drawing/2014/main" xmlns="" id="{0697245A-1669-415C-A066-5404AB58FDC2}"/>
               </a:ext>
             </a:extLst>
           </p:cNvPr>
@@ -7686,7 +7598,7 @@
           <p:cNvPr id="7" name="Espace réservé de la date 6">
             <a:extLst>
               <a:ext uri="{FF2B5EF4-FFF2-40B4-BE49-F238E27FC236}">
-                <a16:creationId xmlns="" xmlns:a16="http://schemas.microsoft.com/office/drawing/2014/main" id="{297F05EB-B7D5-4A07-B5ED-0F2796E56392}"/>
+                <a16:creationId xmlns:a16="http://schemas.microsoft.com/office/drawing/2014/main" xmlns="" id="{297F05EB-B7D5-4A07-B5ED-0F2796E56392}"/>
               </a:ext>
             </a:extLst>
           </p:cNvPr>
@@ -7704,7 +7616,7 @@
           <a:p>
             <a:fld id="{8D0E84CA-B404-4A0F-93F7-FE6C3EBD90AE}" type="datetime1">
               <a:rPr lang="fr-FR" smtClean="0"/>
-              <a:t>22/10/2017</a:t>
+              <a:t>21/10/2017</a:t>
             </a:fld>
             <a:endParaRPr lang="fr-FR"/>
           </a:p>
@@ -7715,7 +7627,7 @@
           <p:cNvPr id="8" name="Espace réservé du numéro de diapositive 7">
             <a:extLst>
               <a:ext uri="{FF2B5EF4-FFF2-40B4-BE49-F238E27FC236}">
-                <a16:creationId xmlns="" xmlns:a16="http://schemas.microsoft.com/office/drawing/2014/main" id="{40F2CCAF-6658-4659-9A16-029471F4CBEA}"/>
+                <a16:creationId xmlns:a16="http://schemas.microsoft.com/office/drawing/2014/main" xmlns="" id="{40F2CCAF-6658-4659-9A16-029471F4CBEA}"/>
               </a:ext>
             </a:extLst>
           </p:cNvPr>
@@ -7744,7 +7656,7 @@
           <p:cNvPr id="10" name="Image 9">
             <a:extLst>
               <a:ext uri="{FF2B5EF4-FFF2-40B4-BE49-F238E27FC236}">
-                <a16:creationId xmlns="" xmlns:a16="http://schemas.microsoft.com/office/drawing/2014/main" id="{57EB7689-8413-4700-8170-1D2FACAADF73}"/>
+                <a16:creationId xmlns:a16="http://schemas.microsoft.com/office/drawing/2014/main" xmlns="" id="{57EB7689-8413-4700-8170-1D2FACAADF73}"/>
               </a:ext>
             </a:extLst>
           </p:cNvPr>
@@ -7831,29 +7743,29 @@
           <a:p>
             <a:pPr algn="ctr"/>
             <a:r>
-              <a:rPr lang="fr-FR" sz="3600" dirty="0" smtClean="0"/>
+              <a:rPr lang="fr-FR" sz="4000" dirty="0" smtClean="0"/>
               <a:t>Test de validation :</a:t>
             </a:r>
             <a:br>
-              <a:rPr lang="fr-FR" sz="3600" dirty="0" smtClean="0"/>
+              <a:rPr lang="fr-FR" sz="4000" dirty="0" smtClean="0"/>
             </a:br>
             <a:r>
-              <a:rPr lang="fr-FR" sz="4000" dirty="0"/>
+              <a:rPr lang="fr-FR" sz="4400" dirty="0"/>
               <a:t>Acheter un emplacement </a:t>
             </a:r>
             <a:r>
-              <a:rPr lang="fr-FR" sz="4000" dirty="0" err="1"/>
+              <a:rPr lang="fr-FR" sz="4400" dirty="0" err="1"/>
               <a:t>deck</a:t>
             </a:r>
             <a:r>
-              <a:rPr lang="fr-FR" sz="4000" dirty="0"/>
+              <a:rPr lang="fr-FR" sz="4400" dirty="0"/>
               <a:t> ou un </a:t>
             </a:r>
             <a:r>
-              <a:rPr lang="fr-FR" sz="4000" dirty="0" err="1" smtClean="0"/>
+              <a:rPr lang="fr-FR" sz="4400" dirty="0" err="1" smtClean="0"/>
               <a:t>pacK</a:t>
             </a:r>
-            <a:endParaRPr lang="fr-FR" sz="3600" dirty="0"/>
+            <a:endParaRPr lang="fr-FR" sz="4000" dirty="0"/>
           </a:p>
         </p:txBody>
       </p:sp>
@@ -7869,328 +7781,183 @@
         </p:nvSpPr>
         <p:spPr>
           <a:xfrm>
-            <a:off x="940558" y="1660590"/>
-            <a:ext cx="5281684" cy="5104262"/>
+            <a:off x="1257300" y="2172831"/>
+            <a:ext cx="4800600" cy="4202847"/>
           </a:xfrm>
         </p:spPr>
         <p:txBody>
           <a:bodyPr>
-            <a:noAutofit/>
+            <a:normAutofit fontScale="70000" lnSpcReduction="20000"/>
           </a:bodyPr>
           <a:lstStyle/>
           <a:p>
             <a:pPr marL="0" indent="0">
-              <a:lnSpc>
-                <a:spcPct val="100000"/>
-              </a:lnSpc>
-              <a:spcBef>
-                <a:spcPts val="0"/>
-              </a:spcBef>
               <a:buNone/>
             </a:pPr>
             <a:r>
-              <a:rPr lang="fr-FR" sz="1400" u="sng" dirty="0"/>
-              <a:t>TV01: Acheter un </a:t>
-            </a:r>
-            <a:r>
-              <a:rPr lang="fr-FR" sz="1400" u="sng" dirty="0" smtClean="0"/>
-              <a:t>pack</a:t>
-            </a:r>
-            <a:endParaRPr lang="fr-FR" sz="1400" u="sng" dirty="0"/>
+              <a:rPr lang="fr-FR" u="sng" dirty="0" smtClean="0"/>
+              <a:t>Test de validation 01</a:t>
+            </a:r>
+            <a:r>
+              <a:rPr lang="fr-FR" dirty="0" smtClean="0"/>
+              <a:t>: </a:t>
+            </a:r>
+            <a:r>
+              <a:rPr lang="fr-FR" dirty="0"/>
+              <a:t>Acheter un pack</a:t>
+            </a:r>
           </a:p>
           <a:p>
             <a:pPr marL="0" indent="0">
-              <a:lnSpc>
-                <a:spcPct val="100000"/>
-              </a:lnSpc>
-              <a:spcBef>
-                <a:spcPts val="0"/>
-              </a:spcBef>
               <a:buNone/>
             </a:pPr>
-            <a:r>
-              <a:rPr lang="fr-FR" sz="1400" u="sng" dirty="0"/>
-              <a:t>Contexte</a:t>
-            </a:r>
-            <a:r>
-              <a:rPr lang="fr-FR" sz="1400" dirty="0"/>
-              <a:t>: Abdoulaye est connecté et se trouve dans la boutique, il assez d'argent sur son compte en banque et il a rentré ses coordonnées bancaires</a:t>
-            </a:r>
-            <a:r>
-              <a:rPr lang="fr-FR" sz="1400" dirty="0" smtClean="0"/>
+            <a:endParaRPr lang="fr-FR" dirty="0"/>
+          </a:p>
+          <a:p>
+            <a:pPr marL="0" indent="0">
+              <a:buNone/>
+            </a:pPr>
+            <a:r>
+              <a:rPr lang="fr-FR" u="sng" dirty="0" smtClean="0"/>
+              <a:t>Contexte </a:t>
+            </a:r>
+            <a:r>
+              <a:rPr lang="fr-FR" dirty="0" smtClean="0"/>
+              <a:t>: </a:t>
+            </a:r>
+            <a:r>
+              <a:rPr lang="fr-FR" dirty="0" smtClean="0"/>
+              <a:t>"</a:t>
+            </a:r>
+            <a:r>
+              <a:rPr lang="fr-FR" dirty="0" err="1" smtClean="0"/>
+              <a:t>yann</a:t>
+            </a:r>
+            <a:r>
+              <a:rPr lang="fr-FR" dirty="0" smtClean="0"/>
+              <a:t>" </a:t>
+            </a:r>
+            <a:r>
+              <a:rPr lang="fr-FR" dirty="0"/>
+              <a:t>est connecté, il a de l'argent sur son compte en banque, Il a rentré ses coordonnées bancaires</a:t>
+            </a:r>
+            <a:r>
+              <a:rPr lang="fr-FR" dirty="0" smtClean="0"/>
               <a:t>.</a:t>
             </a:r>
-            <a:endParaRPr lang="fr-FR" sz="1400" dirty="0"/>
+            <a:endParaRPr lang="fr-FR" dirty="0"/>
           </a:p>
           <a:p>
             <a:pPr marL="0" indent="0">
-              <a:lnSpc>
-                <a:spcPct val="100000"/>
-              </a:lnSpc>
-              <a:spcBef>
-                <a:spcPts val="0"/>
-              </a:spcBef>
               <a:buNone/>
             </a:pPr>
             <a:r>
-              <a:rPr lang="fr-FR" sz="1400" u="sng" dirty="0"/>
-              <a:t>Scénario</a:t>
-            </a:r>
-            <a:r>
-              <a:rPr lang="fr-FR" sz="1400" dirty="0" smtClean="0"/>
+              <a:rPr lang="fr-FR" u="sng" dirty="0" smtClean="0"/>
+              <a:t>Scénario nominal :</a:t>
+            </a:r>
+            <a:endParaRPr lang="fr-FR" dirty="0"/>
+          </a:p>
+          <a:p>
+            <a:pPr marL="0" indent="0">
+              <a:buNone/>
+            </a:pPr>
+            <a:r>
+              <a:rPr lang="fr-FR" dirty="0"/>
+              <a:t>1:  Le joueur choisit son pack</a:t>
+            </a:r>
+          </a:p>
+          <a:p>
+            <a:pPr marL="0" indent="0">
+              <a:buNone/>
+            </a:pPr>
+            <a:r>
+              <a:rPr lang="fr-FR" dirty="0"/>
+              <a:t>2.  Le joueur appuie sur 'acheter'</a:t>
+            </a:r>
+          </a:p>
+          <a:p>
+            <a:pPr marL="0" indent="0">
+              <a:buNone/>
+            </a:pPr>
+            <a:r>
+              <a:rPr lang="fr-FR" dirty="0"/>
+              <a:t>3.  Le joueur confirme son achat</a:t>
+            </a:r>
+          </a:p>
+          <a:p>
+            <a:pPr marL="457200" indent="-457200">
+              <a:buAutoNum type="arabicPeriod" startAt="4"/>
+            </a:pPr>
+            <a:r>
+              <a:rPr lang="fr-FR" dirty="0" smtClean="0"/>
+              <a:t>Le </a:t>
+            </a:r>
+            <a:r>
+              <a:rPr lang="fr-FR" dirty="0"/>
+              <a:t>joueur refuse un second </a:t>
+            </a:r>
+            <a:r>
+              <a:rPr lang="fr-FR" dirty="0" smtClean="0"/>
+              <a:t>achat</a:t>
+            </a:r>
+          </a:p>
+          <a:p>
+            <a:pPr marL="457200" indent="-457200">
+              <a:buAutoNum type="arabicPeriod" startAt="4"/>
+            </a:pPr>
+            <a:endParaRPr lang="fr-FR" dirty="0"/>
+          </a:p>
+          <a:p>
+            <a:pPr marL="0" indent="0">
+              <a:buNone/>
+            </a:pPr>
+            <a:r>
+              <a:rPr lang="fr-FR" u="sng" dirty="0"/>
+              <a:t>Résultat attendu </a:t>
+            </a:r>
+            <a:r>
+              <a:rPr lang="fr-FR" dirty="0"/>
               <a:t>:</a:t>
             </a:r>
-            <a:endParaRPr lang="fr-FR" sz="1400" dirty="0"/>
           </a:p>
           <a:p>
             <a:pPr marL="0" indent="0">
-              <a:lnSpc>
-                <a:spcPct val="100000"/>
-              </a:lnSpc>
-              <a:spcBef>
-                <a:spcPts val="0"/>
-              </a:spcBef>
               <a:buNone/>
             </a:pPr>
             <a:r>
-              <a:rPr lang="fr-FR" sz="1400" dirty="0"/>
-              <a:t>1:  Le joueur clique sur le pack qu'il veut acheter</a:t>
+              <a:rPr lang="fr-FR" dirty="0"/>
+              <a:t>    -&gt; Le joueur a bien été débité de la bonne somme</a:t>
             </a:r>
           </a:p>
           <a:p>
             <a:pPr marL="0" indent="0">
-              <a:lnSpc>
-                <a:spcPct val="100000"/>
-              </a:lnSpc>
-              <a:spcBef>
-                <a:spcPts val="0"/>
-              </a:spcBef>
               <a:buNone/>
             </a:pPr>
             <a:r>
-              <a:rPr lang="fr-FR" sz="1400" dirty="0"/>
-              <a:t>2.  Le joueur clique sur "Acheter"</a:t>
+              <a:rPr lang="fr-FR" dirty="0"/>
+              <a:t>    -&gt; Le joueur a bien reçu au moins une carte</a:t>
             </a:r>
           </a:p>
           <a:p>
             <a:pPr marL="0" indent="0">
-              <a:lnSpc>
-                <a:spcPct val="100000"/>
-              </a:lnSpc>
-              <a:spcBef>
-                <a:spcPts val="0"/>
-              </a:spcBef>
               <a:buNone/>
             </a:pPr>
             <a:r>
-              <a:rPr lang="fr-FR" sz="1400" dirty="0"/>
-              <a:t>3.  Le joueur confirme son achat</a:t>
+              <a:rPr lang="fr-FR" dirty="0"/>
+              <a:t>    -&gt; Le pack contient bien au moins une carte rare</a:t>
             </a:r>
           </a:p>
           <a:p>
             <a:pPr marL="0" indent="0">
-              <a:lnSpc>
-                <a:spcPct val="100000"/>
-              </a:lnSpc>
-              <a:spcBef>
-                <a:spcPts val="0"/>
-              </a:spcBef>
               <a:buNone/>
             </a:pPr>
-            <a:r>
-              <a:rPr lang="fr-FR" sz="1400" dirty="0"/>
-              <a:t>4.  Le joueur refuse un second </a:t>
-            </a:r>
-            <a:r>
-              <a:rPr lang="fr-FR" sz="1400" dirty="0" smtClean="0"/>
-              <a:t>achat</a:t>
-            </a:r>
-            <a:endParaRPr lang="fr-FR" sz="1400" dirty="0"/>
+            <a:endParaRPr lang="fr-FR" dirty="0"/>
           </a:p>
           <a:p>
             <a:pPr marL="0" indent="0">
-              <a:lnSpc>
-                <a:spcPct val="100000"/>
-              </a:lnSpc>
-              <a:spcBef>
-                <a:spcPts val="0"/>
-              </a:spcBef>
               <a:buNone/>
             </a:pPr>
-            <a:r>
-              <a:rPr lang="fr-FR" sz="1400" u="sng" dirty="0" smtClean="0"/>
-              <a:t>Résultat attendu</a:t>
-            </a:r>
-            <a:r>
-              <a:rPr lang="fr-FR" sz="1400" dirty="0" smtClean="0"/>
-              <a:t>:</a:t>
-            </a:r>
-            <a:endParaRPr lang="fr-FR" sz="1400" dirty="0"/>
-          </a:p>
-          <a:p>
-            <a:pPr marL="0" indent="0">
-              <a:lnSpc>
-                <a:spcPct val="100000"/>
-              </a:lnSpc>
-              <a:spcBef>
-                <a:spcPts val="0"/>
-              </a:spcBef>
-              <a:buNone/>
-            </a:pPr>
-            <a:r>
-              <a:rPr lang="fr-FR" sz="1400" dirty="0"/>
-              <a:t>    -&gt; Le joueur a bien été débité de la bonne somme</a:t>
-            </a:r>
-          </a:p>
-          <a:p>
-            <a:pPr marL="0" indent="0">
-              <a:lnSpc>
-                <a:spcPct val="100000"/>
-              </a:lnSpc>
-              <a:spcBef>
-                <a:spcPts val="0"/>
-              </a:spcBef>
-              <a:buNone/>
-            </a:pPr>
-            <a:r>
-              <a:rPr lang="fr-FR" sz="1400" dirty="0"/>
-              <a:t>    -&gt; Le joueur a bien reçu un pack</a:t>
-            </a:r>
-          </a:p>
-          <a:p>
-            <a:pPr marL="0" indent="0">
-              <a:lnSpc>
-                <a:spcPct val="100000"/>
-              </a:lnSpc>
-              <a:spcBef>
-                <a:spcPts val="0"/>
-              </a:spcBef>
-              <a:buNone/>
-            </a:pPr>
-            <a:r>
-              <a:rPr lang="fr-FR" sz="1400" dirty="0"/>
-              <a:t>    -&gt; Le pack contient bien au moins une carte rare</a:t>
-            </a:r>
-          </a:p>
-          <a:p>
-            <a:pPr marL="0" indent="0">
-              <a:lnSpc>
-                <a:spcPct val="100000"/>
-              </a:lnSpc>
-              <a:spcBef>
-                <a:spcPts val="0"/>
-              </a:spcBef>
-              <a:buNone/>
-            </a:pPr>
-            <a:r>
-              <a:rPr lang="fr-FR" sz="1400" dirty="0"/>
-              <a:t>    -&gt; Le système affiche "Félicitation vous avez reçu votre nouveau pack</a:t>
-            </a:r>
-            <a:r>
-              <a:rPr lang="fr-FR" sz="1400" dirty="0" smtClean="0"/>
-              <a:t>."</a:t>
-            </a:r>
-            <a:endParaRPr lang="fr-FR" sz="1400" dirty="0"/>
-          </a:p>
-          <a:p>
-            <a:pPr marL="0" indent="0">
-              <a:lnSpc>
-                <a:spcPct val="100000"/>
-              </a:lnSpc>
-              <a:spcBef>
-                <a:spcPts val="0"/>
-              </a:spcBef>
-              <a:buNone/>
-            </a:pPr>
-            <a:r>
-              <a:rPr lang="fr-FR" sz="1400" u="sng" dirty="0" smtClean="0"/>
-              <a:t>Moyen de vérification</a:t>
-            </a:r>
-            <a:r>
-              <a:rPr lang="fr-FR" sz="1400" dirty="0" smtClean="0"/>
-              <a:t>:</a:t>
-            </a:r>
-            <a:endParaRPr lang="fr-FR" sz="1400" dirty="0"/>
-          </a:p>
-          <a:p>
-            <a:pPr marL="0" indent="0">
-              <a:lnSpc>
-                <a:spcPct val="100000"/>
-              </a:lnSpc>
-              <a:spcBef>
-                <a:spcPts val="0"/>
-              </a:spcBef>
-              <a:buNone/>
-            </a:pPr>
-            <a:r>
-              <a:rPr lang="fr-FR" sz="1400" dirty="0"/>
-              <a:t>    -&gt; Vérifier sur son compte ne banque qu'il a bien été débité de la bonne somme</a:t>
-            </a:r>
-          </a:p>
-          <a:p>
-            <a:pPr marL="0" indent="0">
-              <a:lnSpc>
-                <a:spcPct val="100000"/>
-              </a:lnSpc>
-              <a:spcBef>
-                <a:spcPts val="0"/>
-              </a:spcBef>
-              <a:buNone/>
-            </a:pPr>
-            <a:r>
-              <a:rPr lang="fr-FR" sz="1400" dirty="0"/>
-              <a:t>    -&gt; Vérifier que le joueur a bien reçu son pack</a:t>
-            </a:r>
-          </a:p>
-          <a:p>
-            <a:pPr marL="0" indent="0">
-              <a:lnSpc>
-                <a:spcPct val="100000"/>
-              </a:lnSpc>
-              <a:spcBef>
-                <a:spcPts val="0"/>
-              </a:spcBef>
-              <a:buNone/>
-            </a:pPr>
-            <a:r>
-              <a:rPr lang="fr-FR" sz="1400" dirty="0"/>
-              <a:t>    -&gt; </a:t>
-            </a:r>
-            <a:r>
-              <a:rPr lang="fr-FR" sz="1400" dirty="0" err="1"/>
-              <a:t>Verifier</a:t>
-            </a:r>
-            <a:r>
-              <a:rPr lang="fr-FR" sz="1400" dirty="0"/>
-              <a:t> que le joueur a bien reçu au moins une carte rare dans le pack.</a:t>
-            </a:r>
-          </a:p>
-          <a:p>
-            <a:pPr marL="0" indent="0">
-              <a:lnSpc>
-                <a:spcPct val="100000"/>
-              </a:lnSpc>
-              <a:spcBef>
-                <a:spcPts val="0"/>
-              </a:spcBef>
-              <a:buNone/>
-            </a:pPr>
-            <a:r>
-              <a:rPr lang="fr-FR" sz="1400" dirty="0"/>
-              <a:t>    -&gt; Affichage visuel</a:t>
-            </a:r>
-          </a:p>
-          <a:p>
-            <a:pPr marL="0" indent="0">
-              <a:lnSpc>
-                <a:spcPct val="100000"/>
-              </a:lnSpc>
-              <a:spcBef>
-                <a:spcPts val="0"/>
-              </a:spcBef>
-              <a:buNone/>
-            </a:pPr>
-            <a:endParaRPr lang="fr-FR" sz="1400" dirty="0"/>
+            <a:endParaRPr lang="fr-FR" dirty="0"/>
           </a:p>
         </p:txBody>
       </p:sp>
@@ -8206,252 +7973,89 @@
         </p:nvSpPr>
         <p:spPr>
           <a:xfrm>
-            <a:off x="6177688" y="1660590"/>
-            <a:ext cx="5252312" cy="5104262"/>
+            <a:off x="6647796" y="2172831"/>
+            <a:ext cx="4800600" cy="3732669"/>
           </a:xfrm>
         </p:spPr>
         <p:txBody>
           <a:bodyPr>
-            <a:noAutofit/>
+            <a:normAutofit fontScale="70000" lnSpcReduction="20000"/>
           </a:bodyPr>
           <a:lstStyle/>
           <a:p>
             <a:pPr marL="0" indent="0">
-              <a:spcBef>
-                <a:spcPts val="0"/>
-              </a:spcBef>
               <a:buNone/>
             </a:pPr>
             <a:r>
-              <a:rPr lang="fr-FR" sz="1400" u="sng" dirty="0"/>
-              <a:t>TV02: Acheter un emplacement de </a:t>
-            </a:r>
-            <a:r>
-              <a:rPr lang="fr-FR" sz="1400" u="sng" dirty="0" err="1" smtClean="0"/>
-              <a:t>deck</a:t>
-            </a:r>
-            <a:endParaRPr lang="fr-FR" sz="1400" u="sng" dirty="0"/>
+              <a:rPr lang="fr-FR" u="sng" dirty="0" smtClean="0"/>
+              <a:t>Moyen de validation </a:t>
+            </a:r>
+            <a:r>
+              <a:rPr lang="fr-FR" dirty="0" smtClean="0"/>
+              <a:t>:</a:t>
+            </a:r>
+            <a:endParaRPr lang="fr-FR" dirty="0"/>
           </a:p>
           <a:p>
             <a:pPr marL="0" indent="0">
-              <a:spcBef>
-                <a:spcPts val="0"/>
-              </a:spcBef>
               <a:buNone/>
             </a:pPr>
             <a:r>
-              <a:rPr lang="fr-FR" sz="1400" u="sng" dirty="0"/>
-              <a:t>Contexte</a:t>
-            </a:r>
-            <a:r>
-              <a:rPr lang="fr-FR" sz="1400" dirty="0"/>
-              <a:t>: Abdoulaye est connecté et se trouve dans la boutique, il a assez d'argent sur son compte en banque, Il a rentré ses coordonnées bancaires</a:t>
-            </a:r>
-            <a:r>
-              <a:rPr lang="fr-FR" sz="1400" dirty="0" smtClean="0"/>
-              <a:t>.</a:t>
-            </a:r>
-            <a:endParaRPr lang="fr-FR" sz="1400" dirty="0"/>
+              <a:rPr lang="fr-FR" dirty="0"/>
+              <a:t>    -&gt; Vérifier sur son compte ne banque qu'il a bien été débité de la bonne somme</a:t>
+            </a:r>
           </a:p>
           <a:p>
             <a:pPr marL="0" indent="0">
-              <a:spcBef>
-                <a:spcPts val="0"/>
-              </a:spcBef>
               <a:buNone/>
             </a:pPr>
             <a:r>
-              <a:rPr lang="fr-FR" sz="1400" u="sng" dirty="0"/>
-              <a:t>Scénario</a:t>
-            </a:r>
-            <a:r>
-              <a:rPr lang="fr-FR" sz="1400" dirty="0" smtClean="0"/>
+              <a:rPr lang="fr-FR" dirty="0"/>
+              <a:t>    -&gt; Vérifier que le joueur a bien reçu ses cartes</a:t>
+            </a:r>
+          </a:p>
+          <a:p>
+            <a:pPr marL="0" indent="0">
+              <a:buNone/>
+            </a:pPr>
+            <a:r>
+              <a:rPr lang="fr-FR" dirty="0"/>
+              <a:t>    -&gt; </a:t>
+            </a:r>
+            <a:r>
+              <a:rPr lang="fr-FR" dirty="0" smtClean="0"/>
+              <a:t>Vérifier </a:t>
+            </a:r>
+            <a:r>
+              <a:rPr lang="fr-FR" dirty="0"/>
+              <a:t>que le joueur a bien reçu au moins une carte rare.</a:t>
+            </a:r>
+          </a:p>
+          <a:p>
+            <a:pPr marL="0" indent="0">
+              <a:buNone/>
+            </a:pPr>
+            <a:endParaRPr lang="fr-FR" dirty="0"/>
+          </a:p>
+          <a:p>
+            <a:pPr marL="0" indent="0">
+              <a:buNone/>
+            </a:pPr>
+            <a:r>
+              <a:rPr lang="fr-FR" u="sng" dirty="0" smtClean="0"/>
+              <a:t>Test de validation 02 </a:t>
+            </a:r>
+            <a:r>
+              <a:rPr lang="fr-FR" dirty="0" smtClean="0"/>
               <a:t>:</a:t>
             </a:r>
-            <a:endParaRPr lang="fr-FR" sz="1400" dirty="0"/>
+            <a:endParaRPr lang="fr-FR" dirty="0"/>
           </a:p>
           <a:p>
             <a:pPr marL="0" indent="0">
-              <a:spcBef>
-                <a:spcPts val="0"/>
-              </a:spcBef>
               <a:buNone/>
             </a:pPr>
-            <a:r>
-              <a:rPr lang="fr-FR" sz="1400" dirty="0"/>
-              <a:t>1:  Le joueur clique sur "Acheter un emplacement de </a:t>
-            </a:r>
-            <a:r>
-              <a:rPr lang="fr-FR" sz="1400" dirty="0" err="1"/>
-              <a:t>deck</a:t>
-            </a:r>
-            <a:r>
-              <a:rPr lang="fr-FR" sz="1400" dirty="0"/>
-              <a:t>"</a:t>
-            </a:r>
-          </a:p>
-          <a:p>
-            <a:pPr marL="0" indent="0">
-              <a:spcBef>
-                <a:spcPts val="0"/>
-              </a:spcBef>
-              <a:buNone/>
-            </a:pPr>
-            <a:r>
-              <a:rPr lang="fr-FR" sz="1400" dirty="0"/>
-              <a:t>2.  Le joueur confirme son achat</a:t>
-            </a:r>
-          </a:p>
-          <a:p>
-            <a:pPr marL="0" indent="0">
-              <a:spcBef>
-                <a:spcPts val="0"/>
-              </a:spcBef>
-              <a:buNone/>
-            </a:pPr>
-            <a:r>
-              <a:rPr lang="fr-FR" sz="1400" dirty="0"/>
-              <a:t>3.  Le joueur refuse un second </a:t>
-            </a:r>
-            <a:r>
-              <a:rPr lang="fr-FR" sz="1400" dirty="0" smtClean="0"/>
-              <a:t>achat</a:t>
-            </a:r>
-            <a:endParaRPr lang="fr-FR" sz="1400" dirty="0"/>
-          </a:p>
-          <a:p>
-            <a:pPr marL="0" indent="0">
-              <a:spcBef>
-                <a:spcPts val="0"/>
-              </a:spcBef>
-              <a:buNone/>
-            </a:pPr>
-            <a:r>
-              <a:rPr lang="fr-FR" sz="1400" u="sng" dirty="0" smtClean="0"/>
-              <a:t>Résultat attendu</a:t>
-            </a:r>
-            <a:r>
-              <a:rPr lang="fr-FR" sz="1400" dirty="0" smtClean="0"/>
-              <a:t>:</a:t>
-            </a:r>
-            <a:endParaRPr lang="fr-FR" sz="1400" dirty="0"/>
-          </a:p>
-          <a:p>
-            <a:pPr marL="0" indent="0">
-              <a:spcBef>
-                <a:spcPts val="0"/>
-              </a:spcBef>
-              <a:buNone/>
-            </a:pPr>
-            <a:r>
-              <a:rPr lang="fr-FR" sz="1400" dirty="0"/>
-              <a:t>    -&gt; Le joueur a bien été débité de la bonne somme</a:t>
-            </a:r>
-          </a:p>
-          <a:p>
-            <a:pPr marL="0" indent="0">
-              <a:spcBef>
-                <a:spcPts val="0"/>
-              </a:spcBef>
-              <a:buNone/>
-            </a:pPr>
-            <a:r>
-              <a:rPr lang="fr-FR" sz="1400" dirty="0"/>
-              <a:t>    -&gt; Le joueur a bien reçu un emplacement de </a:t>
-            </a:r>
-            <a:r>
-              <a:rPr lang="fr-FR" sz="1400" dirty="0" err="1"/>
-              <a:t>deck</a:t>
-            </a:r>
-            <a:endParaRPr lang="fr-FR" sz="1400" dirty="0"/>
-          </a:p>
-          <a:p>
-            <a:pPr marL="0" indent="0">
-              <a:spcBef>
-                <a:spcPts val="0"/>
-              </a:spcBef>
-              <a:buNone/>
-            </a:pPr>
-            <a:r>
-              <a:rPr lang="fr-FR" sz="1400" dirty="0"/>
-              <a:t> </a:t>
-            </a:r>
-            <a:r>
-              <a:rPr lang="fr-FR" sz="1400" dirty="0" smtClean="0"/>
-              <a:t>   -&gt; </a:t>
-            </a:r>
-            <a:r>
-              <a:rPr lang="fr-FR" sz="1400" dirty="0"/>
-              <a:t>Le système affiche "Félicitation vous avez reçu un nouvel emplacement de </a:t>
-            </a:r>
-            <a:r>
-              <a:rPr lang="fr-FR" sz="1400" dirty="0" err="1"/>
-              <a:t>deck</a:t>
-            </a:r>
-            <a:r>
-              <a:rPr lang="fr-FR" sz="1400" dirty="0" smtClean="0"/>
-              <a:t>."</a:t>
-            </a:r>
-            <a:endParaRPr lang="fr-FR" sz="1400" dirty="0"/>
-          </a:p>
-          <a:p>
-            <a:pPr marL="0" indent="0">
-              <a:spcBef>
-                <a:spcPts val="0"/>
-              </a:spcBef>
-              <a:buNone/>
-            </a:pPr>
-            <a:r>
-              <a:rPr lang="fr-FR" sz="1400" u="sng" dirty="0" smtClean="0"/>
-              <a:t>Moyen de vérification</a:t>
-            </a:r>
-            <a:r>
-              <a:rPr lang="fr-FR" sz="1400" dirty="0" smtClean="0"/>
-              <a:t>:</a:t>
-            </a:r>
-            <a:endParaRPr lang="fr-FR" sz="1400" dirty="0"/>
-          </a:p>
-          <a:p>
-            <a:pPr marL="0" indent="0">
-              <a:spcBef>
-                <a:spcPts val="0"/>
-              </a:spcBef>
-              <a:buNone/>
-            </a:pPr>
-            <a:r>
-              <a:rPr lang="fr-FR" sz="1400" dirty="0"/>
-              <a:t>    -&gt; Vérifier sur son compte en banque qu'il a bien été débité de la bonne somme</a:t>
-            </a:r>
-          </a:p>
-          <a:p>
-            <a:pPr marL="0" indent="0">
-              <a:spcBef>
-                <a:spcPts val="0"/>
-              </a:spcBef>
-              <a:buNone/>
-            </a:pPr>
-            <a:r>
-              <a:rPr lang="fr-FR" sz="1400" dirty="0"/>
-              <a:t>    -&gt; Vérifier que le joueur a bien reçu un emplacement de </a:t>
-            </a:r>
-            <a:r>
-              <a:rPr lang="fr-FR" sz="1400" dirty="0" err="1"/>
-              <a:t>deck</a:t>
-            </a:r>
-            <a:endParaRPr lang="fr-FR" sz="1400" dirty="0"/>
-          </a:p>
-          <a:p>
-            <a:pPr marL="0" indent="0">
-              <a:spcBef>
-                <a:spcPts val="0"/>
-              </a:spcBef>
-              <a:buNone/>
-            </a:pPr>
-            <a:r>
-              <a:rPr lang="fr-FR" sz="1400" dirty="0"/>
-              <a:t>    -&gt; Affichage visuel</a:t>
-            </a:r>
-            <a:endParaRPr lang="fr-FR" sz="1400" dirty="0"/>
+            <a:endParaRPr lang="fr-FR" dirty="0"/>
           </a:p>
         </p:txBody>
       </p:sp>
@@ -8472,7 +8076,7 @@
           <a:p>
             <a:fld id="{8D8251DC-D010-4512-9E64-0AD1A731F3B7}" type="datetime1">
               <a:rPr lang="fr-FR" smtClean="0"/>
-              <a:t>22/10/2017</a:t>
+              <a:t>21/10/2017</a:t>
             </a:fld>
             <a:endParaRPr lang="fr-FR"/>
           </a:p>
@@ -8541,7 +8145,12 @@
             <p:ph type="title"/>
           </p:nvPr>
         </p:nvSpPr>
-        <p:spPr/>
+        <p:spPr>
+          <a:xfrm>
+            <a:off x="1251678" y="382386"/>
+            <a:ext cx="10178322" cy="885100"/>
+          </a:xfrm>
+        </p:spPr>
         <p:txBody>
           <a:bodyPr>
             <a:noAutofit/>
@@ -8550,33 +8159,24 @@
           <a:p>
             <a:pPr algn="ctr"/>
             <a:r>
-              <a:rPr lang="fr-FR" sz="3600" dirty="0"/>
-              <a:t>Test de validation :</a:t>
+              <a:rPr lang="fr-FR" sz="3200" dirty="0"/>
+              <a:t>Fiche </a:t>
+            </a:r>
+            <a:r>
+              <a:rPr lang="fr-FR" sz="3200" dirty="0" smtClean="0"/>
+              <a:t>détaillée :</a:t>
             </a:r>
             <a:br>
-              <a:rPr lang="fr-FR" sz="3600" dirty="0"/>
+              <a:rPr lang="fr-FR" sz="3200" dirty="0" smtClean="0"/>
             </a:br>
             <a:r>
-              <a:rPr lang="fr-FR" sz="4400" dirty="0"/>
-              <a:t>Acheter un emplacement </a:t>
-            </a:r>
-            <a:r>
-              <a:rPr lang="fr-FR" sz="4400" dirty="0" err="1"/>
-              <a:t>deck</a:t>
-            </a:r>
-            <a:r>
-              <a:rPr lang="fr-FR" sz="4400" dirty="0"/>
-              <a:t> ou un </a:t>
-            </a:r>
-            <a:r>
-              <a:rPr lang="fr-FR" sz="4400" dirty="0" err="1" smtClean="0"/>
-              <a:t>pacK</a:t>
-            </a:r>
-            <a:r>
-              <a:rPr lang="fr-FR" sz="4400" dirty="0" smtClean="0"/>
-              <a:t> (2)</a:t>
-            </a:r>
-            <a:endParaRPr lang="fr-FR" sz="4000" dirty="0"/>
+              <a:rPr lang="fr-FR" sz="3200" dirty="0" smtClean="0"/>
+              <a:t>détruire carte</a:t>
+            </a:r>
+            <a:br>
+              <a:rPr lang="fr-FR" sz="3200" dirty="0" smtClean="0"/>
+            </a:br>
+            <a:endParaRPr lang="fr-FR" sz="3200" dirty="0"/>
           </a:p>
         </p:txBody>
       </p:sp>
@@ -8592,592 +8192,737 @@
         </p:nvSpPr>
         <p:spPr>
           <a:xfrm>
-            <a:off x="868087" y="2179119"/>
-            <a:ext cx="5472752" cy="4542355"/>
+            <a:off x="796704" y="841972"/>
+            <a:ext cx="10633295" cy="5613149"/>
           </a:xfrm>
         </p:spPr>
         <p:txBody>
           <a:bodyPr>
-            <a:normAutofit fontScale="70000" lnSpcReduction="20000"/>
+            <a:noAutofit/>
           </a:bodyPr>
           <a:lstStyle/>
           <a:p>
             <a:pPr marL="0" indent="0">
+              <a:lnSpc>
+                <a:spcPct val="100000"/>
+              </a:lnSpc>
               <a:spcBef>
                 <a:spcPts val="0"/>
               </a:spcBef>
               <a:buNone/>
             </a:pPr>
             <a:r>
-              <a:rPr lang="fr-FR" u="sng" dirty="0"/>
-              <a:t>TV03: Acheter un emplacement de </a:t>
-            </a:r>
-            <a:r>
-              <a:rPr lang="fr-FR" u="sng" dirty="0" err="1"/>
-              <a:t>deck</a:t>
-            </a:r>
-            <a:r>
-              <a:rPr lang="fr-FR" u="sng" dirty="0"/>
-              <a:t> sans avoir assez </a:t>
-            </a:r>
-            <a:r>
-              <a:rPr lang="fr-FR" u="sng" dirty="0" smtClean="0"/>
-              <a:t>d'argent</a:t>
-            </a:r>
+              <a:rPr lang="fr-FR" sz="1500" u="sng" dirty="0">
+                <a:solidFill>
+                  <a:schemeClr val="tx1"/>
+                </a:solidFill>
+              </a:rPr>
+              <a:t>Titre:</a:t>
+            </a:r>
+            <a:r>
+              <a:rPr lang="fr-FR" sz="1500" dirty="0">
+                <a:solidFill>
+                  <a:schemeClr val="tx1"/>
+                </a:solidFill>
+              </a:rPr>
+              <a:t> </a:t>
+            </a:r>
+            <a:r>
+              <a:rPr lang="fr-FR" sz="1500" dirty="0" err="1">
+                <a:solidFill>
+                  <a:schemeClr val="tx1"/>
+                </a:solidFill>
+              </a:rPr>
+              <a:t>DetruireCarte</a:t>
+            </a:r>
+            <a:endParaRPr lang="fr-FR" sz="1500" dirty="0">
+              <a:solidFill>
+                <a:schemeClr val="tx1"/>
+              </a:solidFill>
+            </a:endParaRPr>
           </a:p>
           <a:p>
             <a:pPr marL="0" indent="0">
+              <a:lnSpc>
+                <a:spcPct val="100000"/>
+              </a:lnSpc>
               <a:spcBef>
                 <a:spcPts val="0"/>
               </a:spcBef>
               <a:buNone/>
             </a:pPr>
-            <a:endParaRPr lang="fr-FR" dirty="0"/>
+            <a:r>
+              <a:rPr lang="fr-FR" sz="1500" u="sng" dirty="0">
+                <a:solidFill>
+                  <a:schemeClr val="tx1"/>
+                </a:solidFill>
+              </a:rPr>
+              <a:t>Auteur</a:t>
+            </a:r>
+            <a:r>
+              <a:rPr lang="fr-FR" sz="1500" dirty="0">
+                <a:solidFill>
+                  <a:schemeClr val="tx1"/>
+                </a:solidFill>
+              </a:rPr>
+              <a:t>: joueur connecté</a:t>
+            </a:r>
           </a:p>
           <a:p>
             <a:pPr marL="0" indent="0">
+              <a:lnSpc>
+                <a:spcPct val="100000"/>
+              </a:lnSpc>
               <a:spcBef>
                 <a:spcPts val="0"/>
               </a:spcBef>
               <a:buNone/>
             </a:pPr>
             <a:r>
-              <a:rPr lang="fr-FR" u="sng" dirty="0"/>
-              <a:t>Contexte</a:t>
-            </a:r>
-            <a:r>
-              <a:rPr lang="fr-FR" dirty="0"/>
-              <a:t>: Abdoulaye est connecté et se trouve dans la boutique, il n'a pas assez d'argent sur son compte en banque, il a rentré ses coordonnées bancaires. </a:t>
-            </a:r>
-            <a:endParaRPr lang="fr-FR" dirty="0" smtClean="0"/>
+              <a:rPr lang="fr-FR" sz="1500" u="sng" dirty="0">
+                <a:solidFill>
+                  <a:schemeClr val="tx1"/>
+                </a:solidFill>
+              </a:rPr>
+              <a:t>Description</a:t>
+            </a:r>
+            <a:r>
+              <a:rPr lang="fr-FR" sz="1500" dirty="0">
+                <a:solidFill>
+                  <a:schemeClr val="tx1"/>
+                </a:solidFill>
+              </a:rPr>
+              <a:t>: L'utilisateur souhaite détruire un carte, il gagne des joyaux en échange.</a:t>
+            </a:r>
           </a:p>
           <a:p>
             <a:pPr marL="0" indent="0">
+              <a:lnSpc>
+                <a:spcPct val="100000"/>
+              </a:lnSpc>
               <a:spcBef>
                 <a:spcPts val="0"/>
               </a:spcBef>
               <a:buNone/>
             </a:pPr>
-            <a:endParaRPr lang="fr-FR" dirty="0"/>
+            <a:r>
+              <a:rPr lang="fr-FR" sz="1500" u="sng" smtClean="0">
+                <a:solidFill>
+                  <a:schemeClr val="tx1"/>
+                </a:solidFill>
+              </a:rPr>
+              <a:t>Précondition</a:t>
+            </a:r>
+            <a:r>
+              <a:rPr lang="fr-FR" sz="1500" dirty="0">
+                <a:solidFill>
+                  <a:schemeClr val="tx1"/>
+                </a:solidFill>
+              </a:rPr>
+              <a:t>: L'utilisateur est connecté. </a:t>
+            </a:r>
           </a:p>
           <a:p>
             <a:pPr marL="0" indent="0">
+              <a:lnSpc>
+                <a:spcPct val="100000"/>
+              </a:lnSpc>
               <a:spcBef>
                 <a:spcPts val="0"/>
               </a:spcBef>
               <a:buNone/>
             </a:pPr>
             <a:r>
-              <a:rPr lang="fr-FR" u="sng" dirty="0"/>
-              <a:t>Scénario</a:t>
-            </a:r>
-            <a:r>
-              <a:rPr lang="fr-FR" dirty="0" smtClean="0"/>
+              <a:rPr lang="fr-FR" sz="1500" u="sng" dirty="0" smtClean="0">
+                <a:solidFill>
+                  <a:schemeClr val="tx1"/>
+                </a:solidFill>
+              </a:rPr>
+              <a:t>Séquence nominale</a:t>
+            </a:r>
+            <a:r>
+              <a:rPr lang="fr-FR" sz="1500" dirty="0" smtClean="0">
+                <a:solidFill>
+                  <a:schemeClr val="tx1"/>
+                </a:solidFill>
+              </a:rPr>
               <a:t>:</a:t>
             </a:r>
-            <a:endParaRPr lang="fr-FR" dirty="0"/>
-          </a:p>
-          <a:p>
-            <a:pPr marL="457200" indent="-457200">
+            <a:endParaRPr lang="fr-FR" sz="1500" dirty="0">
+              <a:solidFill>
+                <a:schemeClr val="tx1"/>
+              </a:solidFill>
+            </a:endParaRPr>
+          </a:p>
+          <a:p>
+            <a:pPr marL="0" indent="0">
+              <a:lnSpc>
+                <a:spcPct val="100000"/>
+              </a:lnSpc>
               <a:spcBef>
                 <a:spcPts val="0"/>
               </a:spcBef>
-              <a:buFont typeface="+mj-lt"/>
-              <a:buAutoNum type="arabicPeriod"/>
+              <a:buNone/>
             </a:pPr>
             <a:r>
-              <a:rPr lang="fr-FR" dirty="0" smtClean="0"/>
-              <a:t>Le </a:t>
-            </a:r>
-            <a:r>
-              <a:rPr lang="fr-FR" dirty="0"/>
-              <a:t>joueur clique sur "Acheter un emplacement de </a:t>
-            </a:r>
-            <a:r>
-              <a:rPr lang="fr-FR" dirty="0" err="1"/>
-              <a:t>deck</a:t>
-            </a:r>
-            <a:r>
-              <a:rPr lang="fr-FR" dirty="0"/>
-              <a:t>"</a:t>
-            </a:r>
-          </a:p>
-          <a:p>
-            <a:pPr marL="457200" indent="-457200">
+              <a:rPr lang="fr-FR" sz="1500" dirty="0">
+                <a:solidFill>
+                  <a:schemeClr val="tx1"/>
+                </a:solidFill>
+              </a:rPr>
+              <a:t>	1. L'utilisateur clique sur "Détruire une carte"</a:t>
+            </a:r>
+          </a:p>
+          <a:p>
+            <a:pPr marL="0" indent="0">
+              <a:lnSpc>
+                <a:spcPct val="100000"/>
+              </a:lnSpc>
               <a:spcBef>
                 <a:spcPts val="0"/>
               </a:spcBef>
-              <a:buAutoNum type="arabicPeriod" startAt="2"/>
+              <a:buNone/>
             </a:pPr>
             <a:r>
-              <a:rPr lang="fr-FR" dirty="0" smtClean="0"/>
-              <a:t>Le </a:t>
-            </a:r>
-            <a:r>
-              <a:rPr lang="fr-FR" dirty="0"/>
-              <a:t>joueur confirme son </a:t>
-            </a:r>
-            <a:r>
-              <a:rPr lang="fr-FR" dirty="0" smtClean="0"/>
-              <a:t>achat</a:t>
-            </a:r>
-          </a:p>
-          <a:p>
-            <a:pPr marL="457200" indent="-457200">
+              <a:rPr lang="fr-FR" sz="1500" dirty="0">
+                <a:solidFill>
+                  <a:schemeClr val="tx1"/>
+                </a:solidFill>
+              </a:rPr>
+              <a:t>	2. Le système affiche les cartes qui peuvent être détruites par l'utilisateur, </a:t>
+            </a:r>
+            <a:r>
+              <a:rPr lang="fr-FR" sz="1500" dirty="0" smtClean="0">
+                <a:solidFill>
+                  <a:schemeClr val="tx1"/>
+                </a:solidFill>
+              </a:rPr>
+              <a:t>toutes sauf les cartes " basique </a:t>
+            </a:r>
+            <a:r>
+              <a:rPr lang="fr-FR" sz="1500" dirty="0">
+                <a:solidFill>
+                  <a:schemeClr val="tx1"/>
+                </a:solidFill>
+              </a:rPr>
+              <a:t>"</a:t>
+            </a:r>
+            <a:r>
+              <a:rPr lang="fr-FR" sz="1500" dirty="0" smtClean="0">
+                <a:solidFill>
+                  <a:schemeClr val="tx1"/>
+                </a:solidFill>
+              </a:rPr>
+              <a:t> que </a:t>
+            </a:r>
+            <a:r>
+              <a:rPr lang="fr-FR" sz="1500" dirty="0">
+                <a:solidFill>
+                  <a:schemeClr val="tx1"/>
+                </a:solidFill>
+              </a:rPr>
+              <a:t>possède </a:t>
+            </a:r>
+            <a:endParaRPr lang="fr-FR" sz="1500" dirty="0" smtClean="0">
+              <a:solidFill>
+                <a:schemeClr val="tx1"/>
+              </a:solidFill>
+            </a:endParaRPr>
+          </a:p>
+          <a:p>
+            <a:pPr marL="0" indent="0">
+              <a:lnSpc>
+                <a:spcPct val="100000"/>
+              </a:lnSpc>
               <a:spcBef>
                 <a:spcPts val="0"/>
               </a:spcBef>
-              <a:buAutoNum type="arabicPeriod" startAt="2"/>
+              <a:buNone/>
             </a:pPr>
             <a:r>
-              <a:rPr lang="fr-FR" dirty="0" smtClean="0"/>
-              <a:t>Le </a:t>
-            </a:r>
-            <a:r>
-              <a:rPr lang="fr-FR" dirty="0"/>
-              <a:t>joueur </a:t>
-            </a:r>
-            <a:r>
-              <a:rPr lang="fr-FR" dirty="0" smtClean="0"/>
-              <a:t>termine</a:t>
-            </a:r>
-          </a:p>
-          <a:p>
-            <a:pPr marL="457200" indent="-457200">
+              <a:rPr lang="fr-FR" sz="1500" dirty="0">
+                <a:solidFill>
+                  <a:schemeClr val="tx1"/>
+                </a:solidFill>
+              </a:rPr>
+              <a:t>	 </a:t>
+            </a:r>
+            <a:r>
+              <a:rPr lang="fr-FR" sz="1500" dirty="0" smtClean="0">
+                <a:solidFill>
+                  <a:schemeClr val="tx1"/>
+                </a:solidFill>
+              </a:rPr>
+              <a:t>  l'utilisateur </a:t>
+            </a:r>
+            <a:r>
+              <a:rPr lang="fr-FR" sz="1500" dirty="0">
+                <a:solidFill>
+                  <a:schemeClr val="tx1"/>
+                </a:solidFill>
+              </a:rPr>
+              <a:t>dans sa collection. </a:t>
+            </a:r>
+          </a:p>
+          <a:p>
+            <a:pPr marL="0" indent="0">
+              <a:lnSpc>
+                <a:spcPct val="100000"/>
+              </a:lnSpc>
               <a:spcBef>
                 <a:spcPts val="0"/>
               </a:spcBef>
-              <a:buAutoNum type="arabicPeriod" startAt="3"/>
+              <a:buNone/>
             </a:pPr>
-            <a:endParaRPr lang="fr-FR" dirty="0"/>
+            <a:r>
+              <a:rPr lang="fr-FR" sz="1500" dirty="0">
+                <a:solidFill>
+                  <a:schemeClr val="tx1"/>
+                </a:solidFill>
+              </a:rPr>
+              <a:t>	</a:t>
+            </a:r>
+            <a:r>
+              <a:rPr lang="fr-FR" sz="1500" dirty="0" smtClean="0">
+                <a:solidFill>
+                  <a:schemeClr val="tx1"/>
+                </a:solidFill>
+              </a:rPr>
+              <a:t>   </a:t>
+            </a:r>
+            <a:r>
+              <a:rPr lang="fr-FR" sz="1500" dirty="0">
+                <a:solidFill>
+                  <a:schemeClr val="tx1"/>
+                </a:solidFill>
+              </a:rPr>
+              <a:t>Une carte "commune" rapporte 2 joyaux, une carte "rare" rapporte 5 joyaux</a:t>
+            </a:r>
+            <a:r>
+              <a:rPr lang="fr-FR" sz="1500" dirty="0" smtClean="0">
+                <a:solidFill>
+                  <a:schemeClr val="tx1"/>
+                </a:solidFill>
+              </a:rPr>
+              <a:t>, </a:t>
+            </a:r>
+            <a:r>
+              <a:rPr lang="fr-FR" sz="1500" dirty="0">
+                <a:solidFill>
+                  <a:schemeClr val="tx1"/>
+                </a:solidFill>
+              </a:rPr>
+              <a:t>une carte "légendaire" rapporte 20 joyaux.</a:t>
+            </a:r>
           </a:p>
           <a:p>
             <a:pPr marL="0" indent="0">
+              <a:lnSpc>
+                <a:spcPct val="100000"/>
+              </a:lnSpc>
               <a:spcBef>
                 <a:spcPts val="0"/>
               </a:spcBef>
               <a:buNone/>
             </a:pPr>
             <a:r>
-              <a:rPr lang="fr-FR" u="sng" dirty="0" smtClean="0"/>
-              <a:t>Résultat attendu</a:t>
-            </a:r>
-            <a:r>
-              <a:rPr lang="fr-FR" dirty="0" smtClean="0"/>
-              <a:t>:</a:t>
-            </a:r>
-            <a:endParaRPr lang="fr-FR" dirty="0"/>
+              <a:rPr lang="fr-FR" sz="1500" dirty="0">
+                <a:solidFill>
+                  <a:schemeClr val="tx1"/>
+                </a:solidFill>
+              </a:rPr>
+              <a:t>	3. Le système affiche "sélectionner une carte à détruire".</a:t>
+            </a:r>
           </a:p>
           <a:p>
             <a:pPr marL="0" indent="0">
+              <a:lnSpc>
+                <a:spcPct val="100000"/>
+              </a:lnSpc>
               <a:spcBef>
                 <a:spcPts val="0"/>
               </a:spcBef>
               <a:buNone/>
             </a:pPr>
             <a:r>
-              <a:rPr lang="fr-FR" dirty="0"/>
-              <a:t>    </a:t>
-            </a:r>
-            <a:r>
-              <a:rPr lang="fr-FR" dirty="0" smtClean="0"/>
-              <a:t>-&gt; Le </a:t>
-            </a:r>
-            <a:r>
-              <a:rPr lang="fr-FR" dirty="0"/>
-              <a:t>joueur a la somme de son compte en banque inchangée</a:t>
+              <a:rPr lang="fr-FR" sz="1500" dirty="0">
+                <a:solidFill>
+                  <a:schemeClr val="tx1"/>
+                </a:solidFill>
+              </a:rPr>
+              <a:t>	4. L'utilisateur sélectionne une carte.</a:t>
             </a:r>
           </a:p>
           <a:p>
             <a:pPr marL="0" indent="0">
+              <a:lnSpc>
+                <a:spcPct val="100000"/>
+              </a:lnSpc>
               <a:spcBef>
                 <a:spcPts val="0"/>
               </a:spcBef>
               <a:buNone/>
             </a:pPr>
             <a:r>
-              <a:rPr lang="fr-FR" dirty="0"/>
-              <a:t>    -&gt; Le joueur n'a rien reçu</a:t>
+              <a:rPr lang="fr-FR" sz="1500" dirty="0">
+                <a:solidFill>
+                  <a:schemeClr val="tx1"/>
+                </a:solidFill>
+              </a:rPr>
+              <a:t>	5. Le système </a:t>
+            </a:r>
+            <a:r>
+              <a:rPr lang="fr-FR" sz="1500" dirty="0" smtClean="0">
+                <a:solidFill>
+                  <a:schemeClr val="tx1"/>
+                </a:solidFill>
+              </a:rPr>
+              <a:t>détruit </a:t>
+            </a:r>
+            <a:r>
+              <a:rPr lang="fr-FR" sz="1500" dirty="0">
+                <a:solidFill>
+                  <a:schemeClr val="tx1"/>
+                </a:solidFill>
+              </a:rPr>
+              <a:t>la carte.</a:t>
             </a:r>
           </a:p>
           <a:p>
             <a:pPr marL="0" indent="0">
+              <a:lnSpc>
+                <a:spcPct val="100000"/>
+              </a:lnSpc>
               <a:spcBef>
                 <a:spcPts val="0"/>
               </a:spcBef>
               <a:buNone/>
             </a:pPr>
             <a:r>
-              <a:rPr lang="fr-FR" dirty="0"/>
-              <a:t>    -&gt; Le système affiche "Nous somme dans le regret de vous informer que vous n'avez pas </a:t>
-            </a:r>
-            <a:r>
-              <a:rPr lang="fr-FR" dirty="0" smtClean="0"/>
-              <a:t>assez d'argent.« </a:t>
+              <a:rPr lang="fr-FR" sz="1500" dirty="0">
+                <a:solidFill>
+                  <a:schemeClr val="tx1"/>
+                </a:solidFill>
+              </a:rPr>
+              <a:t>	6. Le système affiche "Voulez vous détruire une autre carte ?".</a:t>
             </a:r>
           </a:p>
           <a:p>
             <a:pPr marL="0" indent="0">
+              <a:lnSpc>
+                <a:spcPct val="100000"/>
+              </a:lnSpc>
               <a:spcBef>
                 <a:spcPts val="0"/>
               </a:spcBef>
               <a:buNone/>
             </a:pPr>
-            <a:endParaRPr lang="fr-FR" dirty="0"/>
+            <a:r>
+              <a:rPr lang="fr-FR" sz="1500" dirty="0">
+                <a:solidFill>
+                  <a:schemeClr val="tx1"/>
+                </a:solidFill>
+              </a:rPr>
+              <a:t>	7. L'utilisateur décline</a:t>
+            </a:r>
+            <a:r>
+              <a:rPr lang="fr-FR" sz="1500" dirty="0" smtClean="0">
+                <a:solidFill>
+                  <a:schemeClr val="tx1"/>
+                </a:solidFill>
+              </a:rPr>
+              <a:t>.</a:t>
+            </a:r>
+            <a:endParaRPr lang="fr-FR" sz="1500" dirty="0">
+              <a:solidFill>
+                <a:schemeClr val="tx1"/>
+              </a:solidFill>
+            </a:endParaRPr>
           </a:p>
           <a:p>
             <a:pPr marL="0" indent="0">
+              <a:lnSpc>
+                <a:spcPct val="100000"/>
+              </a:lnSpc>
               <a:spcBef>
                 <a:spcPts val="0"/>
               </a:spcBef>
               <a:buNone/>
             </a:pPr>
             <a:r>
-              <a:rPr lang="fr-FR" u="sng" dirty="0" smtClean="0"/>
-              <a:t>Moyen de vérification</a:t>
-            </a:r>
-            <a:r>
-              <a:rPr lang="fr-FR" dirty="0" smtClean="0"/>
-              <a:t>:</a:t>
-            </a:r>
-            <a:endParaRPr lang="fr-FR" dirty="0"/>
+              <a:rPr lang="fr-FR" sz="1500" u="sng" dirty="0">
+                <a:solidFill>
+                  <a:schemeClr val="tx1"/>
+                </a:solidFill>
+              </a:rPr>
+              <a:t>Post-condition</a:t>
+            </a:r>
+            <a:r>
+              <a:rPr lang="fr-FR" sz="1500" dirty="0">
+                <a:solidFill>
+                  <a:schemeClr val="tx1"/>
+                </a:solidFill>
+              </a:rPr>
+              <a:t>: </a:t>
+            </a:r>
           </a:p>
           <a:p>
             <a:pPr marL="0" indent="0">
+              <a:lnSpc>
+                <a:spcPct val="100000"/>
+              </a:lnSpc>
               <a:spcBef>
                 <a:spcPts val="0"/>
               </a:spcBef>
               <a:buNone/>
             </a:pPr>
             <a:r>
-              <a:rPr lang="fr-FR" dirty="0"/>
-              <a:t>    -&gt; Vérifier sur son compte en banque que la somme est inchangée</a:t>
+              <a:rPr lang="fr-FR" sz="1500" dirty="0" smtClean="0">
+                <a:solidFill>
+                  <a:schemeClr val="tx1"/>
+                </a:solidFill>
+              </a:rPr>
+              <a:t>	La </a:t>
+            </a:r>
+            <a:r>
+              <a:rPr lang="fr-FR" sz="1500" dirty="0">
+                <a:solidFill>
+                  <a:schemeClr val="tx1"/>
+                </a:solidFill>
+              </a:rPr>
+              <a:t>carte disparait de la collection de l'utilisateur.</a:t>
             </a:r>
           </a:p>
           <a:p>
             <a:pPr marL="0" indent="0">
+              <a:lnSpc>
+                <a:spcPct val="100000"/>
+              </a:lnSpc>
               <a:spcBef>
                 <a:spcPts val="0"/>
               </a:spcBef>
               <a:buNone/>
             </a:pPr>
             <a:r>
-              <a:rPr lang="fr-FR" dirty="0"/>
-              <a:t>    -&gt; Vérifier que le joueur n'a rien reçu</a:t>
-            </a:r>
+              <a:rPr lang="fr-FR" sz="1500" dirty="0" smtClean="0">
+                <a:solidFill>
+                  <a:schemeClr val="tx1"/>
+                </a:solidFill>
+              </a:rPr>
+              <a:t>	Le </a:t>
+            </a:r>
+            <a:r>
+              <a:rPr lang="fr-FR" sz="1500" dirty="0">
+                <a:solidFill>
+                  <a:schemeClr val="tx1"/>
+                </a:solidFill>
+              </a:rPr>
+              <a:t>solde de l'utilisateur se voit </a:t>
+            </a:r>
+            <a:r>
+              <a:rPr lang="fr-FR" sz="1500" dirty="0" smtClean="0">
+                <a:solidFill>
+                  <a:schemeClr val="tx1"/>
+                </a:solidFill>
+              </a:rPr>
+              <a:t>incrémenté </a:t>
+            </a:r>
+            <a:r>
+              <a:rPr lang="fr-FR" sz="1500" dirty="0">
+                <a:solidFill>
+                  <a:schemeClr val="tx1"/>
+                </a:solidFill>
+              </a:rPr>
+              <a:t>selon la nature de la carte </a:t>
+            </a:r>
+            <a:r>
+              <a:rPr lang="fr-FR" sz="1500" dirty="0" smtClean="0">
+                <a:solidFill>
+                  <a:schemeClr val="tx1"/>
+                </a:solidFill>
+              </a:rPr>
+              <a:t>détruite.</a:t>
+            </a:r>
+            <a:endParaRPr lang="fr-FR" sz="1500" dirty="0">
+              <a:solidFill>
+                <a:schemeClr val="tx1"/>
+              </a:solidFill>
+            </a:endParaRPr>
           </a:p>
           <a:p>
             <a:pPr marL="0" indent="0">
+              <a:lnSpc>
+                <a:spcPct val="100000"/>
+              </a:lnSpc>
               <a:spcBef>
                 <a:spcPts val="0"/>
               </a:spcBef>
               <a:buNone/>
             </a:pPr>
             <a:r>
-              <a:rPr lang="fr-FR" dirty="0"/>
-              <a:t>    -&gt; Affichage visuel</a:t>
+              <a:rPr lang="fr-FR" sz="1500" u="sng" dirty="0">
+                <a:solidFill>
+                  <a:schemeClr val="tx1"/>
+                </a:solidFill>
+              </a:rPr>
+              <a:t>Alternatives</a:t>
+            </a:r>
+            <a:r>
+              <a:rPr lang="fr-FR" sz="1500" dirty="0">
+                <a:solidFill>
+                  <a:schemeClr val="tx1"/>
+                </a:solidFill>
+              </a:rPr>
+              <a:t>:</a:t>
             </a:r>
           </a:p>
           <a:p>
             <a:pPr marL="0" indent="0">
+              <a:lnSpc>
+                <a:spcPct val="100000"/>
+              </a:lnSpc>
               <a:spcBef>
                 <a:spcPts val="0"/>
               </a:spcBef>
               <a:buNone/>
             </a:pPr>
             <a:r>
-              <a:rPr lang="fr-FR" dirty="0"/>
-              <a:t> </a:t>
-            </a:r>
-          </a:p>
-        </p:txBody>
-      </p:sp>
-      <p:sp>
-        <p:nvSpPr>
-          <p:cNvPr id="4" name="Espace réservé du contenu 3"/>
-          <p:cNvSpPr>
-            <a:spLocks noGrp="1"/>
-          </p:cNvSpPr>
-          <p:nvPr>
-            <p:ph sz="half" idx="2"/>
-          </p:nvPr>
-        </p:nvSpPr>
-        <p:spPr>
-          <a:xfrm>
-            <a:off x="6629400" y="2154212"/>
-            <a:ext cx="4800600" cy="4567262"/>
-          </a:xfrm>
-        </p:spPr>
-        <p:txBody>
-          <a:bodyPr>
-            <a:normAutofit fontScale="70000" lnSpcReduction="20000"/>
-          </a:bodyPr>
-          <a:lstStyle/>
+              <a:rPr lang="fr-FR" sz="1500" dirty="0">
+                <a:solidFill>
+                  <a:schemeClr val="tx1"/>
+                </a:solidFill>
+              </a:rPr>
+              <a:t>A1. L'utilisateur souhaite </a:t>
+            </a:r>
+            <a:r>
+              <a:rPr lang="fr-FR" sz="1500" dirty="0" smtClean="0">
+                <a:solidFill>
+                  <a:schemeClr val="tx1"/>
+                </a:solidFill>
+              </a:rPr>
+              <a:t>détruite </a:t>
+            </a:r>
+            <a:r>
+              <a:rPr lang="fr-FR" sz="1500" dirty="0">
+                <a:solidFill>
+                  <a:schemeClr val="tx1"/>
+                </a:solidFill>
+              </a:rPr>
+              <a:t>une autre carte en </a:t>
+            </a:r>
+            <a:r>
+              <a:rPr lang="fr-FR" sz="1500" dirty="0" smtClean="0">
+                <a:solidFill>
+                  <a:schemeClr val="tx1"/>
+                </a:solidFill>
+              </a:rPr>
+              <a:t>SN7, </a:t>
+            </a:r>
+            <a:r>
+              <a:rPr lang="fr-FR" sz="1500" dirty="0">
+                <a:solidFill>
+                  <a:schemeClr val="tx1"/>
+                </a:solidFill>
+              </a:rPr>
+              <a:t>retour en SN2.</a:t>
+            </a:r>
+          </a:p>
           <a:p>
             <a:pPr marL="0" indent="0">
+              <a:lnSpc>
+                <a:spcPct val="100000"/>
+              </a:lnSpc>
               <a:spcBef>
                 <a:spcPts val="0"/>
               </a:spcBef>
               <a:buNone/>
             </a:pPr>
             <a:r>
-              <a:rPr lang="fr-FR" u="sng" dirty="0"/>
-              <a:t>TV04: Acheter un pack sans avoir assez </a:t>
-            </a:r>
-            <a:r>
-              <a:rPr lang="fr-FR" u="sng" dirty="0" smtClean="0"/>
-              <a:t>d'argent</a:t>
+              <a:rPr lang="fr-FR" sz="1500" dirty="0">
+                <a:solidFill>
+                  <a:schemeClr val="tx1"/>
+                </a:solidFill>
+              </a:rPr>
+              <a:t>	A2.1 Si la liste est vide le système affiche "Vous n'avez plus de carte à détruire", fin de l'interaction.	 </a:t>
             </a:r>
           </a:p>
           <a:p>
             <a:pPr marL="0" indent="0">
+              <a:lnSpc>
+                <a:spcPct val="100000"/>
+              </a:lnSpc>
               <a:spcBef>
                 <a:spcPts val="0"/>
               </a:spcBef>
               <a:buNone/>
             </a:pPr>
-            <a:endParaRPr lang="fr-FR" dirty="0"/>
+            <a:r>
+              <a:rPr lang="fr-FR" sz="1500" dirty="0">
+                <a:solidFill>
+                  <a:schemeClr val="tx1"/>
+                </a:solidFill>
+              </a:rPr>
+              <a:t>	A2.2 Retour en SN2.</a:t>
+            </a:r>
           </a:p>
           <a:p>
             <a:pPr marL="0" indent="0">
+              <a:lnSpc>
+                <a:spcPct val="100000"/>
+              </a:lnSpc>
               <a:spcBef>
                 <a:spcPts val="0"/>
               </a:spcBef>
               <a:buNone/>
             </a:pPr>
             <a:r>
-              <a:rPr lang="fr-FR" u="sng" dirty="0"/>
-              <a:t>Contexte</a:t>
-            </a:r>
-            <a:r>
-              <a:rPr lang="fr-FR" dirty="0"/>
-              <a:t>: Abdoulaye est connecté et se trouve dans la boutique, il n'a pas assez d'argent sur son compte en banque, il a rentré ses coordonnées bancaires. </a:t>
+              <a:rPr lang="fr-FR" sz="1500" u="sng" dirty="0" smtClean="0">
+                <a:solidFill>
+                  <a:schemeClr val="tx1"/>
+                </a:solidFill>
+              </a:rPr>
+              <a:t>Exceptions</a:t>
+            </a:r>
+            <a:r>
+              <a:rPr lang="fr-FR" sz="1500" dirty="0">
+                <a:solidFill>
+                  <a:schemeClr val="tx1"/>
+                </a:solidFill>
+              </a:rPr>
+              <a:t>:</a:t>
             </a:r>
           </a:p>
           <a:p>
             <a:pPr marL="0" indent="0">
+              <a:lnSpc>
+                <a:spcPct val="100000"/>
+              </a:lnSpc>
               <a:spcBef>
                 <a:spcPts val="0"/>
               </a:spcBef>
               <a:buNone/>
             </a:pPr>
             <a:r>
-              <a:rPr lang="fr-FR" u="sng" dirty="0"/>
-              <a:t>Scénario</a:t>
-            </a:r>
-            <a:r>
-              <a:rPr lang="fr-FR" dirty="0" smtClean="0"/>
-              <a:t>:</a:t>
-            </a:r>
-            <a:endParaRPr lang="fr-FR" dirty="0"/>
-          </a:p>
-          <a:p>
-            <a:pPr marL="457200" indent="-457200">
-              <a:spcBef>
-                <a:spcPts val="0"/>
-              </a:spcBef>
-              <a:buFont typeface="+mj-lt"/>
-              <a:buAutoNum type="arabicPeriod"/>
-            </a:pPr>
-            <a:r>
-              <a:rPr lang="fr-FR" dirty="0" smtClean="0"/>
-              <a:t>Le </a:t>
-            </a:r>
-            <a:r>
-              <a:rPr lang="fr-FR" dirty="0"/>
-              <a:t>joueur clique sur le pack qu'il veut acheter</a:t>
-            </a:r>
-          </a:p>
-          <a:p>
-            <a:pPr marL="457200" indent="-457200">
-              <a:spcBef>
-                <a:spcPts val="0"/>
-              </a:spcBef>
-              <a:buFont typeface="+mj-lt"/>
-              <a:buAutoNum type="arabicPeriod"/>
-            </a:pPr>
-            <a:r>
-              <a:rPr lang="fr-FR" dirty="0" smtClean="0"/>
-              <a:t>Le </a:t>
-            </a:r>
-            <a:r>
-              <a:rPr lang="fr-FR" dirty="0"/>
-              <a:t>joueur clique sur "Acheter"</a:t>
-            </a:r>
-          </a:p>
-          <a:p>
-            <a:pPr marL="457200" indent="-457200">
-              <a:spcBef>
-                <a:spcPts val="0"/>
-              </a:spcBef>
-              <a:buFont typeface="+mj-lt"/>
-              <a:buAutoNum type="arabicPeriod"/>
-            </a:pPr>
-            <a:r>
-              <a:rPr lang="fr-FR" dirty="0" smtClean="0"/>
-              <a:t>Le </a:t>
-            </a:r>
-            <a:r>
-              <a:rPr lang="fr-FR" dirty="0"/>
-              <a:t>joueur confirme son achat</a:t>
-            </a:r>
-          </a:p>
-          <a:p>
-            <a:pPr marL="457200" indent="-457200">
-              <a:spcBef>
-                <a:spcPts val="0"/>
-              </a:spcBef>
-              <a:buFont typeface="+mj-lt"/>
-              <a:buAutoNum type="arabicPeriod"/>
-            </a:pPr>
-            <a:r>
-              <a:rPr lang="fr-FR" dirty="0" smtClean="0"/>
-              <a:t>Le </a:t>
-            </a:r>
-            <a:r>
-              <a:rPr lang="fr-FR" dirty="0"/>
-              <a:t>joueur </a:t>
-            </a:r>
-            <a:r>
-              <a:rPr lang="fr-FR" dirty="0" smtClean="0"/>
-              <a:t>termine</a:t>
-            </a:r>
-          </a:p>
-          <a:p>
-            <a:pPr marL="457200" indent="-457200">
-              <a:spcBef>
-                <a:spcPts val="0"/>
-              </a:spcBef>
-              <a:buAutoNum type="arabicPeriod"/>
-            </a:pPr>
-            <a:endParaRPr lang="fr-FR" dirty="0"/>
-          </a:p>
-          <a:p>
-            <a:pPr marL="0" indent="0">
-              <a:spcBef>
-                <a:spcPts val="0"/>
-              </a:spcBef>
-              <a:buNone/>
-            </a:pPr>
-            <a:r>
-              <a:rPr lang="fr-FR" u="sng" dirty="0" smtClean="0"/>
-              <a:t>Résultat attendu</a:t>
-            </a:r>
-            <a:r>
-              <a:rPr lang="fr-FR" dirty="0" smtClean="0"/>
-              <a:t>:</a:t>
-            </a:r>
-            <a:endParaRPr lang="fr-FR" dirty="0"/>
-          </a:p>
-          <a:p>
-            <a:pPr marL="0" indent="0">
-              <a:spcBef>
-                <a:spcPts val="0"/>
-              </a:spcBef>
-              <a:buNone/>
-            </a:pPr>
-            <a:r>
-              <a:rPr lang="fr-FR" dirty="0"/>
-              <a:t>    -&gt; Le joueur a la somme de son compte en banque inchangée</a:t>
-            </a:r>
-          </a:p>
-          <a:p>
-            <a:pPr marL="0" indent="0">
-              <a:spcBef>
-                <a:spcPts val="0"/>
-              </a:spcBef>
-              <a:buNone/>
-            </a:pPr>
-            <a:r>
-              <a:rPr lang="fr-FR" dirty="0"/>
-              <a:t>    -&gt; Le joueur n'a rien reçu</a:t>
-            </a:r>
-          </a:p>
-          <a:p>
-            <a:pPr marL="0" indent="0">
-              <a:spcBef>
-                <a:spcPts val="0"/>
-              </a:spcBef>
-              <a:buNone/>
-            </a:pPr>
-            <a:r>
-              <a:rPr lang="fr-FR" dirty="0"/>
-              <a:t>    -&gt; Le système affiche "Nous somme dans le regret de vous informer que vous n'avez pas </a:t>
-            </a:r>
-            <a:r>
-              <a:rPr lang="fr-FR" dirty="0" smtClean="0"/>
-              <a:t>assez </a:t>
-            </a:r>
-            <a:r>
-              <a:rPr lang="fr-FR" dirty="0"/>
-              <a:t>d'argent</a:t>
-            </a:r>
-            <a:r>
-              <a:rPr lang="fr-FR" dirty="0" smtClean="0"/>
-              <a:t>.« </a:t>
-            </a:r>
-          </a:p>
-          <a:p>
-            <a:pPr marL="0" indent="0">
-              <a:spcBef>
-                <a:spcPts val="0"/>
-              </a:spcBef>
-              <a:buNone/>
-            </a:pPr>
-            <a:endParaRPr lang="fr-FR" dirty="0"/>
-          </a:p>
-          <a:p>
-            <a:pPr marL="0" indent="0">
-              <a:spcBef>
-                <a:spcPts val="0"/>
-              </a:spcBef>
-              <a:buNone/>
-            </a:pPr>
-            <a:r>
-              <a:rPr lang="fr-FR" u="sng" dirty="0" smtClean="0"/>
-              <a:t>Moyen de vérification</a:t>
-            </a:r>
-            <a:r>
-              <a:rPr lang="fr-FR" dirty="0" smtClean="0"/>
-              <a:t>:</a:t>
-            </a:r>
-            <a:endParaRPr lang="fr-FR" dirty="0"/>
-          </a:p>
-          <a:p>
-            <a:pPr marL="0" indent="0">
-              <a:spcBef>
-                <a:spcPts val="0"/>
-              </a:spcBef>
-              <a:buNone/>
-            </a:pPr>
-            <a:r>
-              <a:rPr lang="fr-FR" dirty="0"/>
-              <a:t>    -&gt; Vérifier sur son compte en banque que la somme est inchangée</a:t>
-            </a:r>
-          </a:p>
-          <a:p>
-            <a:pPr marL="0" indent="0">
-              <a:spcBef>
-                <a:spcPts val="0"/>
-              </a:spcBef>
-              <a:buNone/>
-            </a:pPr>
-            <a:r>
-              <a:rPr lang="fr-FR" dirty="0"/>
-              <a:t>    -&gt; Vérifier que le joueur n'a rien reçu</a:t>
-            </a:r>
-          </a:p>
-          <a:p>
-            <a:pPr marL="0" indent="0">
-              <a:spcBef>
-                <a:spcPts val="0"/>
-              </a:spcBef>
-              <a:buNone/>
-            </a:pPr>
-            <a:r>
-              <a:rPr lang="fr-FR" dirty="0"/>
-              <a:t>    -&gt; Affichage visuel</a:t>
-            </a:r>
+              <a:rPr lang="fr-FR" sz="1500" dirty="0">
+                <a:solidFill>
+                  <a:schemeClr val="tx1"/>
+                </a:solidFill>
+              </a:rPr>
+              <a:t>E1. L'utilisateur annule la destruction d'une carte en SN4, fin de l'interaction</a:t>
+            </a:r>
+            <a:r>
+              <a:rPr lang="fr-FR" sz="1500" dirty="0" smtClean="0">
+                <a:solidFill>
+                  <a:schemeClr val="tx1"/>
+                </a:solidFill>
+              </a:rPr>
+              <a:t>.</a:t>
+            </a:r>
+            <a:endParaRPr lang="fr-FR" sz="1500" dirty="0">
+              <a:solidFill>
+                <a:schemeClr val="tx1"/>
+              </a:solidFill>
+            </a:endParaRPr>
           </a:p>
         </p:txBody>
       </p:sp>
@@ -9198,9 +8943,9 @@
           <a:p>
             <a:fld id="{6E297C13-8A02-476A-BC32-9713B4BAFEC7}" type="datetime1">
               <a:rPr lang="fr-FR" smtClean="0"/>
-              <a:t>22/10/2017</a:t>
+              <a:t>21/10/2017</a:t>
             </a:fld>
-            <a:endParaRPr lang="fr-FR"/>
+            <a:endParaRPr lang="fr-FR" dirty="0"/>
           </a:p>
         </p:txBody>
       </p:sp>
@@ -9230,13 +8975,20 @@
     </p:spTree>
     <p:extLst>
       <p:ext uri="{BB962C8B-B14F-4D97-AF65-F5344CB8AC3E}">
-        <p14:creationId xmlns:p14="http://schemas.microsoft.com/office/powerpoint/2010/main" val="2181990866"/>
+        <p14:creationId xmlns:p14="http://schemas.microsoft.com/office/powerpoint/2010/main" val="2211502049"/>
       </p:ext>
     </p:extLst>
   </p:cSld>
   <p:clrMapOvr>
     <a:masterClrMapping/>
   </p:clrMapOvr>
+  <p:timing>
+    <p:tnLst>
+      <p:par>
+        <p:cTn id="1" dur="indefinite" restart="never" nodeType="tmRoot"/>
+      </p:par>
+    </p:tnLst>
+  </p:timing>
 </p:sld>
 </file>
 
@@ -9276,2310 +9028,6 @@
           <a:p>
             <a:pPr algn="ctr"/>
             <a:r>
-              <a:rPr lang="fr-FR" sz="3600" dirty="0"/>
-              <a:t>Test de validation :</a:t>
-            </a:r>
-            <a:br>
-              <a:rPr lang="fr-FR" sz="3600" dirty="0"/>
-            </a:br>
-            <a:r>
-              <a:rPr lang="fr-FR" sz="4400" dirty="0"/>
-              <a:t>Acheter un emplacement </a:t>
-            </a:r>
-            <a:r>
-              <a:rPr lang="fr-FR" sz="4400" dirty="0" err="1"/>
-              <a:t>deck</a:t>
-            </a:r>
-            <a:r>
-              <a:rPr lang="fr-FR" sz="4400" dirty="0"/>
-              <a:t> ou un </a:t>
-            </a:r>
-            <a:r>
-              <a:rPr lang="fr-FR" sz="4400" dirty="0" err="1" smtClean="0"/>
-              <a:t>pacK</a:t>
-            </a:r>
-            <a:r>
-              <a:rPr lang="fr-FR" sz="4400" dirty="0" smtClean="0"/>
-              <a:t> (3)</a:t>
-            </a:r>
-            <a:endParaRPr lang="fr-FR" sz="4000" dirty="0"/>
-          </a:p>
-        </p:txBody>
-      </p:sp>
-      <p:sp>
-        <p:nvSpPr>
-          <p:cNvPr id="3" name="Espace réservé du contenu 2"/>
-          <p:cNvSpPr>
-            <a:spLocks noGrp="1"/>
-          </p:cNvSpPr>
-          <p:nvPr>
-            <p:ph sz="half" idx="1"/>
-          </p:nvPr>
-        </p:nvSpPr>
-        <p:spPr>
-          <a:xfrm>
-            <a:off x="791570" y="2115404"/>
-            <a:ext cx="5375228" cy="4606071"/>
-          </a:xfrm>
-        </p:spPr>
-        <p:txBody>
-          <a:bodyPr>
-            <a:noAutofit/>
-          </a:bodyPr>
-          <a:lstStyle/>
-          <a:p>
-            <a:pPr marL="0" indent="0">
-              <a:spcBef>
-                <a:spcPts val="0"/>
-              </a:spcBef>
-              <a:buNone/>
-            </a:pPr>
-            <a:r>
-              <a:rPr lang="fr-FR" sz="1200" u="sng" dirty="0"/>
-              <a:t>TV05: Acheter un pack sans avoir remplit ses coordonnées </a:t>
-            </a:r>
-            <a:r>
-              <a:rPr lang="fr-FR" sz="1200" u="sng" dirty="0" smtClean="0"/>
-              <a:t>bancaires</a:t>
-            </a:r>
-          </a:p>
-          <a:p>
-            <a:pPr marL="0" indent="0">
-              <a:spcBef>
-                <a:spcPts val="0"/>
-              </a:spcBef>
-              <a:buNone/>
-            </a:pPr>
-            <a:endParaRPr lang="fr-FR" sz="1200" u="sng" dirty="0"/>
-          </a:p>
-          <a:p>
-            <a:pPr marL="0" indent="0">
-              <a:spcBef>
-                <a:spcPts val="0"/>
-              </a:spcBef>
-              <a:buNone/>
-            </a:pPr>
-            <a:r>
-              <a:rPr lang="fr-FR" sz="1200" u="sng" dirty="0"/>
-              <a:t>Contexte</a:t>
-            </a:r>
-            <a:r>
-              <a:rPr lang="fr-FR" sz="1200" dirty="0"/>
-              <a:t>: Abdoulaye est connecté et se trouve dans la boutique, il a assez d'argent sur son compte en banque et il n'a pas rentré ses coordonnées bancaires. </a:t>
-            </a:r>
-          </a:p>
-          <a:p>
-            <a:pPr marL="0" indent="0">
-              <a:spcBef>
-                <a:spcPts val="0"/>
-              </a:spcBef>
-              <a:buNone/>
-            </a:pPr>
-            <a:r>
-              <a:rPr lang="fr-FR" sz="1200" u="sng" dirty="0"/>
-              <a:t>Scénario</a:t>
-            </a:r>
-            <a:r>
-              <a:rPr lang="fr-FR" sz="1200" dirty="0" smtClean="0"/>
-              <a:t>:</a:t>
-            </a:r>
-            <a:endParaRPr lang="fr-FR" sz="1200" dirty="0"/>
-          </a:p>
-          <a:p>
-            <a:pPr>
-              <a:spcBef>
-                <a:spcPts val="0"/>
-              </a:spcBef>
-              <a:buFont typeface="+mj-lt"/>
-              <a:buAutoNum type="arabicPeriod"/>
-            </a:pPr>
-            <a:r>
-              <a:rPr lang="fr-FR" sz="1200" dirty="0" smtClean="0"/>
-              <a:t>Le </a:t>
-            </a:r>
-            <a:r>
-              <a:rPr lang="fr-FR" sz="1200" dirty="0"/>
-              <a:t>joueur clique sur le pack qu'il veut acheter</a:t>
-            </a:r>
-          </a:p>
-          <a:p>
-            <a:pPr>
-              <a:spcBef>
-                <a:spcPts val="0"/>
-              </a:spcBef>
-              <a:buFont typeface="+mj-lt"/>
-              <a:buAutoNum type="arabicPeriod"/>
-            </a:pPr>
-            <a:r>
-              <a:rPr lang="fr-FR" sz="1200" dirty="0" smtClean="0"/>
-              <a:t>Le </a:t>
-            </a:r>
-            <a:r>
-              <a:rPr lang="fr-FR" sz="1200" dirty="0"/>
-              <a:t>joueur clique sur "acheter"</a:t>
-            </a:r>
-          </a:p>
-          <a:p>
-            <a:pPr>
-              <a:spcBef>
-                <a:spcPts val="0"/>
-              </a:spcBef>
-              <a:buFont typeface="+mj-lt"/>
-              <a:buAutoNum type="arabicPeriod"/>
-            </a:pPr>
-            <a:r>
-              <a:rPr lang="fr-FR" sz="1200" dirty="0" smtClean="0"/>
-              <a:t>Le </a:t>
-            </a:r>
-            <a:r>
-              <a:rPr lang="fr-FR" sz="1200" dirty="0"/>
-              <a:t>joueur remplit ses coordonnées bancaires</a:t>
-            </a:r>
-          </a:p>
-          <a:p>
-            <a:pPr>
-              <a:spcBef>
-                <a:spcPts val="0"/>
-              </a:spcBef>
-              <a:buFont typeface="+mj-lt"/>
-              <a:buAutoNum type="arabicPeriod"/>
-            </a:pPr>
-            <a:r>
-              <a:rPr lang="fr-FR" sz="1200" dirty="0" smtClean="0"/>
-              <a:t>Le </a:t>
-            </a:r>
-            <a:r>
-              <a:rPr lang="fr-FR" sz="1200" dirty="0"/>
-              <a:t>joueur confirme son achat</a:t>
-            </a:r>
-          </a:p>
-          <a:p>
-            <a:pPr>
-              <a:spcBef>
-                <a:spcPts val="0"/>
-              </a:spcBef>
-              <a:buFont typeface="+mj-lt"/>
-              <a:buAutoNum type="arabicPeriod"/>
-            </a:pPr>
-            <a:r>
-              <a:rPr lang="fr-FR" sz="1200" dirty="0" smtClean="0"/>
-              <a:t>Le </a:t>
-            </a:r>
-            <a:r>
-              <a:rPr lang="fr-FR" sz="1200" dirty="0"/>
-              <a:t>joueur refuse un second </a:t>
-            </a:r>
-            <a:r>
-              <a:rPr lang="fr-FR" sz="1200" dirty="0" smtClean="0"/>
-              <a:t>achat</a:t>
-            </a:r>
-            <a:endParaRPr lang="fr-FR" sz="1200" dirty="0"/>
-          </a:p>
-          <a:p>
-            <a:pPr marL="0" indent="0">
-              <a:spcBef>
-                <a:spcPts val="0"/>
-              </a:spcBef>
-              <a:buNone/>
-            </a:pPr>
-            <a:r>
-              <a:rPr lang="fr-FR" sz="1200" u="sng" dirty="0" smtClean="0"/>
-              <a:t>Résultat attendu</a:t>
-            </a:r>
-            <a:r>
-              <a:rPr lang="fr-FR" sz="1200" dirty="0" smtClean="0"/>
-              <a:t>:</a:t>
-            </a:r>
-            <a:endParaRPr lang="fr-FR" sz="1200" dirty="0"/>
-          </a:p>
-          <a:p>
-            <a:pPr marL="0" indent="0">
-              <a:spcBef>
-                <a:spcPts val="0"/>
-              </a:spcBef>
-              <a:buNone/>
-            </a:pPr>
-            <a:r>
-              <a:rPr lang="fr-FR" sz="1200" dirty="0"/>
-              <a:t>    -&gt; Le joueur a bien été débité de la bonne somme</a:t>
-            </a:r>
-          </a:p>
-          <a:p>
-            <a:pPr marL="0" indent="0">
-              <a:spcBef>
-                <a:spcPts val="0"/>
-              </a:spcBef>
-              <a:buNone/>
-            </a:pPr>
-            <a:r>
-              <a:rPr lang="fr-FR" sz="1200" dirty="0"/>
-              <a:t>    -&gt; Le joueur a bien reçu un pack</a:t>
-            </a:r>
-          </a:p>
-          <a:p>
-            <a:pPr marL="0" indent="0">
-              <a:spcBef>
-                <a:spcPts val="0"/>
-              </a:spcBef>
-              <a:buNone/>
-            </a:pPr>
-            <a:r>
-              <a:rPr lang="fr-FR" sz="1200" dirty="0"/>
-              <a:t>    -&gt; Le pack contient bien au moins une carte rare</a:t>
-            </a:r>
-          </a:p>
-          <a:p>
-            <a:pPr marL="0" indent="0">
-              <a:spcBef>
-                <a:spcPts val="0"/>
-              </a:spcBef>
-              <a:buNone/>
-            </a:pPr>
-            <a:r>
-              <a:rPr lang="fr-FR" sz="1200" dirty="0"/>
-              <a:t>    -&gt; Le système affiche "Félicitation vous avez reçu votre nouveau pack</a:t>
-            </a:r>
-            <a:r>
-              <a:rPr lang="fr-FR" sz="1200" dirty="0" smtClean="0"/>
-              <a:t>."</a:t>
-            </a:r>
-            <a:endParaRPr lang="fr-FR" sz="1200" dirty="0"/>
-          </a:p>
-          <a:p>
-            <a:pPr marL="0" indent="0">
-              <a:spcBef>
-                <a:spcPts val="0"/>
-              </a:spcBef>
-              <a:buNone/>
-            </a:pPr>
-            <a:r>
-              <a:rPr lang="fr-FR" sz="1200" u="sng" dirty="0" smtClean="0"/>
-              <a:t>Moyen de vérification</a:t>
-            </a:r>
-            <a:r>
-              <a:rPr lang="fr-FR" sz="1200" dirty="0" smtClean="0"/>
-              <a:t>:</a:t>
-            </a:r>
-            <a:endParaRPr lang="fr-FR" sz="1200" dirty="0"/>
-          </a:p>
-          <a:p>
-            <a:pPr marL="0" indent="0">
-              <a:spcBef>
-                <a:spcPts val="0"/>
-              </a:spcBef>
-              <a:buNone/>
-            </a:pPr>
-            <a:r>
-              <a:rPr lang="fr-FR" sz="1200" dirty="0"/>
-              <a:t>    -&gt; Vérifier sur son compte ne banque qu'il a bien été débité de la bonne somme</a:t>
-            </a:r>
-          </a:p>
-          <a:p>
-            <a:pPr marL="0" indent="0">
-              <a:spcBef>
-                <a:spcPts val="0"/>
-              </a:spcBef>
-              <a:buNone/>
-            </a:pPr>
-            <a:r>
-              <a:rPr lang="fr-FR" sz="1200" dirty="0"/>
-              <a:t>    -&gt; Vérifier que le joueur a bien reçu son pack</a:t>
-            </a:r>
-          </a:p>
-          <a:p>
-            <a:pPr marL="0" indent="0">
-              <a:spcBef>
-                <a:spcPts val="0"/>
-              </a:spcBef>
-              <a:buNone/>
-            </a:pPr>
-            <a:r>
-              <a:rPr lang="fr-FR" sz="1200" dirty="0"/>
-              <a:t>    -&gt; </a:t>
-            </a:r>
-            <a:r>
-              <a:rPr lang="fr-FR" sz="1200" dirty="0" err="1"/>
-              <a:t>Verifier</a:t>
-            </a:r>
-            <a:r>
-              <a:rPr lang="fr-FR" sz="1200" dirty="0"/>
-              <a:t> que le joueur a bien reçu au moins une carte rare dans le pack.</a:t>
-            </a:r>
-          </a:p>
-          <a:p>
-            <a:pPr marL="0" indent="0">
-              <a:spcBef>
-                <a:spcPts val="0"/>
-              </a:spcBef>
-              <a:buNone/>
-            </a:pPr>
-            <a:r>
-              <a:rPr lang="fr-FR" sz="1200" dirty="0" smtClean="0"/>
-              <a:t>    -&gt; </a:t>
-            </a:r>
-            <a:r>
-              <a:rPr lang="fr-FR" sz="1200" dirty="0"/>
-              <a:t>Affichage visuel</a:t>
-            </a:r>
-          </a:p>
-        </p:txBody>
-      </p:sp>
-      <p:sp>
-        <p:nvSpPr>
-          <p:cNvPr id="4" name="Espace réservé du contenu 3"/>
-          <p:cNvSpPr>
-            <a:spLocks noGrp="1"/>
-          </p:cNvSpPr>
-          <p:nvPr>
-            <p:ph sz="half" idx="2"/>
-          </p:nvPr>
-        </p:nvSpPr>
-        <p:spPr>
-          <a:xfrm>
-            <a:off x="6166799" y="2115405"/>
-            <a:ext cx="5815936" cy="4260274"/>
-          </a:xfrm>
-        </p:spPr>
-        <p:txBody>
-          <a:bodyPr>
-            <a:noAutofit/>
-          </a:bodyPr>
-          <a:lstStyle/>
-          <a:p>
-            <a:pPr marL="0" indent="0">
-              <a:spcBef>
-                <a:spcPts val="0"/>
-              </a:spcBef>
-              <a:buNone/>
-            </a:pPr>
-            <a:r>
-              <a:rPr lang="fr-FR" sz="1200" u="sng" dirty="0"/>
-              <a:t>TV06: Acheter un emplacement de </a:t>
-            </a:r>
-            <a:r>
-              <a:rPr lang="fr-FR" sz="1200" u="sng" dirty="0" err="1"/>
-              <a:t>deck</a:t>
-            </a:r>
-            <a:r>
-              <a:rPr lang="fr-FR" sz="1200" u="sng" dirty="0"/>
-              <a:t> sans avoir remplit ses coordonnées </a:t>
-            </a:r>
-            <a:r>
-              <a:rPr lang="fr-FR" sz="1200" u="sng" dirty="0" smtClean="0"/>
-              <a:t>bancaires</a:t>
-            </a:r>
-          </a:p>
-          <a:p>
-            <a:pPr marL="0" indent="0">
-              <a:spcBef>
-                <a:spcPts val="0"/>
-              </a:spcBef>
-              <a:buNone/>
-            </a:pPr>
-            <a:endParaRPr lang="fr-FR" sz="1200" u="sng" dirty="0"/>
-          </a:p>
-          <a:p>
-            <a:pPr marL="0" indent="0">
-              <a:spcBef>
-                <a:spcPts val="0"/>
-              </a:spcBef>
-              <a:buNone/>
-            </a:pPr>
-            <a:r>
-              <a:rPr lang="fr-FR" sz="1200" u="sng" dirty="0"/>
-              <a:t>Contexte</a:t>
-            </a:r>
-            <a:r>
-              <a:rPr lang="fr-FR" sz="1200" dirty="0"/>
-              <a:t>: Abdoulaye est connecté et se trouve dans la boutique, il a assez d'argent sur son compte en banque et il n'a pas rentré ses coordonnées bancaires. </a:t>
-            </a:r>
-          </a:p>
-          <a:p>
-            <a:pPr marL="0" indent="0">
-              <a:spcBef>
-                <a:spcPts val="0"/>
-              </a:spcBef>
-              <a:buNone/>
-            </a:pPr>
-            <a:r>
-              <a:rPr lang="fr-FR" sz="1200" u="sng" dirty="0"/>
-              <a:t>Scénario</a:t>
-            </a:r>
-            <a:r>
-              <a:rPr lang="fr-FR" sz="1200" dirty="0" smtClean="0"/>
-              <a:t>:</a:t>
-            </a:r>
-            <a:endParaRPr lang="fr-FR" sz="1200" dirty="0"/>
-          </a:p>
-          <a:p>
-            <a:pPr marL="457200" indent="-457200">
-              <a:spcBef>
-                <a:spcPts val="0"/>
-              </a:spcBef>
-              <a:buFont typeface="+mj-lt"/>
-              <a:buAutoNum type="arabicPeriod"/>
-            </a:pPr>
-            <a:r>
-              <a:rPr lang="fr-FR" sz="1200" dirty="0" smtClean="0"/>
-              <a:t>Le </a:t>
-            </a:r>
-            <a:r>
-              <a:rPr lang="fr-FR" sz="1200" dirty="0"/>
-              <a:t>joueur clique sur "Acheter un emplacement de </a:t>
-            </a:r>
-            <a:r>
-              <a:rPr lang="fr-FR" sz="1200" dirty="0" err="1"/>
-              <a:t>deck</a:t>
-            </a:r>
-            <a:r>
-              <a:rPr lang="fr-FR" sz="1200" dirty="0"/>
-              <a:t>"</a:t>
-            </a:r>
-          </a:p>
-          <a:p>
-            <a:pPr marL="457200" indent="-457200">
-              <a:spcBef>
-                <a:spcPts val="0"/>
-              </a:spcBef>
-              <a:buFont typeface="+mj-lt"/>
-              <a:buAutoNum type="arabicPeriod"/>
-            </a:pPr>
-            <a:r>
-              <a:rPr lang="fr-FR" sz="1200" dirty="0" smtClean="0"/>
-              <a:t>Le </a:t>
-            </a:r>
-            <a:r>
-              <a:rPr lang="fr-FR" sz="1200" dirty="0"/>
-              <a:t>joueur remplit ses coordonnées bancaires</a:t>
-            </a:r>
-          </a:p>
-          <a:p>
-            <a:pPr marL="457200" indent="-457200">
-              <a:spcBef>
-                <a:spcPts val="0"/>
-              </a:spcBef>
-              <a:buFont typeface="+mj-lt"/>
-              <a:buAutoNum type="arabicPeriod"/>
-            </a:pPr>
-            <a:r>
-              <a:rPr lang="fr-FR" sz="1200" dirty="0" smtClean="0"/>
-              <a:t>Le </a:t>
-            </a:r>
-            <a:r>
-              <a:rPr lang="fr-FR" sz="1200" dirty="0"/>
-              <a:t>joueur confirme son achat</a:t>
-            </a:r>
-          </a:p>
-          <a:p>
-            <a:pPr marL="457200" indent="-457200">
-              <a:spcBef>
-                <a:spcPts val="0"/>
-              </a:spcBef>
-              <a:buFont typeface="+mj-lt"/>
-              <a:buAutoNum type="arabicPeriod"/>
-            </a:pPr>
-            <a:r>
-              <a:rPr lang="fr-FR" sz="1200" dirty="0" smtClean="0"/>
-              <a:t>Le </a:t>
-            </a:r>
-            <a:r>
-              <a:rPr lang="fr-FR" sz="1200" dirty="0"/>
-              <a:t>joueur refuse un second </a:t>
-            </a:r>
-            <a:r>
-              <a:rPr lang="fr-FR" sz="1200" dirty="0" smtClean="0"/>
-              <a:t>achat</a:t>
-            </a:r>
-            <a:endParaRPr lang="fr-FR" sz="1200" dirty="0"/>
-          </a:p>
-          <a:p>
-            <a:pPr marL="0" indent="0">
-              <a:spcBef>
-                <a:spcPts val="0"/>
-              </a:spcBef>
-              <a:buNone/>
-            </a:pPr>
-            <a:r>
-              <a:rPr lang="fr-FR" sz="1200" u="sng" dirty="0" smtClean="0"/>
-              <a:t>Résultat attendu</a:t>
-            </a:r>
-            <a:r>
-              <a:rPr lang="fr-FR" sz="1200" dirty="0" smtClean="0"/>
-              <a:t>:</a:t>
-            </a:r>
-            <a:endParaRPr lang="fr-FR" sz="1200" dirty="0"/>
-          </a:p>
-          <a:p>
-            <a:pPr marL="0" indent="0">
-              <a:spcBef>
-                <a:spcPts val="0"/>
-              </a:spcBef>
-              <a:buNone/>
-            </a:pPr>
-            <a:r>
-              <a:rPr lang="fr-FR" sz="1200" dirty="0"/>
-              <a:t>    -&gt; Le joueur a bien été débité de la bonne somme</a:t>
-            </a:r>
-          </a:p>
-          <a:p>
-            <a:pPr marL="0" indent="0">
-              <a:spcBef>
-                <a:spcPts val="0"/>
-              </a:spcBef>
-              <a:buNone/>
-            </a:pPr>
-            <a:r>
-              <a:rPr lang="fr-FR" sz="1200" dirty="0"/>
-              <a:t>    -&gt; Le joueur a bien reçu un emplacement de </a:t>
-            </a:r>
-            <a:r>
-              <a:rPr lang="fr-FR" sz="1200" dirty="0" err="1"/>
-              <a:t>deck</a:t>
-            </a:r>
-            <a:endParaRPr lang="fr-FR" sz="1200" dirty="0"/>
-          </a:p>
-          <a:p>
-            <a:pPr marL="0" indent="0">
-              <a:spcBef>
-                <a:spcPts val="0"/>
-              </a:spcBef>
-              <a:buNone/>
-            </a:pPr>
-            <a:r>
-              <a:rPr lang="fr-FR" sz="1200" dirty="0"/>
-              <a:t>    -&gt; Le système affiche "Félicitation vous avez reçu un nouvel emplacement de </a:t>
-            </a:r>
-            <a:r>
-              <a:rPr lang="fr-FR" sz="1200" dirty="0" err="1"/>
-              <a:t>deck</a:t>
-            </a:r>
-            <a:r>
-              <a:rPr lang="fr-FR" sz="1200" dirty="0" smtClean="0"/>
-              <a:t>."</a:t>
-            </a:r>
-            <a:endParaRPr lang="fr-FR" sz="1200" dirty="0"/>
-          </a:p>
-          <a:p>
-            <a:pPr marL="0" indent="0">
-              <a:spcBef>
-                <a:spcPts val="0"/>
-              </a:spcBef>
-              <a:buNone/>
-            </a:pPr>
-            <a:r>
-              <a:rPr lang="fr-FR" sz="1200" u="sng" dirty="0" smtClean="0"/>
-              <a:t>Moyen de vérification</a:t>
-            </a:r>
-            <a:r>
-              <a:rPr lang="fr-FR" sz="1200" dirty="0" smtClean="0"/>
-              <a:t>:</a:t>
-            </a:r>
-            <a:endParaRPr lang="fr-FR" sz="1200" dirty="0"/>
-          </a:p>
-          <a:p>
-            <a:pPr marL="0" indent="0">
-              <a:spcBef>
-                <a:spcPts val="0"/>
-              </a:spcBef>
-              <a:buNone/>
-            </a:pPr>
-            <a:r>
-              <a:rPr lang="fr-FR" sz="1200" dirty="0"/>
-              <a:t>    -&gt; Vérifier sur son compte ne banque qu'il a bien été débité de la bonne somme</a:t>
-            </a:r>
-          </a:p>
-          <a:p>
-            <a:pPr marL="0" indent="0">
-              <a:spcBef>
-                <a:spcPts val="0"/>
-              </a:spcBef>
-              <a:buNone/>
-            </a:pPr>
-            <a:r>
-              <a:rPr lang="fr-FR" sz="1200" dirty="0"/>
-              <a:t>    -&gt; Vérifier que le joueur a bien reçu son emplacement de </a:t>
-            </a:r>
-            <a:r>
-              <a:rPr lang="fr-FR" sz="1200" dirty="0" err="1"/>
-              <a:t>deck</a:t>
-            </a:r>
-            <a:endParaRPr lang="fr-FR" sz="1200" dirty="0"/>
-          </a:p>
-          <a:p>
-            <a:pPr marL="0" indent="0">
-              <a:spcBef>
-                <a:spcPts val="0"/>
-              </a:spcBef>
-              <a:buNone/>
-            </a:pPr>
-            <a:r>
-              <a:rPr lang="fr-FR" sz="1200" dirty="0" smtClean="0"/>
-              <a:t>    -&gt; </a:t>
-            </a:r>
-            <a:r>
-              <a:rPr lang="fr-FR" sz="1200" dirty="0"/>
-              <a:t>Affichage visuel</a:t>
-            </a:r>
-          </a:p>
-        </p:txBody>
-      </p:sp>
-      <p:sp>
-        <p:nvSpPr>
-          <p:cNvPr id="5" name="Espace réservé de la date 4"/>
-          <p:cNvSpPr>
-            <a:spLocks noGrp="1"/>
-          </p:cNvSpPr>
-          <p:nvPr>
-            <p:ph type="dt" sz="half" idx="10"/>
-          </p:nvPr>
-        </p:nvSpPr>
-        <p:spPr/>
-        <p:txBody>
-          <a:bodyPr/>
-          <a:lstStyle/>
-          <a:p>
-            <a:fld id="{6E297C13-8A02-476A-BC32-9713B4BAFEC7}" type="datetime1">
-              <a:rPr lang="fr-FR" smtClean="0"/>
-              <a:t>22/10/2017</a:t>
-            </a:fld>
-            <a:endParaRPr lang="fr-FR"/>
-          </a:p>
-        </p:txBody>
-      </p:sp>
-      <p:sp>
-        <p:nvSpPr>
-          <p:cNvPr id="6" name="Espace réservé du numéro de diapositive 5"/>
-          <p:cNvSpPr>
-            <a:spLocks noGrp="1"/>
-          </p:cNvSpPr>
-          <p:nvPr>
-            <p:ph type="sldNum" sz="quarter" idx="12"/>
-          </p:nvPr>
-        </p:nvSpPr>
-        <p:spPr/>
-        <p:txBody>
-          <a:bodyPr/>
-          <a:lstStyle/>
-          <a:p>
-            <a:fld id="{571CB747-BDA9-4D84-B713-CDD5BDC1D6D8}" type="slidenum">
-              <a:rPr lang="fr-FR" smtClean="0"/>
-              <a:t>12</a:t>
-            </a:fld>
-            <a:endParaRPr lang="fr-FR"/>
-          </a:p>
-        </p:txBody>
-      </p:sp>
-    </p:spTree>
-    <p:extLst>
-      <p:ext uri="{BB962C8B-B14F-4D97-AF65-F5344CB8AC3E}">
-        <p14:creationId xmlns:p14="http://schemas.microsoft.com/office/powerpoint/2010/main" val="2177739396"/>
-      </p:ext>
-    </p:extLst>
-  </p:cSld>
-  <p:clrMapOvr>
-    <a:masterClrMapping/>
-  </p:clrMapOvr>
-</p:sld>
-</file>
-
-<file path=ppt/slides/slide13.xml><?xml version="1.0" encoding="utf-8"?>
-<p:sld xmlns:a="http://schemas.openxmlformats.org/drawingml/2006/main" xmlns:r="http://schemas.openxmlformats.org/officeDocument/2006/relationships" xmlns:p="http://schemas.openxmlformats.org/presentationml/2006/main">
-  <p:cSld>
-    <p:spTree>
-      <p:nvGrpSpPr>
-        <p:cNvPr id="1" name=""/>
-        <p:cNvGrpSpPr/>
-        <p:nvPr/>
-      </p:nvGrpSpPr>
-      <p:grpSpPr>
-        <a:xfrm>
-          <a:off x="0" y="0"/>
-          <a:ext cx="0" cy="0"/>
-          <a:chOff x="0" y="0"/>
-          <a:chExt cx="0" cy="0"/>
-        </a:xfrm>
-      </p:grpSpPr>
-      <p:sp>
-        <p:nvSpPr>
-          <p:cNvPr id="2" name="Titre 1"/>
-          <p:cNvSpPr>
-            <a:spLocks noGrp="1"/>
-          </p:cNvSpPr>
-          <p:nvPr>
-            <p:ph type="title"/>
-          </p:nvPr>
-        </p:nvSpPr>
-        <p:spPr/>
-        <p:txBody>
-          <a:bodyPr>
-            <a:noAutofit/>
-          </a:bodyPr>
-          <a:lstStyle/>
-          <a:p>
-            <a:pPr algn="ctr"/>
-            <a:r>
-              <a:rPr lang="fr-FR" sz="3600" dirty="0"/>
-              <a:t>Test de validation :</a:t>
-            </a:r>
-            <a:br>
-              <a:rPr lang="fr-FR" sz="3600" dirty="0"/>
-            </a:br>
-            <a:r>
-              <a:rPr lang="fr-FR" sz="4400" dirty="0"/>
-              <a:t>Acheter un emplacement </a:t>
-            </a:r>
-            <a:r>
-              <a:rPr lang="fr-FR" sz="4400" dirty="0" err="1"/>
-              <a:t>deck</a:t>
-            </a:r>
-            <a:r>
-              <a:rPr lang="fr-FR" sz="4400" dirty="0"/>
-              <a:t> ou un </a:t>
-            </a:r>
-            <a:r>
-              <a:rPr lang="fr-FR" sz="4400" dirty="0" err="1" smtClean="0"/>
-              <a:t>pacK</a:t>
-            </a:r>
-            <a:r>
-              <a:rPr lang="fr-FR" sz="4400" dirty="0" smtClean="0"/>
-              <a:t> (4)</a:t>
-            </a:r>
-            <a:endParaRPr lang="fr-FR" sz="4000" dirty="0"/>
-          </a:p>
-        </p:txBody>
-      </p:sp>
-      <p:sp>
-        <p:nvSpPr>
-          <p:cNvPr id="3" name="Espace réservé du contenu 2"/>
-          <p:cNvSpPr>
-            <a:spLocks noGrp="1"/>
-          </p:cNvSpPr>
-          <p:nvPr>
-            <p:ph sz="half" idx="1"/>
-          </p:nvPr>
-        </p:nvSpPr>
-        <p:spPr>
-          <a:xfrm>
-            <a:off x="887104" y="2169995"/>
-            <a:ext cx="5170796" cy="4205684"/>
-          </a:xfrm>
-        </p:spPr>
-        <p:txBody>
-          <a:bodyPr>
-            <a:noAutofit/>
-          </a:bodyPr>
-          <a:lstStyle/>
-          <a:p>
-            <a:pPr marL="0" indent="0">
-              <a:spcBef>
-                <a:spcPts val="0"/>
-              </a:spcBef>
-              <a:buNone/>
-            </a:pPr>
-            <a:r>
-              <a:rPr lang="fr-FR" sz="1200" u="sng" dirty="0"/>
-              <a:t>TV07: Acheter un pack sans avoir remplit ses coordonnées bancaires et sans avoir assez </a:t>
-            </a:r>
-            <a:r>
-              <a:rPr lang="fr-FR" sz="1200" u="sng" dirty="0" smtClean="0"/>
-              <a:t>d'argent</a:t>
-            </a:r>
-          </a:p>
-          <a:p>
-            <a:pPr marL="0" indent="0">
-              <a:spcBef>
-                <a:spcPts val="0"/>
-              </a:spcBef>
-              <a:buNone/>
-            </a:pPr>
-            <a:endParaRPr lang="fr-FR" sz="1200" u="sng" dirty="0"/>
-          </a:p>
-          <a:p>
-            <a:pPr marL="0" indent="0">
-              <a:spcBef>
-                <a:spcPts val="0"/>
-              </a:spcBef>
-              <a:buNone/>
-            </a:pPr>
-            <a:r>
-              <a:rPr lang="fr-FR" sz="1200" u="sng" dirty="0"/>
-              <a:t>Contexte</a:t>
-            </a:r>
-            <a:r>
-              <a:rPr lang="fr-FR" sz="1200" dirty="0"/>
-              <a:t>: Abdoulaye est connecté et se trouve dans la boutique, il n'a pas assez d'argent sur son compte en banque et n'a pas rentré ses coordonnées bancaires. </a:t>
-            </a:r>
-          </a:p>
-          <a:p>
-            <a:pPr marL="0" indent="0">
-              <a:spcBef>
-                <a:spcPts val="0"/>
-              </a:spcBef>
-              <a:buNone/>
-            </a:pPr>
-            <a:r>
-              <a:rPr lang="fr-FR" sz="1200" u="sng" dirty="0"/>
-              <a:t>Scénario</a:t>
-            </a:r>
-            <a:r>
-              <a:rPr lang="fr-FR" sz="1200" dirty="0" smtClean="0"/>
-              <a:t>:</a:t>
-            </a:r>
-            <a:endParaRPr lang="fr-FR" sz="1200" dirty="0"/>
-          </a:p>
-          <a:p>
-            <a:pPr>
-              <a:spcBef>
-                <a:spcPts val="0"/>
-              </a:spcBef>
-              <a:buFont typeface="+mj-lt"/>
-              <a:buAutoNum type="arabicPeriod"/>
-            </a:pPr>
-            <a:r>
-              <a:rPr lang="fr-FR" sz="1200" dirty="0" smtClean="0"/>
-              <a:t>Le </a:t>
-            </a:r>
-            <a:r>
-              <a:rPr lang="fr-FR" sz="1200" dirty="0"/>
-              <a:t>joueur clique sur le pack qu'il veut acheter</a:t>
-            </a:r>
-          </a:p>
-          <a:p>
-            <a:pPr>
-              <a:spcBef>
-                <a:spcPts val="0"/>
-              </a:spcBef>
-              <a:buFont typeface="+mj-lt"/>
-              <a:buAutoNum type="arabicPeriod"/>
-            </a:pPr>
-            <a:r>
-              <a:rPr lang="fr-FR" sz="1200" dirty="0" smtClean="0"/>
-              <a:t>Le </a:t>
-            </a:r>
-            <a:r>
-              <a:rPr lang="fr-FR" sz="1200" dirty="0"/>
-              <a:t>joueur clique sur "Acheter"</a:t>
-            </a:r>
-          </a:p>
-          <a:p>
-            <a:pPr>
-              <a:spcBef>
-                <a:spcPts val="0"/>
-              </a:spcBef>
-              <a:buFont typeface="+mj-lt"/>
-              <a:buAutoNum type="arabicPeriod"/>
-            </a:pPr>
-            <a:r>
-              <a:rPr lang="fr-FR" sz="1200" dirty="0" smtClean="0"/>
-              <a:t>Le </a:t>
-            </a:r>
-            <a:r>
-              <a:rPr lang="fr-FR" sz="1200" dirty="0"/>
-              <a:t>joueur remplit ses coordonnées bancaires</a:t>
-            </a:r>
-          </a:p>
-          <a:p>
-            <a:pPr>
-              <a:spcBef>
-                <a:spcPts val="0"/>
-              </a:spcBef>
-              <a:buFont typeface="+mj-lt"/>
-              <a:buAutoNum type="arabicPeriod"/>
-            </a:pPr>
-            <a:r>
-              <a:rPr lang="fr-FR" sz="1200" dirty="0" smtClean="0"/>
-              <a:t>Le </a:t>
-            </a:r>
-            <a:r>
-              <a:rPr lang="fr-FR" sz="1200" dirty="0"/>
-              <a:t>joueur confirme son achat</a:t>
-            </a:r>
-          </a:p>
-          <a:p>
-            <a:pPr>
-              <a:spcBef>
-                <a:spcPts val="0"/>
-              </a:spcBef>
-              <a:buFont typeface="+mj-lt"/>
-              <a:buAutoNum type="arabicPeriod"/>
-            </a:pPr>
-            <a:r>
-              <a:rPr lang="fr-FR" sz="1200" dirty="0" smtClean="0"/>
-              <a:t>Le </a:t>
-            </a:r>
-            <a:r>
-              <a:rPr lang="fr-FR" sz="1200" dirty="0"/>
-              <a:t>joueur </a:t>
-            </a:r>
-            <a:r>
-              <a:rPr lang="fr-FR" sz="1200" dirty="0" smtClean="0"/>
-              <a:t>termine</a:t>
-            </a:r>
-            <a:endParaRPr lang="fr-FR" sz="1200" dirty="0"/>
-          </a:p>
-          <a:p>
-            <a:pPr marL="0" indent="0">
-              <a:spcBef>
-                <a:spcPts val="0"/>
-              </a:spcBef>
-              <a:buNone/>
-            </a:pPr>
-            <a:r>
-              <a:rPr lang="fr-FR" sz="1200" u="sng" dirty="0" smtClean="0"/>
-              <a:t>Résultat attendu</a:t>
-            </a:r>
-            <a:r>
-              <a:rPr lang="fr-FR" sz="1200" dirty="0" smtClean="0"/>
-              <a:t>:</a:t>
-            </a:r>
-            <a:endParaRPr lang="fr-FR" sz="1200" dirty="0"/>
-          </a:p>
-          <a:p>
-            <a:pPr marL="0" indent="0">
-              <a:spcBef>
-                <a:spcPts val="0"/>
-              </a:spcBef>
-              <a:buNone/>
-            </a:pPr>
-            <a:r>
-              <a:rPr lang="fr-FR" sz="1200" dirty="0"/>
-              <a:t>    -&gt; Le joueur a la somme de son compte en banque inchangée</a:t>
-            </a:r>
-          </a:p>
-          <a:p>
-            <a:pPr marL="0" indent="0">
-              <a:spcBef>
-                <a:spcPts val="0"/>
-              </a:spcBef>
-              <a:buNone/>
-            </a:pPr>
-            <a:r>
-              <a:rPr lang="fr-FR" sz="1200" dirty="0"/>
-              <a:t>    -&gt; Le joueur n'a rien reçu</a:t>
-            </a:r>
-          </a:p>
-          <a:p>
-            <a:pPr marL="0" indent="0">
-              <a:spcBef>
-                <a:spcPts val="0"/>
-              </a:spcBef>
-              <a:buNone/>
-            </a:pPr>
-            <a:r>
-              <a:rPr lang="fr-FR" sz="1200" dirty="0"/>
-              <a:t>    -&gt; Le système affiche "Nous somme dans le regret de vous informer que vous n'avez pas </a:t>
-            </a:r>
-            <a:r>
-              <a:rPr lang="fr-FR" sz="1200" dirty="0" smtClean="0"/>
-              <a:t>assez d'argent."</a:t>
-            </a:r>
-            <a:endParaRPr lang="fr-FR" sz="1200" dirty="0"/>
-          </a:p>
-          <a:p>
-            <a:pPr marL="0" indent="0">
-              <a:spcBef>
-                <a:spcPts val="0"/>
-              </a:spcBef>
-              <a:buNone/>
-            </a:pPr>
-            <a:r>
-              <a:rPr lang="fr-FR" sz="1200" u="sng" dirty="0" smtClean="0"/>
-              <a:t>Moyen de vérification</a:t>
-            </a:r>
-            <a:r>
-              <a:rPr lang="fr-FR" sz="1200" dirty="0" smtClean="0"/>
-              <a:t>:</a:t>
-            </a:r>
-            <a:endParaRPr lang="fr-FR" sz="1200" dirty="0"/>
-          </a:p>
-          <a:p>
-            <a:pPr marL="0" indent="0">
-              <a:spcBef>
-                <a:spcPts val="0"/>
-              </a:spcBef>
-              <a:buNone/>
-            </a:pPr>
-            <a:r>
-              <a:rPr lang="fr-FR" sz="1200" dirty="0"/>
-              <a:t>    -&gt; Vérifier sur son compte en banque que la somme est inchangée</a:t>
-            </a:r>
-          </a:p>
-          <a:p>
-            <a:pPr marL="0" indent="0">
-              <a:spcBef>
-                <a:spcPts val="0"/>
-              </a:spcBef>
-              <a:buNone/>
-            </a:pPr>
-            <a:r>
-              <a:rPr lang="fr-FR" sz="1200" dirty="0"/>
-              <a:t>    -&gt; Vérifier que le joueur n'a rien reçu</a:t>
-            </a:r>
-          </a:p>
-          <a:p>
-            <a:pPr marL="0" indent="0">
-              <a:spcBef>
-                <a:spcPts val="0"/>
-              </a:spcBef>
-              <a:buNone/>
-            </a:pPr>
-            <a:r>
-              <a:rPr lang="fr-FR" sz="1200" dirty="0"/>
-              <a:t>    -&gt; Affichage visuel</a:t>
-            </a:r>
-          </a:p>
-        </p:txBody>
-      </p:sp>
-      <p:sp>
-        <p:nvSpPr>
-          <p:cNvPr id="4" name="Espace réservé du contenu 3"/>
-          <p:cNvSpPr>
-            <a:spLocks noGrp="1"/>
-          </p:cNvSpPr>
-          <p:nvPr>
-            <p:ph sz="half" idx="2"/>
-          </p:nvPr>
-        </p:nvSpPr>
-        <p:spPr>
-          <a:xfrm>
-            <a:off x="6057899" y="2169995"/>
-            <a:ext cx="5774709" cy="4205684"/>
-          </a:xfrm>
-        </p:spPr>
-        <p:txBody>
-          <a:bodyPr>
-            <a:normAutofit/>
-          </a:bodyPr>
-          <a:lstStyle/>
-          <a:p>
-            <a:pPr marL="0" indent="0">
-              <a:spcBef>
-                <a:spcPts val="0"/>
-              </a:spcBef>
-              <a:buNone/>
-            </a:pPr>
-            <a:r>
-              <a:rPr lang="fr-FR" sz="1200" u="sng" dirty="0"/>
-              <a:t>TV08: Acheter un emplacement de </a:t>
-            </a:r>
-            <a:r>
-              <a:rPr lang="fr-FR" sz="1200" u="sng" dirty="0" err="1"/>
-              <a:t>deck</a:t>
-            </a:r>
-            <a:r>
-              <a:rPr lang="fr-FR" sz="1200" u="sng" dirty="0"/>
-              <a:t> sans avoir remplit ses coordonnées bancaires et sans avoir assez </a:t>
-            </a:r>
-            <a:r>
-              <a:rPr lang="fr-FR" sz="1200" u="sng" dirty="0" smtClean="0"/>
-              <a:t>d'argent</a:t>
-            </a:r>
-          </a:p>
-          <a:p>
-            <a:pPr marL="0" indent="0">
-              <a:spcBef>
-                <a:spcPts val="0"/>
-              </a:spcBef>
-              <a:buNone/>
-            </a:pPr>
-            <a:endParaRPr lang="fr-FR" sz="1200" dirty="0"/>
-          </a:p>
-          <a:p>
-            <a:pPr marL="0" indent="0">
-              <a:spcBef>
-                <a:spcPts val="0"/>
-              </a:spcBef>
-              <a:buNone/>
-            </a:pPr>
-            <a:r>
-              <a:rPr lang="fr-FR" sz="1200" u="sng" dirty="0"/>
-              <a:t>Contexte</a:t>
-            </a:r>
-            <a:r>
-              <a:rPr lang="fr-FR" sz="1200" dirty="0"/>
-              <a:t>: Abdoulaye est connecté et se trouve dans la boutique, n'a pas assez d'argent sur son compte en banque et n'a pas rentré ses coordonnées bancaires. </a:t>
-            </a:r>
-          </a:p>
-          <a:p>
-            <a:pPr marL="0" indent="0">
-              <a:spcBef>
-                <a:spcPts val="0"/>
-              </a:spcBef>
-              <a:buNone/>
-            </a:pPr>
-            <a:r>
-              <a:rPr lang="fr-FR" sz="1200" u="sng" dirty="0"/>
-              <a:t>Scénario</a:t>
-            </a:r>
-            <a:r>
-              <a:rPr lang="fr-FR" sz="1200" dirty="0" smtClean="0"/>
-              <a:t>:</a:t>
-            </a:r>
-            <a:endParaRPr lang="fr-FR" sz="1200" dirty="0"/>
-          </a:p>
-          <a:p>
-            <a:pPr marL="457200" indent="-457200">
-              <a:spcBef>
-                <a:spcPts val="0"/>
-              </a:spcBef>
-              <a:buFont typeface="+mj-lt"/>
-              <a:buAutoNum type="arabicPeriod"/>
-            </a:pPr>
-            <a:r>
-              <a:rPr lang="fr-FR" sz="1200" dirty="0" smtClean="0"/>
-              <a:t>Le </a:t>
-            </a:r>
-            <a:r>
-              <a:rPr lang="fr-FR" sz="1200" dirty="0"/>
-              <a:t>joueur clique sur "Acheter un emplacement de </a:t>
-            </a:r>
-            <a:r>
-              <a:rPr lang="fr-FR" sz="1200" dirty="0" err="1"/>
-              <a:t>deck</a:t>
-            </a:r>
-            <a:r>
-              <a:rPr lang="fr-FR" sz="1200" dirty="0"/>
-              <a:t>"</a:t>
-            </a:r>
-          </a:p>
-          <a:p>
-            <a:pPr marL="457200" indent="-457200">
-              <a:spcBef>
-                <a:spcPts val="0"/>
-              </a:spcBef>
-              <a:buFont typeface="+mj-lt"/>
-              <a:buAutoNum type="arabicPeriod"/>
-            </a:pPr>
-            <a:r>
-              <a:rPr lang="fr-FR" sz="1200" dirty="0" smtClean="0"/>
-              <a:t>Le </a:t>
-            </a:r>
-            <a:r>
-              <a:rPr lang="fr-FR" sz="1200" dirty="0"/>
-              <a:t>joueur remplit ses coordonnées bancaires</a:t>
-            </a:r>
-          </a:p>
-          <a:p>
-            <a:pPr marL="457200" indent="-457200">
-              <a:spcBef>
-                <a:spcPts val="0"/>
-              </a:spcBef>
-              <a:buFont typeface="+mj-lt"/>
-              <a:buAutoNum type="arabicPeriod"/>
-            </a:pPr>
-            <a:r>
-              <a:rPr lang="fr-FR" sz="1200" dirty="0" smtClean="0"/>
-              <a:t>Le </a:t>
-            </a:r>
-            <a:r>
-              <a:rPr lang="fr-FR" sz="1200" dirty="0"/>
-              <a:t>joueur confirme son achat</a:t>
-            </a:r>
-          </a:p>
-          <a:p>
-            <a:pPr marL="457200" indent="-457200">
-              <a:spcBef>
-                <a:spcPts val="0"/>
-              </a:spcBef>
-              <a:buFont typeface="+mj-lt"/>
-              <a:buAutoNum type="arabicPeriod"/>
-            </a:pPr>
-            <a:r>
-              <a:rPr lang="fr-FR" sz="1200" dirty="0" smtClean="0"/>
-              <a:t>Le </a:t>
-            </a:r>
-            <a:r>
-              <a:rPr lang="fr-FR" sz="1200" dirty="0"/>
-              <a:t>joueur </a:t>
-            </a:r>
-            <a:r>
-              <a:rPr lang="fr-FR" sz="1200" dirty="0" smtClean="0"/>
-              <a:t>termine</a:t>
-            </a:r>
-            <a:endParaRPr lang="fr-FR" sz="1200" dirty="0"/>
-          </a:p>
-          <a:p>
-            <a:pPr marL="0" indent="0">
-              <a:spcBef>
-                <a:spcPts val="0"/>
-              </a:spcBef>
-              <a:buNone/>
-            </a:pPr>
-            <a:r>
-              <a:rPr lang="fr-FR" sz="1200" u="sng" dirty="0" smtClean="0"/>
-              <a:t>Résultat attendu</a:t>
-            </a:r>
-            <a:r>
-              <a:rPr lang="fr-FR" sz="1200" dirty="0" smtClean="0"/>
-              <a:t>:</a:t>
-            </a:r>
-            <a:endParaRPr lang="fr-FR" sz="1200" dirty="0"/>
-          </a:p>
-          <a:p>
-            <a:pPr marL="0" indent="0">
-              <a:spcBef>
-                <a:spcPts val="0"/>
-              </a:spcBef>
-              <a:buNone/>
-            </a:pPr>
-            <a:r>
-              <a:rPr lang="fr-FR" sz="1200" dirty="0"/>
-              <a:t>    -&gt; Le joueur a la somme de son compte en banque inchangée</a:t>
-            </a:r>
-          </a:p>
-          <a:p>
-            <a:pPr marL="0" indent="0">
-              <a:spcBef>
-                <a:spcPts val="0"/>
-              </a:spcBef>
-              <a:buNone/>
-            </a:pPr>
-            <a:r>
-              <a:rPr lang="fr-FR" sz="1200" dirty="0"/>
-              <a:t>    -&gt; Le joueur n'a rien reçu</a:t>
-            </a:r>
-          </a:p>
-          <a:p>
-            <a:pPr marL="0" indent="0">
-              <a:spcBef>
-                <a:spcPts val="0"/>
-              </a:spcBef>
-              <a:buNone/>
-            </a:pPr>
-            <a:r>
-              <a:rPr lang="fr-FR" sz="1200" dirty="0"/>
-              <a:t>    -&gt; Le système affiche "Nous somme dans le regret de vous informer que vous n'avez pas </a:t>
-            </a:r>
-            <a:r>
-              <a:rPr lang="fr-FR" sz="1200" dirty="0" smtClean="0"/>
-              <a:t>assez d'argent."</a:t>
-            </a:r>
-            <a:endParaRPr lang="fr-FR" sz="1200" dirty="0"/>
-          </a:p>
-          <a:p>
-            <a:pPr marL="0" indent="0">
-              <a:spcBef>
-                <a:spcPts val="0"/>
-              </a:spcBef>
-              <a:buNone/>
-            </a:pPr>
-            <a:r>
-              <a:rPr lang="fr-FR" sz="1200" u="sng" dirty="0" smtClean="0"/>
-              <a:t>Moyen de vérification</a:t>
-            </a:r>
-            <a:r>
-              <a:rPr lang="fr-FR" sz="1200" dirty="0" smtClean="0"/>
-              <a:t>:</a:t>
-            </a:r>
-            <a:endParaRPr lang="fr-FR" sz="1200" dirty="0"/>
-          </a:p>
-          <a:p>
-            <a:pPr marL="0" indent="0">
-              <a:spcBef>
-                <a:spcPts val="0"/>
-              </a:spcBef>
-              <a:buNone/>
-            </a:pPr>
-            <a:r>
-              <a:rPr lang="fr-FR" sz="1200" dirty="0"/>
-              <a:t>    -&gt; Vérifier sur son compte en banque que la somme est inchangée</a:t>
-            </a:r>
-          </a:p>
-          <a:p>
-            <a:pPr marL="0" indent="0">
-              <a:spcBef>
-                <a:spcPts val="0"/>
-              </a:spcBef>
-              <a:buNone/>
-            </a:pPr>
-            <a:r>
-              <a:rPr lang="fr-FR" sz="1200" dirty="0"/>
-              <a:t>    -&gt; Vérifier que le joueur n'a rien reçu</a:t>
-            </a:r>
-          </a:p>
-          <a:p>
-            <a:pPr marL="0" indent="0">
-              <a:spcBef>
-                <a:spcPts val="0"/>
-              </a:spcBef>
-              <a:buNone/>
-            </a:pPr>
-            <a:r>
-              <a:rPr lang="fr-FR" sz="1200" dirty="0"/>
-              <a:t>    -&gt; Affichage visuel</a:t>
-            </a:r>
-          </a:p>
-        </p:txBody>
-      </p:sp>
-      <p:sp>
-        <p:nvSpPr>
-          <p:cNvPr id="5" name="Espace réservé de la date 4"/>
-          <p:cNvSpPr>
-            <a:spLocks noGrp="1"/>
-          </p:cNvSpPr>
-          <p:nvPr>
-            <p:ph type="dt" sz="half" idx="10"/>
-          </p:nvPr>
-        </p:nvSpPr>
-        <p:spPr/>
-        <p:txBody>
-          <a:bodyPr/>
-          <a:lstStyle/>
-          <a:p>
-            <a:fld id="{6E297C13-8A02-476A-BC32-9713B4BAFEC7}" type="datetime1">
-              <a:rPr lang="fr-FR" smtClean="0"/>
-              <a:t>22/10/2017</a:t>
-            </a:fld>
-            <a:endParaRPr lang="fr-FR"/>
-          </a:p>
-        </p:txBody>
-      </p:sp>
-      <p:sp>
-        <p:nvSpPr>
-          <p:cNvPr id="6" name="Espace réservé du numéro de diapositive 5"/>
-          <p:cNvSpPr>
-            <a:spLocks noGrp="1"/>
-          </p:cNvSpPr>
-          <p:nvPr>
-            <p:ph type="sldNum" sz="quarter" idx="12"/>
-          </p:nvPr>
-        </p:nvSpPr>
-        <p:spPr/>
-        <p:txBody>
-          <a:bodyPr/>
-          <a:lstStyle/>
-          <a:p>
-            <a:fld id="{571CB747-BDA9-4D84-B713-CDD5BDC1D6D8}" type="slidenum">
-              <a:rPr lang="fr-FR" smtClean="0"/>
-              <a:t>13</a:t>
-            </a:fld>
-            <a:endParaRPr lang="fr-FR"/>
-          </a:p>
-        </p:txBody>
-      </p:sp>
-    </p:spTree>
-    <p:extLst>
-      <p:ext uri="{BB962C8B-B14F-4D97-AF65-F5344CB8AC3E}">
-        <p14:creationId xmlns:p14="http://schemas.microsoft.com/office/powerpoint/2010/main" val="1893679482"/>
-      </p:ext>
-    </p:extLst>
-  </p:cSld>
-  <p:clrMapOvr>
-    <a:masterClrMapping/>
-  </p:clrMapOvr>
-</p:sld>
-</file>
-
-<file path=ppt/slides/slide14.xml><?xml version="1.0" encoding="utf-8"?>
-<p:sld xmlns:a="http://schemas.openxmlformats.org/drawingml/2006/main" xmlns:r="http://schemas.openxmlformats.org/officeDocument/2006/relationships" xmlns:p="http://schemas.openxmlformats.org/presentationml/2006/main">
-  <p:cSld>
-    <p:spTree>
-      <p:nvGrpSpPr>
-        <p:cNvPr id="1" name=""/>
-        <p:cNvGrpSpPr/>
-        <p:nvPr/>
-      </p:nvGrpSpPr>
-      <p:grpSpPr>
-        <a:xfrm>
-          <a:off x="0" y="0"/>
-          <a:ext cx="0" cy="0"/>
-          <a:chOff x="0" y="0"/>
-          <a:chExt cx="0" cy="0"/>
-        </a:xfrm>
-      </p:grpSpPr>
-      <p:sp>
-        <p:nvSpPr>
-          <p:cNvPr id="2" name="Titre 1"/>
-          <p:cNvSpPr>
-            <a:spLocks noGrp="1"/>
-          </p:cNvSpPr>
-          <p:nvPr>
-            <p:ph type="title"/>
-          </p:nvPr>
-        </p:nvSpPr>
-        <p:spPr>
-          <a:xfrm>
-            <a:off x="1251678" y="382386"/>
-            <a:ext cx="10178322" cy="885100"/>
-          </a:xfrm>
-        </p:spPr>
-        <p:txBody>
-          <a:bodyPr>
-            <a:noAutofit/>
-          </a:bodyPr>
-          <a:lstStyle/>
-          <a:p>
-            <a:pPr algn="ctr"/>
-            <a:r>
-              <a:rPr lang="fr-FR" sz="3200" dirty="0"/>
-              <a:t>Fiche </a:t>
-            </a:r>
-            <a:r>
-              <a:rPr lang="fr-FR" sz="3200" dirty="0" smtClean="0"/>
-              <a:t>détaillée :</a:t>
-            </a:r>
-            <a:br>
-              <a:rPr lang="fr-FR" sz="3200" dirty="0" smtClean="0"/>
-            </a:br>
-            <a:r>
-              <a:rPr lang="fr-FR" sz="3200" dirty="0" smtClean="0"/>
-              <a:t>détruire carte</a:t>
-            </a:r>
-            <a:br>
-              <a:rPr lang="fr-FR" sz="3200" dirty="0" smtClean="0"/>
-            </a:br>
-            <a:endParaRPr lang="fr-FR" sz="3200" dirty="0"/>
-          </a:p>
-        </p:txBody>
-      </p:sp>
-      <p:sp>
-        <p:nvSpPr>
-          <p:cNvPr id="3" name="Espace réservé du contenu 2"/>
-          <p:cNvSpPr>
-            <a:spLocks noGrp="1"/>
-          </p:cNvSpPr>
-          <p:nvPr>
-            <p:ph sz="half" idx="1"/>
-          </p:nvPr>
-        </p:nvSpPr>
-        <p:spPr>
-          <a:xfrm>
-            <a:off x="796704" y="841972"/>
-            <a:ext cx="10633295" cy="5613149"/>
-          </a:xfrm>
-        </p:spPr>
-        <p:txBody>
-          <a:bodyPr>
-            <a:noAutofit/>
-          </a:bodyPr>
-          <a:lstStyle/>
-          <a:p>
-            <a:pPr marL="0" indent="0">
-              <a:lnSpc>
-                <a:spcPct val="100000"/>
-              </a:lnSpc>
-              <a:spcBef>
-                <a:spcPts val="0"/>
-              </a:spcBef>
-              <a:buNone/>
-            </a:pPr>
-            <a:r>
-              <a:rPr lang="fr-FR" sz="1500" u="sng" dirty="0">
-                <a:solidFill>
-                  <a:schemeClr val="tx1"/>
-                </a:solidFill>
-              </a:rPr>
-              <a:t>Titre:</a:t>
-            </a:r>
-            <a:r>
-              <a:rPr lang="fr-FR" sz="1500" dirty="0">
-                <a:solidFill>
-                  <a:schemeClr val="tx1"/>
-                </a:solidFill>
-              </a:rPr>
-              <a:t> </a:t>
-            </a:r>
-            <a:r>
-              <a:rPr lang="fr-FR" sz="1500" dirty="0" err="1">
-                <a:solidFill>
-                  <a:schemeClr val="tx1"/>
-                </a:solidFill>
-              </a:rPr>
-              <a:t>DetruireCarte</a:t>
-            </a:r>
-            <a:endParaRPr lang="fr-FR" sz="1500" dirty="0">
-              <a:solidFill>
-                <a:schemeClr val="tx1"/>
-              </a:solidFill>
-            </a:endParaRPr>
-          </a:p>
-          <a:p>
-            <a:pPr marL="0" indent="0">
-              <a:lnSpc>
-                <a:spcPct val="100000"/>
-              </a:lnSpc>
-              <a:spcBef>
-                <a:spcPts val="0"/>
-              </a:spcBef>
-              <a:buNone/>
-            </a:pPr>
-            <a:r>
-              <a:rPr lang="fr-FR" sz="1500" u="sng" dirty="0">
-                <a:solidFill>
-                  <a:schemeClr val="tx1"/>
-                </a:solidFill>
-              </a:rPr>
-              <a:t>Auteur</a:t>
-            </a:r>
-            <a:r>
-              <a:rPr lang="fr-FR" sz="1500" dirty="0">
-                <a:solidFill>
-                  <a:schemeClr val="tx1"/>
-                </a:solidFill>
-              </a:rPr>
-              <a:t>: joueur connecté</a:t>
-            </a:r>
-          </a:p>
-          <a:p>
-            <a:pPr marL="0" indent="0">
-              <a:lnSpc>
-                <a:spcPct val="100000"/>
-              </a:lnSpc>
-              <a:spcBef>
-                <a:spcPts val="0"/>
-              </a:spcBef>
-              <a:buNone/>
-            </a:pPr>
-            <a:r>
-              <a:rPr lang="fr-FR" sz="1500" u="sng" dirty="0">
-                <a:solidFill>
-                  <a:schemeClr val="tx1"/>
-                </a:solidFill>
-              </a:rPr>
-              <a:t>Description</a:t>
-            </a:r>
-            <a:r>
-              <a:rPr lang="fr-FR" sz="1500" dirty="0">
-                <a:solidFill>
-                  <a:schemeClr val="tx1"/>
-                </a:solidFill>
-              </a:rPr>
-              <a:t>: L'utilisateur souhaite détruire un carte, il gagne des joyaux en échange.</a:t>
-            </a:r>
-          </a:p>
-          <a:p>
-            <a:pPr marL="0" indent="0">
-              <a:lnSpc>
-                <a:spcPct val="100000"/>
-              </a:lnSpc>
-              <a:spcBef>
-                <a:spcPts val="0"/>
-              </a:spcBef>
-              <a:buNone/>
-            </a:pPr>
-            <a:r>
-              <a:rPr lang="fr-FR" sz="1500" u="sng" smtClean="0">
-                <a:solidFill>
-                  <a:schemeClr val="tx1"/>
-                </a:solidFill>
-              </a:rPr>
-              <a:t>Précondition</a:t>
-            </a:r>
-            <a:r>
-              <a:rPr lang="fr-FR" sz="1500" dirty="0">
-                <a:solidFill>
-                  <a:schemeClr val="tx1"/>
-                </a:solidFill>
-              </a:rPr>
-              <a:t>: L'utilisateur est connecté. </a:t>
-            </a:r>
-          </a:p>
-          <a:p>
-            <a:pPr marL="0" indent="0">
-              <a:lnSpc>
-                <a:spcPct val="100000"/>
-              </a:lnSpc>
-              <a:spcBef>
-                <a:spcPts val="0"/>
-              </a:spcBef>
-              <a:buNone/>
-            </a:pPr>
-            <a:r>
-              <a:rPr lang="fr-FR" sz="1500" u="sng" dirty="0" smtClean="0">
-                <a:solidFill>
-                  <a:schemeClr val="tx1"/>
-                </a:solidFill>
-              </a:rPr>
-              <a:t>Séquence nominale</a:t>
-            </a:r>
-            <a:r>
-              <a:rPr lang="fr-FR" sz="1500" dirty="0" smtClean="0">
-                <a:solidFill>
-                  <a:schemeClr val="tx1"/>
-                </a:solidFill>
-              </a:rPr>
-              <a:t>:</a:t>
-            </a:r>
-            <a:endParaRPr lang="fr-FR" sz="1500" dirty="0">
-              <a:solidFill>
-                <a:schemeClr val="tx1"/>
-              </a:solidFill>
-            </a:endParaRPr>
-          </a:p>
-          <a:p>
-            <a:pPr marL="0" indent="0">
-              <a:lnSpc>
-                <a:spcPct val="100000"/>
-              </a:lnSpc>
-              <a:spcBef>
-                <a:spcPts val="0"/>
-              </a:spcBef>
-              <a:buNone/>
-            </a:pPr>
-            <a:r>
-              <a:rPr lang="fr-FR" sz="1500" dirty="0">
-                <a:solidFill>
-                  <a:schemeClr val="tx1"/>
-                </a:solidFill>
-              </a:rPr>
-              <a:t>	1. L'utilisateur clique sur "Détruire une carte"</a:t>
-            </a:r>
-          </a:p>
-          <a:p>
-            <a:pPr marL="0" indent="0">
-              <a:lnSpc>
-                <a:spcPct val="100000"/>
-              </a:lnSpc>
-              <a:spcBef>
-                <a:spcPts val="0"/>
-              </a:spcBef>
-              <a:buNone/>
-            </a:pPr>
-            <a:r>
-              <a:rPr lang="fr-FR" sz="1500" dirty="0">
-                <a:solidFill>
-                  <a:schemeClr val="tx1"/>
-                </a:solidFill>
-              </a:rPr>
-              <a:t>	2. Le système affiche les cartes qui peuvent être détruites par l'utilisateur, </a:t>
-            </a:r>
-            <a:r>
-              <a:rPr lang="fr-FR" sz="1500" dirty="0" smtClean="0">
-                <a:solidFill>
-                  <a:schemeClr val="tx1"/>
-                </a:solidFill>
-              </a:rPr>
-              <a:t>toutes sauf les cartes " basique </a:t>
-            </a:r>
-            <a:r>
-              <a:rPr lang="fr-FR" sz="1500" dirty="0">
-                <a:solidFill>
-                  <a:schemeClr val="tx1"/>
-                </a:solidFill>
-              </a:rPr>
-              <a:t>"</a:t>
-            </a:r>
-            <a:r>
-              <a:rPr lang="fr-FR" sz="1500" dirty="0" smtClean="0">
-                <a:solidFill>
-                  <a:schemeClr val="tx1"/>
-                </a:solidFill>
-              </a:rPr>
-              <a:t> que </a:t>
-            </a:r>
-            <a:r>
-              <a:rPr lang="fr-FR" sz="1500" dirty="0">
-                <a:solidFill>
-                  <a:schemeClr val="tx1"/>
-                </a:solidFill>
-              </a:rPr>
-              <a:t>possède </a:t>
-            </a:r>
-            <a:endParaRPr lang="fr-FR" sz="1500" dirty="0" smtClean="0">
-              <a:solidFill>
-                <a:schemeClr val="tx1"/>
-              </a:solidFill>
-            </a:endParaRPr>
-          </a:p>
-          <a:p>
-            <a:pPr marL="0" indent="0">
-              <a:lnSpc>
-                <a:spcPct val="100000"/>
-              </a:lnSpc>
-              <a:spcBef>
-                <a:spcPts val="0"/>
-              </a:spcBef>
-              <a:buNone/>
-            </a:pPr>
-            <a:r>
-              <a:rPr lang="fr-FR" sz="1500" dirty="0">
-                <a:solidFill>
-                  <a:schemeClr val="tx1"/>
-                </a:solidFill>
-              </a:rPr>
-              <a:t>	 </a:t>
-            </a:r>
-            <a:r>
-              <a:rPr lang="fr-FR" sz="1500" dirty="0" smtClean="0">
-                <a:solidFill>
-                  <a:schemeClr val="tx1"/>
-                </a:solidFill>
-              </a:rPr>
-              <a:t>  l'utilisateur </a:t>
-            </a:r>
-            <a:r>
-              <a:rPr lang="fr-FR" sz="1500" dirty="0">
-                <a:solidFill>
-                  <a:schemeClr val="tx1"/>
-                </a:solidFill>
-              </a:rPr>
-              <a:t>dans sa collection. </a:t>
-            </a:r>
-          </a:p>
-          <a:p>
-            <a:pPr marL="0" indent="0">
-              <a:lnSpc>
-                <a:spcPct val="100000"/>
-              </a:lnSpc>
-              <a:spcBef>
-                <a:spcPts val="0"/>
-              </a:spcBef>
-              <a:buNone/>
-            </a:pPr>
-            <a:r>
-              <a:rPr lang="fr-FR" sz="1500" dirty="0">
-                <a:solidFill>
-                  <a:schemeClr val="tx1"/>
-                </a:solidFill>
-              </a:rPr>
-              <a:t>	</a:t>
-            </a:r>
-            <a:r>
-              <a:rPr lang="fr-FR" sz="1500" dirty="0" smtClean="0">
-                <a:solidFill>
-                  <a:schemeClr val="tx1"/>
-                </a:solidFill>
-              </a:rPr>
-              <a:t>   </a:t>
-            </a:r>
-            <a:r>
-              <a:rPr lang="fr-FR" sz="1500" dirty="0">
-                <a:solidFill>
-                  <a:schemeClr val="tx1"/>
-                </a:solidFill>
-              </a:rPr>
-              <a:t>Une carte "commune" rapporte 2 joyaux, une carte "rare" rapporte 5 joyaux</a:t>
-            </a:r>
-            <a:r>
-              <a:rPr lang="fr-FR" sz="1500" dirty="0" smtClean="0">
-                <a:solidFill>
-                  <a:schemeClr val="tx1"/>
-                </a:solidFill>
-              </a:rPr>
-              <a:t>, </a:t>
-            </a:r>
-            <a:r>
-              <a:rPr lang="fr-FR" sz="1500" dirty="0">
-                <a:solidFill>
-                  <a:schemeClr val="tx1"/>
-                </a:solidFill>
-              </a:rPr>
-              <a:t>une carte "légendaire" rapporte 20 joyaux.</a:t>
-            </a:r>
-          </a:p>
-          <a:p>
-            <a:pPr marL="0" indent="0">
-              <a:lnSpc>
-                <a:spcPct val="100000"/>
-              </a:lnSpc>
-              <a:spcBef>
-                <a:spcPts val="0"/>
-              </a:spcBef>
-              <a:buNone/>
-            </a:pPr>
-            <a:r>
-              <a:rPr lang="fr-FR" sz="1500" dirty="0">
-                <a:solidFill>
-                  <a:schemeClr val="tx1"/>
-                </a:solidFill>
-              </a:rPr>
-              <a:t>	3. Le système affiche "sélectionner une carte à détruire".</a:t>
-            </a:r>
-          </a:p>
-          <a:p>
-            <a:pPr marL="0" indent="0">
-              <a:lnSpc>
-                <a:spcPct val="100000"/>
-              </a:lnSpc>
-              <a:spcBef>
-                <a:spcPts val="0"/>
-              </a:spcBef>
-              <a:buNone/>
-            </a:pPr>
-            <a:r>
-              <a:rPr lang="fr-FR" sz="1500" dirty="0">
-                <a:solidFill>
-                  <a:schemeClr val="tx1"/>
-                </a:solidFill>
-              </a:rPr>
-              <a:t>	4. L'utilisateur sélectionne une carte.</a:t>
-            </a:r>
-          </a:p>
-          <a:p>
-            <a:pPr marL="0" indent="0">
-              <a:lnSpc>
-                <a:spcPct val="100000"/>
-              </a:lnSpc>
-              <a:spcBef>
-                <a:spcPts val="0"/>
-              </a:spcBef>
-              <a:buNone/>
-            </a:pPr>
-            <a:r>
-              <a:rPr lang="fr-FR" sz="1500" dirty="0">
-                <a:solidFill>
-                  <a:schemeClr val="tx1"/>
-                </a:solidFill>
-              </a:rPr>
-              <a:t>	5. Le système </a:t>
-            </a:r>
-            <a:r>
-              <a:rPr lang="fr-FR" sz="1500" dirty="0" smtClean="0">
-                <a:solidFill>
-                  <a:schemeClr val="tx1"/>
-                </a:solidFill>
-              </a:rPr>
-              <a:t>détruit </a:t>
-            </a:r>
-            <a:r>
-              <a:rPr lang="fr-FR" sz="1500" dirty="0">
-                <a:solidFill>
-                  <a:schemeClr val="tx1"/>
-                </a:solidFill>
-              </a:rPr>
-              <a:t>la carte.</a:t>
-            </a:r>
-          </a:p>
-          <a:p>
-            <a:pPr marL="0" indent="0">
-              <a:lnSpc>
-                <a:spcPct val="100000"/>
-              </a:lnSpc>
-              <a:spcBef>
-                <a:spcPts val="0"/>
-              </a:spcBef>
-              <a:buNone/>
-            </a:pPr>
-            <a:r>
-              <a:rPr lang="fr-FR" sz="1500" dirty="0">
-                <a:solidFill>
-                  <a:schemeClr val="tx1"/>
-                </a:solidFill>
-              </a:rPr>
-              <a:t>	6. Le système affiche "Voulez vous détruire une autre carte ?".</a:t>
-            </a:r>
-          </a:p>
-          <a:p>
-            <a:pPr marL="0" indent="0">
-              <a:lnSpc>
-                <a:spcPct val="100000"/>
-              </a:lnSpc>
-              <a:spcBef>
-                <a:spcPts val="0"/>
-              </a:spcBef>
-              <a:buNone/>
-            </a:pPr>
-            <a:r>
-              <a:rPr lang="fr-FR" sz="1500" dirty="0">
-                <a:solidFill>
-                  <a:schemeClr val="tx1"/>
-                </a:solidFill>
-              </a:rPr>
-              <a:t>	7. L'utilisateur décline</a:t>
-            </a:r>
-            <a:r>
-              <a:rPr lang="fr-FR" sz="1500" dirty="0" smtClean="0">
-                <a:solidFill>
-                  <a:schemeClr val="tx1"/>
-                </a:solidFill>
-              </a:rPr>
-              <a:t>.</a:t>
-            </a:r>
-            <a:endParaRPr lang="fr-FR" sz="1500" dirty="0">
-              <a:solidFill>
-                <a:schemeClr val="tx1"/>
-              </a:solidFill>
-            </a:endParaRPr>
-          </a:p>
-          <a:p>
-            <a:pPr marL="0" indent="0">
-              <a:lnSpc>
-                <a:spcPct val="100000"/>
-              </a:lnSpc>
-              <a:spcBef>
-                <a:spcPts val="0"/>
-              </a:spcBef>
-              <a:buNone/>
-            </a:pPr>
-            <a:r>
-              <a:rPr lang="fr-FR" sz="1500" u="sng" dirty="0">
-                <a:solidFill>
-                  <a:schemeClr val="tx1"/>
-                </a:solidFill>
-              </a:rPr>
-              <a:t>Post-condition</a:t>
-            </a:r>
-            <a:r>
-              <a:rPr lang="fr-FR" sz="1500" dirty="0">
-                <a:solidFill>
-                  <a:schemeClr val="tx1"/>
-                </a:solidFill>
-              </a:rPr>
-              <a:t>: </a:t>
-            </a:r>
-          </a:p>
-          <a:p>
-            <a:pPr marL="0" indent="0">
-              <a:lnSpc>
-                <a:spcPct val="100000"/>
-              </a:lnSpc>
-              <a:spcBef>
-                <a:spcPts val="0"/>
-              </a:spcBef>
-              <a:buNone/>
-            </a:pPr>
-            <a:r>
-              <a:rPr lang="fr-FR" sz="1500" dirty="0" smtClean="0">
-                <a:solidFill>
-                  <a:schemeClr val="tx1"/>
-                </a:solidFill>
-              </a:rPr>
-              <a:t>	La </a:t>
-            </a:r>
-            <a:r>
-              <a:rPr lang="fr-FR" sz="1500" dirty="0">
-                <a:solidFill>
-                  <a:schemeClr val="tx1"/>
-                </a:solidFill>
-              </a:rPr>
-              <a:t>carte disparait de la collection de l'utilisateur.</a:t>
-            </a:r>
-          </a:p>
-          <a:p>
-            <a:pPr marL="0" indent="0">
-              <a:lnSpc>
-                <a:spcPct val="100000"/>
-              </a:lnSpc>
-              <a:spcBef>
-                <a:spcPts val="0"/>
-              </a:spcBef>
-              <a:buNone/>
-            </a:pPr>
-            <a:r>
-              <a:rPr lang="fr-FR" sz="1500" dirty="0" smtClean="0">
-                <a:solidFill>
-                  <a:schemeClr val="tx1"/>
-                </a:solidFill>
-              </a:rPr>
-              <a:t>	Le </a:t>
-            </a:r>
-            <a:r>
-              <a:rPr lang="fr-FR" sz="1500" dirty="0">
-                <a:solidFill>
-                  <a:schemeClr val="tx1"/>
-                </a:solidFill>
-              </a:rPr>
-              <a:t>solde de l'utilisateur se voit </a:t>
-            </a:r>
-            <a:r>
-              <a:rPr lang="fr-FR" sz="1500" dirty="0" smtClean="0">
-                <a:solidFill>
-                  <a:schemeClr val="tx1"/>
-                </a:solidFill>
-              </a:rPr>
-              <a:t>incrémenté </a:t>
-            </a:r>
-            <a:r>
-              <a:rPr lang="fr-FR" sz="1500" dirty="0">
-                <a:solidFill>
-                  <a:schemeClr val="tx1"/>
-                </a:solidFill>
-              </a:rPr>
-              <a:t>selon la nature de la carte </a:t>
-            </a:r>
-            <a:r>
-              <a:rPr lang="fr-FR" sz="1500" dirty="0" smtClean="0">
-                <a:solidFill>
-                  <a:schemeClr val="tx1"/>
-                </a:solidFill>
-              </a:rPr>
-              <a:t>détruite.</a:t>
-            </a:r>
-            <a:endParaRPr lang="fr-FR" sz="1500" dirty="0">
-              <a:solidFill>
-                <a:schemeClr val="tx1"/>
-              </a:solidFill>
-            </a:endParaRPr>
-          </a:p>
-          <a:p>
-            <a:pPr marL="0" indent="0">
-              <a:lnSpc>
-                <a:spcPct val="100000"/>
-              </a:lnSpc>
-              <a:spcBef>
-                <a:spcPts val="0"/>
-              </a:spcBef>
-              <a:buNone/>
-            </a:pPr>
-            <a:r>
-              <a:rPr lang="fr-FR" sz="1500" u="sng" dirty="0">
-                <a:solidFill>
-                  <a:schemeClr val="tx1"/>
-                </a:solidFill>
-              </a:rPr>
-              <a:t>Alternatives</a:t>
-            </a:r>
-            <a:r>
-              <a:rPr lang="fr-FR" sz="1500" dirty="0">
-                <a:solidFill>
-                  <a:schemeClr val="tx1"/>
-                </a:solidFill>
-              </a:rPr>
-              <a:t>:</a:t>
-            </a:r>
-          </a:p>
-          <a:p>
-            <a:pPr marL="0" indent="0">
-              <a:lnSpc>
-                <a:spcPct val="100000"/>
-              </a:lnSpc>
-              <a:spcBef>
-                <a:spcPts val="0"/>
-              </a:spcBef>
-              <a:buNone/>
-            </a:pPr>
-            <a:r>
-              <a:rPr lang="fr-FR" sz="1500" dirty="0">
-                <a:solidFill>
-                  <a:schemeClr val="tx1"/>
-                </a:solidFill>
-              </a:rPr>
-              <a:t>A1. L'utilisateur souhaite </a:t>
-            </a:r>
-            <a:r>
-              <a:rPr lang="fr-FR" sz="1500" dirty="0" smtClean="0">
-                <a:solidFill>
-                  <a:schemeClr val="tx1"/>
-                </a:solidFill>
-              </a:rPr>
-              <a:t>détruite </a:t>
-            </a:r>
-            <a:r>
-              <a:rPr lang="fr-FR" sz="1500" dirty="0">
-                <a:solidFill>
-                  <a:schemeClr val="tx1"/>
-                </a:solidFill>
-              </a:rPr>
-              <a:t>une autre carte en </a:t>
-            </a:r>
-            <a:r>
-              <a:rPr lang="fr-FR" sz="1500" dirty="0" smtClean="0">
-                <a:solidFill>
-                  <a:schemeClr val="tx1"/>
-                </a:solidFill>
-              </a:rPr>
-              <a:t>SN7, </a:t>
-            </a:r>
-            <a:r>
-              <a:rPr lang="fr-FR" sz="1500" dirty="0">
-                <a:solidFill>
-                  <a:schemeClr val="tx1"/>
-                </a:solidFill>
-              </a:rPr>
-              <a:t>retour en SN2.</a:t>
-            </a:r>
-          </a:p>
-          <a:p>
-            <a:pPr marL="0" indent="0">
-              <a:lnSpc>
-                <a:spcPct val="100000"/>
-              </a:lnSpc>
-              <a:spcBef>
-                <a:spcPts val="0"/>
-              </a:spcBef>
-              <a:buNone/>
-            </a:pPr>
-            <a:r>
-              <a:rPr lang="fr-FR" sz="1500" dirty="0">
-                <a:solidFill>
-                  <a:schemeClr val="tx1"/>
-                </a:solidFill>
-              </a:rPr>
-              <a:t>	A2.1 Si la liste est vide le système affiche "Vous n'avez plus de carte à détruire", fin de l'interaction.	 </a:t>
-            </a:r>
-          </a:p>
-          <a:p>
-            <a:pPr marL="0" indent="0">
-              <a:lnSpc>
-                <a:spcPct val="100000"/>
-              </a:lnSpc>
-              <a:spcBef>
-                <a:spcPts val="0"/>
-              </a:spcBef>
-              <a:buNone/>
-            </a:pPr>
-            <a:r>
-              <a:rPr lang="fr-FR" sz="1500" dirty="0">
-                <a:solidFill>
-                  <a:schemeClr val="tx1"/>
-                </a:solidFill>
-              </a:rPr>
-              <a:t>	A2.2 Retour en SN2.</a:t>
-            </a:r>
-          </a:p>
-          <a:p>
-            <a:pPr marL="0" indent="0">
-              <a:lnSpc>
-                <a:spcPct val="100000"/>
-              </a:lnSpc>
-              <a:spcBef>
-                <a:spcPts val="0"/>
-              </a:spcBef>
-              <a:buNone/>
-            </a:pPr>
-            <a:r>
-              <a:rPr lang="fr-FR" sz="1500" u="sng" dirty="0" smtClean="0">
-                <a:solidFill>
-                  <a:schemeClr val="tx1"/>
-                </a:solidFill>
-              </a:rPr>
-              <a:t>Exceptions</a:t>
-            </a:r>
-            <a:r>
-              <a:rPr lang="fr-FR" sz="1500" dirty="0">
-                <a:solidFill>
-                  <a:schemeClr val="tx1"/>
-                </a:solidFill>
-              </a:rPr>
-              <a:t>:</a:t>
-            </a:r>
-          </a:p>
-          <a:p>
-            <a:pPr marL="0" indent="0">
-              <a:lnSpc>
-                <a:spcPct val="100000"/>
-              </a:lnSpc>
-              <a:spcBef>
-                <a:spcPts val="0"/>
-              </a:spcBef>
-              <a:buNone/>
-            </a:pPr>
-            <a:r>
-              <a:rPr lang="fr-FR" sz="1500" dirty="0">
-                <a:solidFill>
-                  <a:schemeClr val="tx1"/>
-                </a:solidFill>
-              </a:rPr>
-              <a:t>E1. L'utilisateur annule la destruction d'une carte en SN4, fin de l'interaction</a:t>
-            </a:r>
-            <a:r>
-              <a:rPr lang="fr-FR" sz="1500" dirty="0" smtClean="0">
-                <a:solidFill>
-                  <a:schemeClr val="tx1"/>
-                </a:solidFill>
-              </a:rPr>
-              <a:t>.</a:t>
-            </a:r>
-            <a:endParaRPr lang="fr-FR" sz="1500" dirty="0">
-              <a:solidFill>
-                <a:schemeClr val="tx1"/>
-              </a:solidFill>
-            </a:endParaRPr>
-          </a:p>
-        </p:txBody>
-      </p:sp>
-      <p:sp>
-        <p:nvSpPr>
-          <p:cNvPr id="5" name="Espace réservé de la date 4"/>
-          <p:cNvSpPr>
-            <a:spLocks noGrp="1"/>
-          </p:cNvSpPr>
-          <p:nvPr>
-            <p:ph type="dt" sz="half" idx="10"/>
-          </p:nvPr>
-        </p:nvSpPr>
-        <p:spPr/>
-        <p:txBody>
-          <a:bodyPr/>
-          <a:lstStyle/>
-          <a:p>
-            <a:fld id="{6E297C13-8A02-476A-BC32-9713B4BAFEC7}" type="datetime1">
-              <a:rPr lang="fr-FR" smtClean="0"/>
-              <a:t>22/10/2017</a:t>
-            </a:fld>
-            <a:endParaRPr lang="fr-FR" dirty="0"/>
-          </a:p>
-        </p:txBody>
-      </p:sp>
-      <p:sp>
-        <p:nvSpPr>
-          <p:cNvPr id="6" name="Espace réservé du numéro de diapositive 5"/>
-          <p:cNvSpPr>
-            <a:spLocks noGrp="1"/>
-          </p:cNvSpPr>
-          <p:nvPr>
-            <p:ph type="sldNum" sz="quarter" idx="12"/>
-          </p:nvPr>
-        </p:nvSpPr>
-        <p:spPr/>
-        <p:txBody>
-          <a:bodyPr/>
-          <a:lstStyle/>
-          <a:p>
-            <a:fld id="{571CB747-BDA9-4D84-B713-CDD5BDC1D6D8}" type="slidenum">
-              <a:rPr lang="fr-FR" smtClean="0"/>
-              <a:t>14</a:t>
-            </a:fld>
-            <a:endParaRPr lang="fr-FR"/>
-          </a:p>
-        </p:txBody>
-      </p:sp>
-    </p:spTree>
-    <p:extLst>
-      <p:ext uri="{BB962C8B-B14F-4D97-AF65-F5344CB8AC3E}">
-        <p14:creationId xmlns:p14="http://schemas.microsoft.com/office/powerpoint/2010/main" val="2211502049"/>
-      </p:ext>
-    </p:extLst>
-  </p:cSld>
-  <p:clrMapOvr>
-    <a:masterClrMapping/>
-  </p:clrMapOvr>
-  <p:timing>
-    <p:tnLst>
-      <p:par>
-        <p:cTn id="1" dur="indefinite" restart="never" nodeType="tmRoot"/>
-      </p:par>
-    </p:tnLst>
-  </p:timing>
-</p:sld>
-</file>
-
-<file path=ppt/slides/slide15.xml><?xml version="1.0" encoding="utf-8"?>
-<p:sld xmlns:a="http://schemas.openxmlformats.org/drawingml/2006/main" xmlns:r="http://schemas.openxmlformats.org/officeDocument/2006/relationships" xmlns:p="http://schemas.openxmlformats.org/presentationml/2006/main">
-  <p:cSld>
-    <p:spTree>
-      <p:nvGrpSpPr>
-        <p:cNvPr id="1" name=""/>
-        <p:cNvGrpSpPr/>
-        <p:nvPr/>
-      </p:nvGrpSpPr>
-      <p:grpSpPr>
-        <a:xfrm>
-          <a:off x="0" y="0"/>
-          <a:ext cx="0" cy="0"/>
-          <a:chOff x="0" y="0"/>
-          <a:chExt cx="0" cy="0"/>
-        </a:xfrm>
-      </p:grpSpPr>
-      <p:sp>
-        <p:nvSpPr>
-          <p:cNvPr id="2" name="Titre 1"/>
-          <p:cNvSpPr>
-            <a:spLocks noGrp="1"/>
-          </p:cNvSpPr>
-          <p:nvPr>
-            <p:ph type="title"/>
-          </p:nvPr>
-        </p:nvSpPr>
-        <p:spPr/>
-        <p:txBody>
-          <a:bodyPr>
-            <a:noAutofit/>
-          </a:bodyPr>
-          <a:lstStyle/>
-          <a:p>
-            <a:pPr algn="ctr"/>
-            <a:r>
               <a:rPr lang="fr-FR" sz="3200" dirty="0" smtClean="0"/>
               <a:t>diagramme </a:t>
             </a:r>
@@ -11626,7 +9074,7 @@
           <a:p>
             <a:fld id="{8D8251DC-D010-4512-9E64-0AD1A731F3B7}" type="datetime1">
               <a:rPr lang="fr-FR" smtClean="0"/>
-              <a:t>22/10/2017</a:t>
+              <a:t>21/10/2017</a:t>
             </a:fld>
             <a:endParaRPr lang="fr-FR"/>
           </a:p>
@@ -11649,7 +9097,7 @@
           <a:p>
             <a:fld id="{571CB747-BDA9-4D84-B713-CDD5BDC1D6D8}" type="slidenum">
               <a:rPr lang="fr-FR" smtClean="0"/>
-              <a:t>15</a:t>
+              <a:t>12</a:t>
             </a:fld>
             <a:endParaRPr lang="fr-FR"/>
           </a:p>
@@ -11703,7 +9151,7 @@
 </p:sld>
 </file>
 
-<file path=ppt/slides/slide16.xml><?xml version="1.0" encoding="utf-8"?>
+<file path=ppt/slides/slide13.xml><?xml version="1.0" encoding="utf-8"?>
 <p:sld xmlns:a="http://schemas.openxmlformats.org/drawingml/2006/main" xmlns:r="http://schemas.openxmlformats.org/officeDocument/2006/relationships" xmlns:p="http://schemas.openxmlformats.org/presentationml/2006/main">
   <p:cSld>
     <p:spTree>
@@ -11763,15 +9211,10 @@
             <p:ph sz="half" idx="1"/>
           </p:nvPr>
         </p:nvSpPr>
-        <p:spPr>
-          <a:xfrm>
-            <a:off x="900752" y="1596787"/>
-            <a:ext cx="5390866" cy="4778892"/>
-          </a:xfrm>
-        </p:spPr>
+        <p:spPr/>
         <p:txBody>
           <a:bodyPr>
-            <a:normAutofit fontScale="70000" lnSpcReduction="20000"/>
+            <a:normAutofit fontScale="85000" lnSpcReduction="20000"/>
           </a:bodyPr>
           <a:lstStyle/>
           <a:p>
@@ -11779,161 +9222,107 @@
               <a:buNone/>
             </a:pPr>
             <a:r>
-              <a:rPr lang="fr-FR" u="sng" dirty="0"/>
-              <a:t>TV01: Détruire une </a:t>
-            </a:r>
-            <a:r>
               <a:rPr lang="fr-FR" u="sng" dirty="0" smtClean="0"/>
-              <a:t>carte</a:t>
-            </a:r>
-            <a:endParaRPr lang="fr-FR" u="sng" dirty="0"/>
+              <a:t>Test de validation </a:t>
+            </a:r>
+            <a:r>
+              <a:rPr lang="fr-FR" dirty="0" smtClean="0"/>
+              <a:t>: </a:t>
+            </a:r>
+            <a:r>
+              <a:rPr lang="fr-FR" dirty="0"/>
+              <a:t>Détruire une carte.</a:t>
+            </a:r>
           </a:p>
           <a:p>
             <a:pPr marL="0" indent="0">
               <a:buNone/>
             </a:pPr>
-            <a:r>
-              <a:rPr lang="fr-FR" u="sng" dirty="0"/>
-              <a:t>Contexte</a:t>
+            <a:endParaRPr lang="fr-FR" dirty="0"/>
+          </a:p>
+          <a:p>
+            <a:pPr marL="0" indent="0">
+              <a:buNone/>
+            </a:pPr>
+            <a:r>
+              <a:rPr lang="fr-FR" u="sng" dirty="0" smtClean="0"/>
+              <a:t>Contexte :</a:t>
+            </a:r>
+            <a:r>
+              <a:rPr lang="fr-FR" dirty="0" smtClean="0"/>
+              <a:t> </a:t>
             </a:r>
             <a:r>
               <a:rPr lang="fr-FR" dirty="0"/>
-              <a:t>: Le joueur connecté souhaite détruite une carte commune "C06", présente dans sa collection</a:t>
+              <a:t>Le joueur connecté sélectionne la carte rare dragon de sa collection pour la détruire.</a:t>
+            </a:r>
+          </a:p>
+          <a:p>
+            <a:pPr marL="0" indent="0">
+              <a:buNone/>
+            </a:pPr>
+            <a:endParaRPr lang="fr-FR" dirty="0"/>
+          </a:p>
+          <a:p>
+            <a:pPr marL="0" indent="0">
+              <a:buNone/>
+            </a:pPr>
+            <a:r>
+              <a:rPr lang="fr-FR" dirty="0"/>
+              <a:t>Entrée: --</a:t>
+            </a:r>
+          </a:p>
+          <a:p>
+            <a:pPr marL="0" indent="0">
+              <a:buNone/>
+            </a:pPr>
+            <a:endParaRPr lang="fr-FR" dirty="0"/>
+          </a:p>
+          <a:p>
+            <a:pPr marL="0" indent="0">
+              <a:buNone/>
+            </a:pPr>
+            <a:r>
+              <a:rPr lang="fr-FR" u="sng" dirty="0" smtClean="0"/>
+              <a:t>Scénario nominal </a:t>
+            </a:r>
+            <a:r>
+              <a:rPr lang="fr-FR" dirty="0" smtClean="0"/>
+              <a:t>:</a:t>
+            </a:r>
+            <a:endParaRPr lang="fr-FR" dirty="0"/>
+          </a:p>
+          <a:p>
+            <a:pPr marL="0" indent="0">
+              <a:buNone/>
+            </a:pPr>
+            <a:r>
+              <a:rPr lang="fr-FR" dirty="0"/>
+              <a:t>1.Le jour choisit "Détruire carte".</a:t>
+            </a:r>
+          </a:p>
+          <a:p>
+            <a:pPr marL="0" indent="0">
+              <a:buNone/>
+            </a:pPr>
+            <a:r>
+              <a:rPr lang="fr-FR" dirty="0"/>
+              <a:t>2.Le joueur sélectionne une carte à détruire.</a:t>
+            </a:r>
+          </a:p>
+          <a:p>
+            <a:pPr marL="0" indent="0">
+              <a:buNone/>
+            </a:pPr>
+            <a:r>
+              <a:rPr lang="fr-FR" dirty="0"/>
+              <a:t>3.Le joueur termine</a:t>
             </a:r>
             <a:r>
               <a:rPr lang="fr-FR" dirty="0" smtClean="0"/>
               <a:t>.</a:t>
             </a:r>
             <a:endParaRPr lang="fr-FR" dirty="0"/>
-          </a:p>
-          <a:p>
-            <a:pPr marL="0" indent="0">
-              <a:buNone/>
-            </a:pPr>
-            <a:r>
-              <a:rPr lang="fr-FR" dirty="0"/>
-              <a:t>Entrée: </a:t>
-            </a:r>
-            <a:r>
-              <a:rPr lang="fr-FR" dirty="0" smtClean="0"/>
-              <a:t>--</a:t>
-            </a:r>
-            <a:endParaRPr lang="fr-FR" dirty="0"/>
-          </a:p>
-          <a:p>
-            <a:pPr marL="0" indent="0">
-              <a:buNone/>
-            </a:pPr>
-            <a:r>
-              <a:rPr lang="fr-FR" u="sng" dirty="0" smtClean="0"/>
-              <a:t>Scénario nominal</a:t>
-            </a:r>
-            <a:r>
-              <a:rPr lang="fr-FR" dirty="0" smtClean="0"/>
-              <a:t>:</a:t>
-            </a:r>
-            <a:endParaRPr lang="fr-FR" dirty="0"/>
-          </a:p>
-          <a:p>
-            <a:pPr marL="0" indent="0">
-              <a:buNone/>
-            </a:pPr>
-            <a:r>
-              <a:rPr lang="fr-FR" dirty="0"/>
-              <a:t>1.Le jour choisit "Détruire carte".</a:t>
-            </a:r>
-          </a:p>
-          <a:p>
-            <a:pPr marL="0" indent="0">
-              <a:buNone/>
-            </a:pPr>
-            <a:r>
-              <a:rPr lang="fr-FR" dirty="0"/>
-              <a:t>2.Le joueur sélectionne la carte "C06" à détruire.</a:t>
-            </a:r>
-          </a:p>
-          <a:p>
-            <a:pPr marL="0" indent="0">
-              <a:buNone/>
-            </a:pPr>
-            <a:r>
-              <a:rPr lang="fr-FR" dirty="0"/>
-              <a:t>3.Le joueur termine</a:t>
-            </a:r>
-            <a:r>
-              <a:rPr lang="fr-FR" dirty="0" smtClean="0"/>
-              <a:t>.</a:t>
-            </a:r>
-            <a:endParaRPr lang="fr-FR" dirty="0"/>
-          </a:p>
-          <a:p>
-            <a:pPr marL="0" indent="0">
-              <a:buNone/>
-            </a:pPr>
-            <a:r>
-              <a:rPr lang="fr-FR" u="sng" dirty="0" smtClean="0"/>
-              <a:t>Résultat attendu</a:t>
-            </a:r>
-            <a:r>
-              <a:rPr lang="fr-FR" dirty="0" smtClean="0"/>
-              <a:t>:</a:t>
-            </a:r>
-            <a:endParaRPr lang="fr-FR" dirty="0"/>
-          </a:p>
-          <a:p>
-            <a:pPr marL="0" indent="0">
-              <a:buNone/>
-            </a:pPr>
-            <a:r>
-              <a:rPr lang="fr-FR" dirty="0"/>
-              <a:t>1.La carte précédente n'est plus présente dans la collection.</a:t>
-            </a:r>
-          </a:p>
-          <a:p>
-            <a:pPr marL="0" indent="0">
-              <a:buNone/>
-            </a:pPr>
-            <a:r>
-              <a:rPr lang="fr-FR" dirty="0"/>
-              <a:t>2.Le solde a été incrémenté de 2 joyaux car la carte détruite était une carte commune</a:t>
-            </a:r>
-            <a:r>
-              <a:rPr lang="fr-FR" dirty="0" smtClean="0"/>
-              <a:t>.</a:t>
-            </a:r>
-            <a:endParaRPr lang="fr-FR" dirty="0"/>
-          </a:p>
-          <a:p>
-            <a:pPr marL="0" indent="0">
-              <a:buNone/>
-            </a:pPr>
-            <a:r>
-              <a:rPr lang="fr-FR" u="sng" dirty="0" smtClean="0"/>
-              <a:t>Moyen de vérification</a:t>
-            </a:r>
-            <a:r>
-              <a:rPr lang="fr-FR" dirty="0" smtClean="0"/>
-              <a:t>:</a:t>
-            </a:r>
-            <a:endParaRPr lang="fr-FR" dirty="0"/>
-          </a:p>
-          <a:p>
-            <a:pPr marL="0" indent="0">
-              <a:buNone/>
-            </a:pPr>
-            <a:r>
-              <a:rPr lang="fr-FR" dirty="0"/>
-              <a:t>1.Visualiser la collection du joueur, la carte "C06" n'y figure plus.</a:t>
-            </a:r>
-          </a:p>
-          <a:p>
-            <a:pPr marL="0" indent="0">
-              <a:buNone/>
-            </a:pPr>
-            <a:r>
-              <a:rPr lang="fr-FR" dirty="0"/>
-              <a:t>2.Affiche le solde du joueur.</a:t>
-            </a:r>
           </a:p>
           <a:p>
             <a:pPr marL="0" indent="0">
@@ -11953,15 +9342,10 @@
             <p:ph sz="half" idx="2"/>
           </p:nvPr>
         </p:nvSpPr>
-        <p:spPr>
-          <a:xfrm>
-            <a:off x="6647796" y="1596787"/>
-            <a:ext cx="4800600" cy="4778892"/>
-          </a:xfrm>
-        </p:spPr>
+        <p:spPr/>
         <p:txBody>
           <a:bodyPr>
-            <a:normAutofit fontScale="70000" lnSpcReduction="20000"/>
+            <a:normAutofit fontScale="85000" lnSpcReduction="20000"/>
           </a:bodyPr>
           <a:lstStyle/>
           <a:p>
@@ -11969,26 +9353,21 @@
               <a:buNone/>
             </a:pPr>
             <a:r>
-              <a:rPr lang="fr-FR" u="sng" dirty="0"/>
-              <a:t>TV02: Détruire une </a:t>
-            </a:r>
-            <a:r>
               <a:rPr lang="fr-FR" u="sng" dirty="0" smtClean="0"/>
-              <a:t>carte</a:t>
-            </a:r>
-            <a:endParaRPr lang="fr-FR" u="sng" dirty="0"/>
+              <a:t>Résultat attendu :</a:t>
+            </a:r>
           </a:p>
           <a:p>
             <a:pPr marL="0" indent="0">
               <a:buNone/>
             </a:pPr>
             <a:r>
-              <a:rPr lang="fr-FR" u="sng" dirty="0"/>
-              <a:t>Contexte:</a:t>
+              <a:rPr lang="fr-FR" dirty="0" smtClean="0"/>
+              <a:t>1.La </a:t>
             </a:r>
             <a:r>
               <a:rPr lang="fr-FR" dirty="0"/>
-              <a:t> Le joueur connecté souhaite détruite une carte légendaire "L12", présente dans sa collection.	 </a:t>
+              <a:t>carte n'est plus présente dans la collection.</a:t>
             </a:r>
           </a:p>
           <a:p>
@@ -11997,12 +9376,13 @@
             </a:pPr>
             <a:r>
               <a:rPr lang="fr-FR" dirty="0"/>
-              <a:t>Entrée: </a:t>
-            </a:r>
-            <a:r>
-              <a:rPr lang="fr-FR" dirty="0" smtClean="0"/>
-              <a:t>--</a:t>
-            </a:r>
+              <a:t>2.Le solde a été incrémenté de 20 joyaux car la carte détruite était une carte rare.</a:t>
+            </a:r>
+          </a:p>
+          <a:p>
+            <a:pPr marL="0" indent="0">
+              <a:buNone/>
+            </a:pPr>
             <a:endParaRPr lang="fr-FR" dirty="0"/>
           </a:p>
           <a:p>
@@ -12011,7 +9391,7 @@
             </a:pPr>
             <a:r>
               <a:rPr lang="fr-FR" u="sng" dirty="0" smtClean="0"/>
-              <a:t>Scénario nominal</a:t>
+              <a:t>Moyen de vérification </a:t>
             </a:r>
             <a:r>
               <a:rPr lang="fr-FR" dirty="0" smtClean="0"/>
@@ -12025,90 +9405,7 @@
             </a:pPr>
             <a:r>
               <a:rPr lang="fr-FR" dirty="0"/>
-              <a:t>1.Le jour choisit "Détruire carte".</a:t>
-            </a:r>
-          </a:p>
-          <a:p>
-            <a:pPr marL="0" indent="0">
-              <a:buNone/>
-            </a:pPr>
-            <a:r>
-              <a:rPr lang="fr-FR" dirty="0"/>
-              <a:t>2.Le joueur sélectionne la carte "L12" à détruire.</a:t>
-            </a:r>
-          </a:p>
-          <a:p>
-            <a:pPr marL="0" indent="0">
-              <a:buNone/>
-            </a:pPr>
-            <a:r>
-              <a:rPr lang="fr-FR" dirty="0"/>
-              <a:t>3.Le joueur termine</a:t>
-            </a:r>
-            <a:r>
-              <a:rPr lang="fr-FR" dirty="0" smtClean="0"/>
-              <a:t>.</a:t>
-            </a:r>
-            <a:endParaRPr lang="fr-FR" dirty="0"/>
-          </a:p>
-          <a:p>
-            <a:pPr marL="0" indent="0">
-              <a:buNone/>
-            </a:pPr>
-            <a:r>
-              <a:rPr lang="fr-FR" u="sng" dirty="0" smtClean="0"/>
-              <a:t>Résultat attendu</a:t>
-            </a:r>
-            <a:r>
-              <a:rPr lang="fr-FR" dirty="0" smtClean="0"/>
-              <a:t>:</a:t>
-            </a:r>
-            <a:endParaRPr lang="fr-FR" dirty="0"/>
-          </a:p>
-          <a:p>
-            <a:pPr marL="0" indent="0">
-              <a:buNone/>
-            </a:pPr>
-            <a:r>
-              <a:rPr lang="fr-FR" dirty="0"/>
-              <a:t>1.La carte précédente n'est plus présente dans la collection.</a:t>
-            </a:r>
-          </a:p>
-          <a:p>
-            <a:pPr marL="0" indent="0">
-              <a:buNone/>
-            </a:pPr>
-            <a:r>
-              <a:rPr lang="fr-FR" dirty="0"/>
-              <a:t>2.Le solde a été incrémenté de 20 joyaux car la carte détruite était une carte légendaire</a:t>
-            </a:r>
-            <a:r>
-              <a:rPr lang="fr-FR" dirty="0" smtClean="0"/>
-              <a:t>.</a:t>
-            </a:r>
-            <a:endParaRPr lang="fr-FR" dirty="0"/>
-          </a:p>
-          <a:p>
-            <a:pPr marL="0" indent="0">
-              <a:buNone/>
-            </a:pPr>
-            <a:r>
-              <a:rPr lang="fr-FR" u="sng" dirty="0" smtClean="0"/>
-              <a:t>Moyen de vérification</a:t>
-            </a:r>
-            <a:r>
-              <a:rPr lang="fr-FR" dirty="0" smtClean="0"/>
-              <a:t>:</a:t>
-            </a:r>
-            <a:endParaRPr lang="fr-FR" dirty="0"/>
-          </a:p>
-          <a:p>
-            <a:pPr marL="0" indent="0">
-              <a:buNone/>
-            </a:pPr>
-            <a:r>
-              <a:rPr lang="fr-FR" dirty="0"/>
-              <a:t>1.Visualiser la collection du joueur, la carte "L12" n'y figure plus.</a:t>
+              <a:t>1.Visualiser la collection du joueur, la carte Rare Dragon n'y figure plus.</a:t>
             </a:r>
           </a:p>
           <a:p>
@@ -12119,6 +9416,11 @@
               <a:rPr lang="fr-FR" dirty="0"/>
               <a:t>2.Affiche le solde du joueur.</a:t>
             </a:r>
+          </a:p>
+          <a:p>
+            <a:pPr marL="0" indent="0">
+              <a:buNone/>
+            </a:pPr>
             <a:endParaRPr lang="fr-FR" dirty="0"/>
           </a:p>
         </p:txBody>
@@ -12140,7 +9442,7 @@
           <a:p>
             <a:fld id="{6E297C13-8A02-476A-BC32-9713B4BAFEC7}" type="datetime1">
               <a:rPr lang="fr-FR" smtClean="0"/>
-              <a:t>22/10/2017</a:t>
+              <a:t>21/10/2017</a:t>
             </a:fld>
             <a:endParaRPr lang="fr-FR"/>
           </a:p>
@@ -12163,7 +9465,7 @@
           <a:p>
             <a:fld id="{571CB747-BDA9-4D84-B713-CDD5BDC1D6D8}" type="slidenum">
               <a:rPr lang="fr-FR" smtClean="0"/>
-              <a:t>16</a:t>
+              <a:t>13</a:t>
             </a:fld>
             <a:endParaRPr lang="fr-FR"/>
           </a:p>
@@ -12182,7 +9484,7 @@
 </p:sld>
 </file>
 
-<file path=ppt/slides/slide17.xml><?xml version="1.0" encoding="utf-8"?>
+<file path=ppt/slides/slide14.xml><?xml version="1.0" encoding="utf-8"?>
 <p:sld xmlns:a="http://schemas.openxmlformats.org/drawingml/2006/main" xmlns:r="http://schemas.openxmlformats.org/officeDocument/2006/relationships" xmlns:p="http://schemas.openxmlformats.org/presentationml/2006/main">
   <p:cSld>
     <p:spTree>
@@ -12209,506 +9511,6 @@
             <p:ph type="title"/>
           </p:nvPr>
         </p:nvSpPr>
-        <p:spPr/>
-        <p:txBody>
-          <a:bodyPr>
-            <a:normAutofit fontScale="90000"/>
-          </a:bodyPr>
-          <a:lstStyle/>
-          <a:p>
-            <a:pPr algn="ctr"/>
-            <a:r>
-              <a:rPr lang="fr-FR" sz="5400" dirty="0"/>
-              <a:t>Test de validation :</a:t>
-            </a:r>
-            <a:br>
-              <a:rPr lang="fr-FR" sz="5400" dirty="0"/>
-            </a:br>
-            <a:r>
-              <a:rPr lang="fr-FR" sz="5400" dirty="0"/>
-              <a:t>Détruire </a:t>
-            </a:r>
-            <a:r>
-              <a:rPr lang="fr-FR" sz="5400" dirty="0" smtClean="0"/>
-              <a:t>carte(2)</a:t>
-            </a:r>
-            <a:endParaRPr lang="fr-FR" dirty="0"/>
-          </a:p>
-        </p:txBody>
-      </p:sp>
-      <p:sp>
-        <p:nvSpPr>
-          <p:cNvPr id="3" name="Espace réservé du contenu 2"/>
-          <p:cNvSpPr>
-            <a:spLocks noGrp="1"/>
-          </p:cNvSpPr>
-          <p:nvPr>
-            <p:ph sz="half" idx="1"/>
-          </p:nvPr>
-        </p:nvSpPr>
-        <p:spPr>
-          <a:xfrm>
-            <a:off x="1257300" y="1874517"/>
-            <a:ext cx="4800600" cy="4501162"/>
-          </a:xfrm>
-        </p:spPr>
-        <p:txBody>
-          <a:bodyPr>
-            <a:normAutofit fontScale="70000" lnSpcReduction="20000"/>
-          </a:bodyPr>
-          <a:lstStyle/>
-          <a:p>
-            <a:pPr marL="0" indent="0">
-              <a:buNone/>
-            </a:pPr>
-            <a:r>
-              <a:rPr lang="fr-FR" u="sng" dirty="0"/>
-              <a:t>TV03: Détruire une </a:t>
-            </a:r>
-            <a:r>
-              <a:rPr lang="fr-FR" u="sng" dirty="0" smtClean="0"/>
-              <a:t>carte</a:t>
-            </a:r>
-            <a:endParaRPr lang="fr-FR" u="sng" dirty="0"/>
-          </a:p>
-          <a:p>
-            <a:pPr marL="0" indent="0">
-              <a:buNone/>
-            </a:pPr>
-            <a:r>
-              <a:rPr lang="fr-FR" u="sng" dirty="0"/>
-              <a:t>Contexte</a:t>
-            </a:r>
-            <a:r>
-              <a:rPr lang="fr-FR" dirty="0"/>
-              <a:t>: Le joueur connecté sélectionne la carte rare "R08" de sa collection pour la détruire</a:t>
-            </a:r>
-            <a:r>
-              <a:rPr lang="fr-FR" dirty="0" smtClean="0"/>
-              <a:t>.</a:t>
-            </a:r>
-            <a:endParaRPr lang="fr-FR" dirty="0"/>
-          </a:p>
-          <a:p>
-            <a:pPr marL="0" indent="0">
-              <a:buNone/>
-            </a:pPr>
-            <a:r>
-              <a:rPr lang="fr-FR" dirty="0"/>
-              <a:t>Entrée: </a:t>
-            </a:r>
-            <a:r>
-              <a:rPr lang="fr-FR" dirty="0" smtClean="0"/>
-              <a:t>--</a:t>
-            </a:r>
-            <a:endParaRPr lang="fr-FR" dirty="0"/>
-          </a:p>
-          <a:p>
-            <a:pPr marL="0" indent="0">
-              <a:buNone/>
-            </a:pPr>
-            <a:r>
-              <a:rPr lang="fr-FR" u="sng" dirty="0" smtClean="0"/>
-              <a:t>Scénario nominal</a:t>
-            </a:r>
-            <a:r>
-              <a:rPr lang="fr-FR" dirty="0" smtClean="0"/>
-              <a:t>:</a:t>
-            </a:r>
-            <a:endParaRPr lang="fr-FR" dirty="0"/>
-          </a:p>
-          <a:p>
-            <a:pPr marL="0" indent="0">
-              <a:buNone/>
-            </a:pPr>
-            <a:r>
-              <a:rPr lang="fr-FR" dirty="0"/>
-              <a:t>1.Le jour choisit "Détruire carte".</a:t>
-            </a:r>
-          </a:p>
-          <a:p>
-            <a:pPr marL="0" indent="0">
-              <a:buNone/>
-            </a:pPr>
-            <a:r>
-              <a:rPr lang="fr-FR" dirty="0"/>
-              <a:t>2.Le joueur sélectionne la carte "R08" à détruire.</a:t>
-            </a:r>
-          </a:p>
-          <a:p>
-            <a:pPr marL="0" indent="0">
-              <a:buNone/>
-            </a:pPr>
-            <a:r>
-              <a:rPr lang="fr-FR" dirty="0"/>
-              <a:t>3.Le joueur termine</a:t>
-            </a:r>
-            <a:r>
-              <a:rPr lang="fr-FR" dirty="0" smtClean="0"/>
-              <a:t>.</a:t>
-            </a:r>
-            <a:endParaRPr lang="fr-FR" dirty="0"/>
-          </a:p>
-          <a:p>
-            <a:pPr marL="0" indent="0">
-              <a:buNone/>
-            </a:pPr>
-            <a:r>
-              <a:rPr lang="fr-FR" u="sng" dirty="0" smtClean="0"/>
-              <a:t>Résultat attendu</a:t>
-            </a:r>
-            <a:r>
-              <a:rPr lang="fr-FR" dirty="0" smtClean="0"/>
-              <a:t>:</a:t>
-            </a:r>
-            <a:endParaRPr lang="fr-FR" dirty="0"/>
-          </a:p>
-          <a:p>
-            <a:pPr marL="0" indent="0">
-              <a:buNone/>
-            </a:pPr>
-            <a:r>
-              <a:rPr lang="fr-FR" dirty="0"/>
-              <a:t>1.La carte "R08" n'est plus présente dans la collection.</a:t>
-            </a:r>
-          </a:p>
-          <a:p>
-            <a:pPr marL="0" indent="0">
-              <a:buNone/>
-            </a:pPr>
-            <a:r>
-              <a:rPr lang="fr-FR" dirty="0"/>
-              <a:t>2.Le solde a été incrémenté de 5 joyaux car la carte détruite était une carte rare</a:t>
-            </a:r>
-            <a:r>
-              <a:rPr lang="fr-FR" dirty="0" smtClean="0"/>
-              <a:t>.</a:t>
-            </a:r>
-            <a:endParaRPr lang="fr-FR" dirty="0"/>
-          </a:p>
-          <a:p>
-            <a:pPr marL="0" indent="0">
-              <a:buNone/>
-            </a:pPr>
-            <a:r>
-              <a:rPr lang="fr-FR" u="sng" dirty="0" smtClean="0"/>
-              <a:t>Moyen de vérification</a:t>
-            </a:r>
-            <a:r>
-              <a:rPr lang="fr-FR" dirty="0" smtClean="0"/>
-              <a:t>:</a:t>
-            </a:r>
-            <a:endParaRPr lang="fr-FR" dirty="0"/>
-          </a:p>
-          <a:p>
-            <a:pPr marL="0" indent="0">
-              <a:buNone/>
-            </a:pPr>
-            <a:r>
-              <a:rPr lang="fr-FR" dirty="0"/>
-              <a:t>1.Visualiser la collection du joueur, la carte "R08" n'y figure plus.</a:t>
-            </a:r>
-          </a:p>
-          <a:p>
-            <a:pPr marL="0" indent="0">
-              <a:buNone/>
-            </a:pPr>
-            <a:r>
-              <a:rPr lang="fr-FR" dirty="0"/>
-              <a:t>2.Affiche le solde du joueur.</a:t>
-            </a:r>
-          </a:p>
-        </p:txBody>
-      </p:sp>
-      <p:sp>
-        <p:nvSpPr>
-          <p:cNvPr id="4" name="Espace réservé du contenu 3"/>
-          <p:cNvSpPr>
-            <a:spLocks noGrp="1"/>
-          </p:cNvSpPr>
-          <p:nvPr>
-            <p:ph sz="half" idx="2"/>
-          </p:nvPr>
-        </p:nvSpPr>
-        <p:spPr>
-          <a:xfrm>
-            <a:off x="6647796" y="1874517"/>
-            <a:ext cx="4800600" cy="4501162"/>
-          </a:xfrm>
-        </p:spPr>
-        <p:txBody>
-          <a:bodyPr>
-            <a:normAutofit fontScale="70000" lnSpcReduction="20000"/>
-          </a:bodyPr>
-          <a:lstStyle/>
-          <a:p>
-            <a:pPr marL="0" indent="0">
-              <a:buNone/>
-            </a:pPr>
-            <a:r>
-              <a:rPr lang="fr-FR" u="sng" dirty="0"/>
-              <a:t>TV04: Détruire une </a:t>
-            </a:r>
-            <a:r>
-              <a:rPr lang="fr-FR" u="sng" dirty="0" smtClean="0"/>
-              <a:t>carte</a:t>
-            </a:r>
-            <a:endParaRPr lang="fr-FR" u="sng" dirty="0"/>
-          </a:p>
-          <a:p>
-            <a:pPr marL="0" indent="0">
-              <a:buNone/>
-            </a:pPr>
-            <a:r>
-              <a:rPr lang="fr-FR" u="sng" dirty="0"/>
-              <a:t>Contexte</a:t>
-            </a:r>
-            <a:r>
-              <a:rPr lang="fr-FR" dirty="0"/>
-              <a:t>: Le joueur connecté, souhaite détruire une carte mais annule l'opération. </a:t>
-            </a:r>
-          </a:p>
-          <a:p>
-            <a:pPr marL="0" indent="0">
-              <a:buNone/>
-            </a:pPr>
-            <a:r>
-              <a:rPr lang="fr-FR" dirty="0"/>
-              <a:t>Entrée: </a:t>
-            </a:r>
-            <a:r>
-              <a:rPr lang="fr-FR" dirty="0" smtClean="0"/>
-              <a:t>--</a:t>
-            </a:r>
-            <a:endParaRPr lang="fr-FR" dirty="0"/>
-          </a:p>
-          <a:p>
-            <a:pPr marL="0" indent="0">
-              <a:buNone/>
-            </a:pPr>
-            <a:r>
-              <a:rPr lang="fr-FR" u="sng" dirty="0" smtClean="0"/>
-              <a:t>Scénario nominal</a:t>
-            </a:r>
-            <a:r>
-              <a:rPr lang="fr-FR" dirty="0" smtClean="0"/>
-              <a:t>:</a:t>
-            </a:r>
-            <a:endParaRPr lang="fr-FR" dirty="0"/>
-          </a:p>
-          <a:p>
-            <a:pPr marL="0" indent="0">
-              <a:buNone/>
-            </a:pPr>
-            <a:r>
-              <a:rPr lang="fr-FR" dirty="0"/>
-              <a:t>1.Le jour choisit "Détruire carte".</a:t>
-            </a:r>
-          </a:p>
-          <a:p>
-            <a:pPr marL="0" indent="0">
-              <a:buNone/>
-            </a:pPr>
-            <a:r>
-              <a:rPr lang="fr-FR" dirty="0"/>
-              <a:t>2.Le joueur choisit d'annuler.</a:t>
-            </a:r>
-          </a:p>
-          <a:p>
-            <a:pPr marL="0" indent="0">
-              <a:buNone/>
-            </a:pPr>
-            <a:r>
-              <a:rPr lang="fr-FR" dirty="0"/>
-              <a:t>3.Le joueur termine</a:t>
-            </a:r>
-            <a:r>
-              <a:rPr lang="fr-FR" dirty="0" smtClean="0"/>
-              <a:t>.</a:t>
-            </a:r>
-            <a:endParaRPr lang="fr-FR" dirty="0"/>
-          </a:p>
-          <a:p>
-            <a:pPr marL="0" indent="0">
-              <a:buNone/>
-            </a:pPr>
-            <a:r>
-              <a:rPr lang="fr-FR" u="sng" dirty="0" smtClean="0"/>
-              <a:t>Résultat attendu</a:t>
-            </a:r>
-            <a:r>
-              <a:rPr lang="fr-FR" dirty="0" smtClean="0"/>
-              <a:t>:</a:t>
-            </a:r>
-            <a:endParaRPr lang="fr-FR" dirty="0"/>
-          </a:p>
-          <a:p>
-            <a:pPr marL="0" indent="0">
-              <a:buNone/>
-            </a:pPr>
-            <a:r>
-              <a:rPr lang="fr-FR" dirty="0"/>
-              <a:t>1.La collection n'a pas été changé, toutes les cartes sont présentes .</a:t>
-            </a:r>
-          </a:p>
-          <a:p>
-            <a:pPr marL="0" indent="0">
-              <a:buNone/>
-            </a:pPr>
-            <a:r>
-              <a:rPr lang="fr-FR" dirty="0"/>
-              <a:t>2.Le solde du joueur n'a pas changé</a:t>
-            </a:r>
-            <a:r>
-              <a:rPr lang="fr-FR" dirty="0" smtClean="0"/>
-              <a:t>.</a:t>
-            </a:r>
-            <a:endParaRPr lang="fr-FR" dirty="0"/>
-          </a:p>
-          <a:p>
-            <a:pPr marL="0" indent="0">
-              <a:buNone/>
-            </a:pPr>
-            <a:r>
-              <a:rPr lang="fr-FR" u="sng" dirty="0" smtClean="0"/>
-              <a:t>Moyen de vérification</a:t>
-            </a:r>
-            <a:r>
-              <a:rPr lang="fr-FR" dirty="0" smtClean="0"/>
-              <a:t>:</a:t>
-            </a:r>
-            <a:endParaRPr lang="fr-FR" dirty="0"/>
-          </a:p>
-          <a:p>
-            <a:pPr marL="0" indent="0">
-              <a:buNone/>
-            </a:pPr>
-            <a:r>
-              <a:rPr lang="fr-FR" dirty="0"/>
-              <a:t>1.Visualiser la collection du joueur pour </a:t>
-            </a:r>
-            <a:r>
-              <a:rPr lang="fr-FR" dirty="0" err="1"/>
-              <a:t>verifier</a:t>
-            </a:r>
-            <a:r>
-              <a:rPr lang="fr-FR" dirty="0"/>
-              <a:t> que les cartes avant l'</a:t>
-            </a:r>
-            <a:r>
-              <a:rPr lang="fr-FR" dirty="0" err="1"/>
-              <a:t>operation</a:t>
-            </a:r>
-            <a:r>
-              <a:rPr lang="fr-FR" dirty="0"/>
-              <a:t> sont toujours présentes.</a:t>
-            </a:r>
-          </a:p>
-          <a:p>
-            <a:pPr marL="0" indent="0">
-              <a:buNone/>
-            </a:pPr>
-            <a:r>
-              <a:rPr lang="fr-FR" dirty="0"/>
-              <a:t>2.Affiche le solde du joueur pour </a:t>
-            </a:r>
-            <a:r>
-              <a:rPr lang="fr-FR" dirty="0" err="1"/>
-              <a:t>verifier</a:t>
-            </a:r>
-            <a:r>
-              <a:rPr lang="fr-FR" dirty="0"/>
-              <a:t> que celui-ci n'a pas été modifié.</a:t>
-            </a:r>
-          </a:p>
-        </p:txBody>
-      </p:sp>
-      <p:sp>
-        <p:nvSpPr>
-          <p:cNvPr id="5" name="Espace réservé de la date 4"/>
-          <p:cNvSpPr>
-            <a:spLocks noGrp="1"/>
-          </p:cNvSpPr>
-          <p:nvPr>
-            <p:ph type="dt" sz="half" idx="10"/>
-          </p:nvPr>
-        </p:nvSpPr>
-        <p:spPr/>
-        <p:txBody>
-          <a:bodyPr/>
-          <a:lstStyle/>
-          <a:p>
-            <a:fld id="{6E297C13-8A02-476A-BC32-9713B4BAFEC7}" type="datetime1">
-              <a:rPr lang="fr-FR" smtClean="0"/>
-              <a:t>22/10/2017</a:t>
-            </a:fld>
-            <a:endParaRPr lang="fr-FR"/>
-          </a:p>
-        </p:txBody>
-      </p:sp>
-      <p:sp>
-        <p:nvSpPr>
-          <p:cNvPr id="6" name="Espace réservé du numéro de diapositive 5"/>
-          <p:cNvSpPr>
-            <a:spLocks noGrp="1"/>
-          </p:cNvSpPr>
-          <p:nvPr>
-            <p:ph type="sldNum" sz="quarter" idx="12"/>
-          </p:nvPr>
-        </p:nvSpPr>
-        <p:spPr/>
-        <p:txBody>
-          <a:bodyPr/>
-          <a:lstStyle/>
-          <a:p>
-            <a:fld id="{571CB747-BDA9-4D84-B713-CDD5BDC1D6D8}" type="slidenum">
-              <a:rPr lang="fr-FR" smtClean="0"/>
-              <a:t>17</a:t>
-            </a:fld>
-            <a:endParaRPr lang="fr-FR"/>
-          </a:p>
-        </p:txBody>
-      </p:sp>
-    </p:spTree>
-    <p:extLst>
-      <p:ext uri="{BB962C8B-B14F-4D97-AF65-F5344CB8AC3E}">
-        <p14:creationId xmlns:p14="http://schemas.microsoft.com/office/powerpoint/2010/main" val="2313170931"/>
-      </p:ext>
-    </p:extLst>
-  </p:cSld>
-  <p:clrMapOvr>
-    <a:masterClrMapping/>
-  </p:clrMapOvr>
-</p:sld>
-</file>
-
-<file path=ppt/slides/slide18.xml><?xml version="1.0" encoding="utf-8"?>
-<p:sld xmlns:a="http://schemas.openxmlformats.org/drawingml/2006/main" xmlns:r="http://schemas.openxmlformats.org/officeDocument/2006/relationships" xmlns:p="http://schemas.openxmlformats.org/presentationml/2006/main">
-  <p:cSld>
-    <p:spTree>
-      <p:nvGrpSpPr>
-        <p:cNvPr id="1" name=""/>
-        <p:cNvGrpSpPr/>
-        <p:nvPr/>
-      </p:nvGrpSpPr>
-      <p:grpSpPr>
-        <a:xfrm>
-          <a:off x="0" y="0"/>
-          <a:ext cx="0" cy="0"/>
-          <a:chOff x="0" y="0"/>
-          <a:chExt cx="0" cy="0"/>
-        </a:xfrm>
-      </p:grpSpPr>
-      <p:sp>
-        <p:nvSpPr>
-          <p:cNvPr id="2" name="Titre 1"/>
-          <p:cNvSpPr>
-            <a:spLocks noGrp="1"/>
-          </p:cNvSpPr>
-          <p:nvPr>
-            <p:ph type="title"/>
-          </p:nvPr>
-        </p:nvSpPr>
         <p:spPr>
           <a:xfrm>
             <a:off x="1251678" y="2156864"/>
@@ -12722,19 +9524,7 @@
             <a:pPr algn="ctr"/>
             <a:r>
               <a:rPr lang="fr-FR" dirty="0" smtClean="0"/>
-              <a:t>Merci </a:t>
-            </a:r>
-            <a:r>
-              <a:rPr lang="fr-FR" dirty="0" smtClean="0"/>
-              <a:t>de</a:t>
-            </a:r>
-            <a:r>
-              <a:rPr lang="fr-FR" dirty="0" smtClean="0"/>
-              <a:t> </a:t>
-            </a:r>
-            <a:r>
-              <a:rPr lang="fr-FR" dirty="0" smtClean="0"/>
-              <a:t>votre écoute</a:t>
+              <a:t>Merci pour votre écoute</a:t>
             </a:r>
             <a:endParaRPr lang="fr-FR" dirty="0"/>
           </a:p>
@@ -12757,7 +9547,7 @@
           <a:p>
             <a:fld id="{8D8251DC-D010-4512-9E64-0AD1A731F3B7}" type="datetime1">
               <a:rPr lang="fr-FR" smtClean="0"/>
-              <a:t>22/10/2017</a:t>
+              <a:t>21/10/2017</a:t>
             </a:fld>
             <a:endParaRPr lang="fr-FR"/>
           </a:p>
@@ -12780,7 +9570,7 @@
           <a:p>
             <a:fld id="{571CB747-BDA9-4D84-B713-CDD5BDC1D6D8}" type="slidenum">
               <a:rPr lang="fr-FR" smtClean="0"/>
-              <a:t>18</a:t>
+              <a:t>14</a:t>
             </a:fld>
             <a:endParaRPr lang="fr-FR"/>
           </a:p>
@@ -12821,7 +9611,7 @@
           <p:cNvPr id="2" name="Titre 1">
             <a:extLst>
               <a:ext uri="{FF2B5EF4-FFF2-40B4-BE49-F238E27FC236}">
-                <a16:creationId xmlns="" xmlns:a16="http://schemas.microsoft.com/office/drawing/2014/main" id="{7985DEC1-3319-4242-A9FD-D8C4CB35A6FF}"/>
+                <a16:creationId xmlns:a16="http://schemas.microsoft.com/office/drawing/2014/main" xmlns="" id="{7985DEC1-3319-4242-A9FD-D8C4CB35A6FF}"/>
               </a:ext>
             </a:extLst>
           </p:cNvPr>
@@ -12856,7 +9646,7 @@
           <p:cNvPr id="3" name="Espace réservé du contenu 2">
             <a:extLst>
               <a:ext uri="{FF2B5EF4-FFF2-40B4-BE49-F238E27FC236}">
-                <a16:creationId xmlns="" xmlns:a16="http://schemas.microsoft.com/office/drawing/2014/main" id="{D851DD03-D7A3-4FEE-9006-66F178B8C905}"/>
+                <a16:creationId xmlns:a16="http://schemas.microsoft.com/office/drawing/2014/main" xmlns="" id="{D851DD03-D7A3-4FEE-9006-66F178B8C905}"/>
               </a:ext>
             </a:extLst>
           </p:cNvPr>
@@ -12944,7 +9734,7 @@
           <p:cNvPr id="4" name="Espace réservé de la date 3">
             <a:extLst>
               <a:ext uri="{FF2B5EF4-FFF2-40B4-BE49-F238E27FC236}">
-                <a16:creationId xmlns="" xmlns:a16="http://schemas.microsoft.com/office/drawing/2014/main" id="{47CEFEE9-7F76-4DD5-8355-3F1EEE08C4D5}"/>
+                <a16:creationId xmlns:a16="http://schemas.microsoft.com/office/drawing/2014/main" xmlns="" id="{47CEFEE9-7F76-4DD5-8355-3F1EEE08C4D5}"/>
               </a:ext>
             </a:extLst>
           </p:cNvPr>
@@ -12962,7 +9752,7 @@
           <a:p>
             <a:fld id="{4C20E91B-2A72-4F78-9F83-5AAC5F048518}" type="datetime1">
               <a:rPr lang="fr-FR" smtClean="0"/>
-              <a:t>22/10/2017</a:t>
+              <a:t>21/10/2017</a:t>
             </a:fld>
             <a:endParaRPr lang="fr-FR"/>
           </a:p>
@@ -12973,7 +9763,7 @@
           <p:cNvPr id="5" name="Espace réservé du numéro de diapositive 4">
             <a:extLst>
               <a:ext uri="{FF2B5EF4-FFF2-40B4-BE49-F238E27FC236}">
-                <a16:creationId xmlns="" xmlns:a16="http://schemas.microsoft.com/office/drawing/2014/main" id="{3EE8D88A-5E44-4EBA-9D23-CB2F4C5B9529}"/>
+                <a16:creationId xmlns:a16="http://schemas.microsoft.com/office/drawing/2014/main" xmlns="" id="{3EE8D88A-5E44-4EBA-9D23-CB2F4C5B9529}"/>
               </a:ext>
             </a:extLst>
           </p:cNvPr>
@@ -13039,7 +9829,7 @@
           <p:cNvPr id="2" name="Titre 1">
             <a:extLst>
               <a:ext uri="{FF2B5EF4-FFF2-40B4-BE49-F238E27FC236}">
-                <a16:creationId xmlns="" xmlns:a16="http://schemas.microsoft.com/office/drawing/2014/main" id="{6248055D-4222-4B28-8965-524DD130BD5D}"/>
+                <a16:creationId xmlns:a16="http://schemas.microsoft.com/office/drawing/2014/main" xmlns="" id="{6248055D-4222-4B28-8965-524DD130BD5D}"/>
               </a:ext>
             </a:extLst>
           </p:cNvPr>
@@ -13068,7 +9858,7 @@
           <p:cNvPr id="3" name="Espace réservé du contenu 2">
             <a:extLst>
               <a:ext uri="{FF2B5EF4-FFF2-40B4-BE49-F238E27FC236}">
-                <a16:creationId xmlns="" xmlns:a16="http://schemas.microsoft.com/office/drawing/2014/main" id="{ABFB1D10-460E-4B72-A2D7-327D884B547E}"/>
+                <a16:creationId xmlns:a16="http://schemas.microsoft.com/office/drawing/2014/main" xmlns="" id="{ABFB1D10-460E-4B72-A2D7-327D884B547E}"/>
               </a:ext>
             </a:extLst>
           </p:cNvPr>
@@ -13199,7 +9989,7 @@
           <p:cNvPr id="4" name="Espace réservé de la date 3">
             <a:extLst>
               <a:ext uri="{FF2B5EF4-FFF2-40B4-BE49-F238E27FC236}">
-                <a16:creationId xmlns="" xmlns:a16="http://schemas.microsoft.com/office/drawing/2014/main" id="{4182CCE7-A621-474B-BE64-7E3890413C0D}"/>
+                <a16:creationId xmlns:a16="http://schemas.microsoft.com/office/drawing/2014/main" xmlns="" id="{4182CCE7-A621-474B-BE64-7E3890413C0D}"/>
               </a:ext>
             </a:extLst>
           </p:cNvPr>
@@ -13217,7 +10007,7 @@
           <a:p>
             <a:fld id="{6586D8E6-D7A2-42A5-8515-45792FFC4FC5}" type="datetime1">
               <a:rPr lang="fr-FR" smtClean="0"/>
-              <a:t>22/10/2017</a:t>
+              <a:t>21/10/2017</a:t>
             </a:fld>
             <a:endParaRPr lang="fr-FR"/>
           </a:p>
@@ -13228,7 +10018,7 @@
           <p:cNvPr id="5" name="Espace réservé du numéro de diapositive 4">
             <a:extLst>
               <a:ext uri="{FF2B5EF4-FFF2-40B4-BE49-F238E27FC236}">
-                <a16:creationId xmlns="" xmlns:a16="http://schemas.microsoft.com/office/drawing/2014/main" id="{E5D6EF64-3541-4C0B-896C-0CEE3F1675E2}"/>
+                <a16:creationId xmlns:a16="http://schemas.microsoft.com/office/drawing/2014/main" xmlns="" id="{E5D6EF64-3541-4C0B-896C-0CEE3F1675E2}"/>
               </a:ext>
             </a:extLst>
           </p:cNvPr>
@@ -13324,7 +10114,7 @@
           <p:cNvPr id="2" name="Titre 1">
             <a:extLst>
               <a:ext uri="{FF2B5EF4-FFF2-40B4-BE49-F238E27FC236}">
-                <a16:creationId xmlns="" xmlns:a16="http://schemas.microsoft.com/office/drawing/2014/main" id="{69B219DF-0987-4F02-8EE2-2B9D41AEF4A0}"/>
+                <a16:creationId xmlns:a16="http://schemas.microsoft.com/office/drawing/2014/main" xmlns="" id="{69B219DF-0987-4F02-8EE2-2B9D41AEF4A0}"/>
               </a:ext>
             </a:extLst>
           </p:cNvPr>
@@ -13358,7 +10148,7 @@
           <p:cNvPr id="3" name="Espace réservé du contenu 2">
             <a:extLst>
               <a:ext uri="{FF2B5EF4-FFF2-40B4-BE49-F238E27FC236}">
-                <a16:creationId xmlns="" xmlns:a16="http://schemas.microsoft.com/office/drawing/2014/main" id="{729B1E1B-C651-4A44-B0D7-1CB590D2E668}"/>
+                <a16:creationId xmlns:a16="http://schemas.microsoft.com/office/drawing/2014/main" xmlns="" id="{729B1E1B-C651-4A44-B0D7-1CB590D2E668}"/>
               </a:ext>
             </a:extLst>
           </p:cNvPr>
@@ -13412,7 +10202,7 @@
           <p:cNvPr id="4" name="Espace réservé de la date 3">
             <a:extLst>
               <a:ext uri="{FF2B5EF4-FFF2-40B4-BE49-F238E27FC236}">
-                <a16:creationId xmlns="" xmlns:a16="http://schemas.microsoft.com/office/drawing/2014/main" id="{C7BB3135-4526-41A7-B370-ADE6B4532B20}"/>
+                <a16:creationId xmlns:a16="http://schemas.microsoft.com/office/drawing/2014/main" xmlns="" id="{C7BB3135-4526-41A7-B370-ADE6B4532B20}"/>
               </a:ext>
             </a:extLst>
           </p:cNvPr>
@@ -13430,7 +10220,7 @@
           <a:p>
             <a:fld id="{8D8251DC-D010-4512-9E64-0AD1A731F3B7}" type="datetime1">
               <a:rPr lang="fr-FR" smtClean="0"/>
-              <a:t>22/10/2017</a:t>
+              <a:t>21/10/2017</a:t>
             </a:fld>
             <a:endParaRPr lang="fr-FR"/>
           </a:p>
@@ -13441,7 +10231,7 @@
           <p:cNvPr id="5" name="Espace réservé du numéro de diapositive 4">
             <a:extLst>
               <a:ext uri="{FF2B5EF4-FFF2-40B4-BE49-F238E27FC236}">
-                <a16:creationId xmlns="" xmlns:a16="http://schemas.microsoft.com/office/drawing/2014/main" id="{91A88B43-B845-422F-9A99-B82D3165EBBD}"/>
+                <a16:creationId xmlns:a16="http://schemas.microsoft.com/office/drawing/2014/main" xmlns="" id="{91A88B43-B845-422F-9A99-B82D3165EBBD}"/>
               </a:ext>
             </a:extLst>
           </p:cNvPr>
@@ -13604,7 +10394,7 @@
           <a:p>
             <a:fld id="{6E297C13-8A02-476A-BC32-9713B4BAFEC7}" type="datetime1">
               <a:rPr lang="fr-FR" smtClean="0"/>
-              <a:t>22/10/2017</a:t>
+              <a:t>21/10/2017</a:t>
             </a:fld>
             <a:endParaRPr lang="fr-FR"/>
           </a:p>
@@ -13738,7 +10528,7 @@
           <a:p>
             <a:fld id="{8D8251DC-D010-4512-9E64-0AD1A731F3B7}" type="datetime1">
               <a:rPr lang="fr-FR" smtClean="0"/>
-              <a:t>22/10/2017</a:t>
+              <a:t>21/10/2017</a:t>
             </a:fld>
             <a:endParaRPr lang="fr-FR"/>
           </a:p>
@@ -14875,7 +11665,7 @@
           <a:p>
             <a:fld id="{6E297C13-8A02-476A-BC32-9713B4BAFEC7}" type="datetime1">
               <a:rPr lang="fr-FR" smtClean="0"/>
-              <a:t>22/10/2017</a:t>
+              <a:t>21/10/2017</a:t>
             </a:fld>
             <a:endParaRPr lang="fr-FR"/>
           </a:p>
@@ -15752,7 +12542,7 @@
           <a:p>
             <a:fld id="{6E297C13-8A02-476A-BC32-9713B4BAFEC7}" type="datetime1">
               <a:rPr lang="fr-FR" smtClean="0"/>
-              <a:t>22/10/2017</a:t>
+              <a:t>21/10/2017</a:t>
             </a:fld>
             <a:endParaRPr lang="fr-FR"/>
           </a:p>
@@ -15901,7 +12691,7 @@
           <a:p>
             <a:fld id="{8D8251DC-D010-4512-9E64-0AD1A731F3B7}" type="datetime1">
               <a:rPr lang="fr-FR" smtClean="0"/>
-              <a:t>22/10/2017</a:t>
+              <a:t>21/10/2017</a:t>
             </a:fld>
             <a:endParaRPr lang="fr-FR"/>
           </a:p>
